--- a/AI Applications/논문 발표 PT/논문발표-김소희.pptx
+++ b/AI Applications/논문 발표 PT/논문발표-김소희.pptx
@@ -5,7 +5,7 @@
     <p:sldMasterId id="2147483648" r:id="rId1"/>
   </p:sldMasterIdLst>
   <p:notesMasterIdLst>
-    <p:notesMasterId r:id="rId12"/>
+    <p:notesMasterId r:id="rId14"/>
   </p:notesMasterIdLst>
   <p:sldIdLst>
     <p:sldId id="256" r:id="rId2"/>
@@ -18,6 +18,8 @@
     <p:sldId id="264" r:id="rId9"/>
     <p:sldId id="265" r:id="rId10"/>
     <p:sldId id="266" r:id="rId11"/>
+    <p:sldId id="267" r:id="rId12"/>
+    <p:sldId id="268" r:id="rId13"/>
   </p:sldIdLst>
   <p:sldSz cx="12192000" cy="6858000"/>
   <p:notesSz cx="6858000" cy="9144000"/>
@@ -116,6 +118,11 @@
       </a:defRPr>
     </a:lvl9pPr>
   </p:defaultTextStyle>
+  <p:extLst>
+    <p:ext uri="{EFAFB233-063F-42B5-8137-9DF3F51BA10A}">
+      <p15:sldGuideLst xmlns:p15="http://schemas.microsoft.com/office/powerpoint/2012/main"/>
+    </p:ext>
+  </p:extLst>
 </p:presentation>
 </file>
 
@@ -123,12 +130,449 @@
 <p1510:revInfo xmlns:a="http://schemas.openxmlformats.org/drawingml/2006/main" xmlns:r="http://schemas.openxmlformats.org/officeDocument/2006/relationships" xmlns:p1510="http://schemas.microsoft.com/office/powerpoint/2015/10/main">
   <p1510:revLst>
     <p1510:client id="{2DD508A3-68AF-4A7C-B8D2-E3DD5F227811}" v="136" dt="2022-04-22T10:54:52.055"/>
+    <p1510:client id="{40BF9DC3-554D-49E9-9E0E-E0151F43EFDD}" v="237" dt="2022-04-22T16:15:43.917"/>
   </p1510:revLst>
 </p1510:revInfo>
 </file>
 
 <file path=ppt/changesInfos/changesInfo1.xml><?xml version="1.0" encoding="utf-8"?>
 <pc:chgInfo xmlns:a="http://schemas.openxmlformats.org/drawingml/2006/main" xmlns:r="http://schemas.openxmlformats.org/officeDocument/2006/relationships" xmlns:ac="http://schemas.microsoft.com/office/drawing/2013/main/command" xmlns:pc="http://schemas.microsoft.com/office/powerpoint/2013/main/command">
+  <pc:docChgLst>
+    <pc:chgData name="김소희" userId="292a1162-0793-4577-a94d-2dae0dfa5995" providerId="ADAL" clId="{40BF9DC3-554D-49E9-9E0E-E0151F43EFDD}"/>
+    <pc:docChg chg="undo custSel addSld modSld">
+      <pc:chgData name="김소희" userId="292a1162-0793-4577-a94d-2dae0dfa5995" providerId="ADAL" clId="{40BF9DC3-554D-49E9-9E0E-E0151F43EFDD}" dt="2022-04-22T16:28:47.647" v="2246" actId="478"/>
+      <pc:docMkLst>
+        <pc:docMk/>
+      </pc:docMkLst>
+      <pc:sldChg chg="delSp modSp mod">
+        <pc:chgData name="김소희" userId="292a1162-0793-4577-a94d-2dae0dfa5995" providerId="ADAL" clId="{40BF9DC3-554D-49E9-9E0E-E0151F43EFDD}" dt="2022-04-22T15:09:56.328" v="1" actId="1076"/>
+        <pc:sldMkLst>
+          <pc:docMk/>
+          <pc:sldMk cId="1494881417" sldId="259"/>
+        </pc:sldMkLst>
+        <pc:spChg chg="mod">
+          <ac:chgData name="김소희" userId="292a1162-0793-4577-a94d-2dae0dfa5995" providerId="ADAL" clId="{40BF9DC3-554D-49E9-9E0E-E0151F43EFDD}" dt="2022-04-22T15:09:56.328" v="1" actId="1076"/>
+          <ac:spMkLst>
+            <pc:docMk/>
+            <pc:sldMk cId="1494881417" sldId="259"/>
+            <ac:spMk id="8" creationId="{D659A626-4C99-478F-AC63-1EEE60A2E841}"/>
+          </ac:spMkLst>
+        </pc:spChg>
+        <pc:spChg chg="mod">
+          <ac:chgData name="김소희" userId="292a1162-0793-4577-a94d-2dae0dfa5995" providerId="ADAL" clId="{40BF9DC3-554D-49E9-9E0E-E0151F43EFDD}" dt="2022-04-22T15:09:56.328" v="1" actId="1076"/>
+          <ac:spMkLst>
+            <pc:docMk/>
+            <pc:sldMk cId="1494881417" sldId="259"/>
+            <ac:spMk id="14" creationId="{A2ABC8AD-708D-41F6-AD91-C857C04DF45F}"/>
+          </ac:spMkLst>
+        </pc:spChg>
+        <pc:spChg chg="mod">
+          <ac:chgData name="김소희" userId="292a1162-0793-4577-a94d-2dae0dfa5995" providerId="ADAL" clId="{40BF9DC3-554D-49E9-9E0E-E0151F43EFDD}" dt="2022-04-22T15:09:56.328" v="1" actId="1076"/>
+          <ac:spMkLst>
+            <pc:docMk/>
+            <pc:sldMk cId="1494881417" sldId="259"/>
+            <ac:spMk id="15" creationId="{E185E59A-6DE0-4780-874A-3E165009ECB0}"/>
+          </ac:spMkLst>
+        </pc:spChg>
+        <pc:spChg chg="mod">
+          <ac:chgData name="김소희" userId="292a1162-0793-4577-a94d-2dae0dfa5995" providerId="ADAL" clId="{40BF9DC3-554D-49E9-9E0E-E0151F43EFDD}" dt="2022-04-22T15:09:56.328" v="1" actId="1076"/>
+          <ac:spMkLst>
+            <pc:docMk/>
+            <pc:sldMk cId="1494881417" sldId="259"/>
+            <ac:spMk id="16" creationId="{20D8014B-08A0-4DF2-AF8A-4B8E7B070069}"/>
+          </ac:spMkLst>
+        </pc:spChg>
+        <pc:spChg chg="mod">
+          <ac:chgData name="김소희" userId="292a1162-0793-4577-a94d-2dae0dfa5995" providerId="ADAL" clId="{40BF9DC3-554D-49E9-9E0E-E0151F43EFDD}" dt="2022-04-22T15:09:56.328" v="1" actId="1076"/>
+          <ac:spMkLst>
+            <pc:docMk/>
+            <pc:sldMk cId="1494881417" sldId="259"/>
+            <ac:spMk id="17" creationId="{72D9B935-78A1-4ED7-85A5-518590D4B4C1}"/>
+          </ac:spMkLst>
+        </pc:spChg>
+        <pc:spChg chg="mod">
+          <ac:chgData name="김소희" userId="292a1162-0793-4577-a94d-2dae0dfa5995" providerId="ADAL" clId="{40BF9DC3-554D-49E9-9E0E-E0151F43EFDD}" dt="2022-04-22T15:09:56.328" v="1" actId="1076"/>
+          <ac:spMkLst>
+            <pc:docMk/>
+            <pc:sldMk cId="1494881417" sldId="259"/>
+            <ac:spMk id="18" creationId="{E08BEECF-3E03-45A4-BA6D-6121C299D89F}"/>
+          </ac:spMkLst>
+        </pc:spChg>
+        <pc:spChg chg="del">
+          <ac:chgData name="김소희" userId="292a1162-0793-4577-a94d-2dae0dfa5995" providerId="ADAL" clId="{40BF9DC3-554D-49E9-9E0E-E0151F43EFDD}" dt="2022-04-22T15:09:50.007" v="0" actId="478"/>
+          <ac:spMkLst>
+            <pc:docMk/>
+            <pc:sldMk cId="1494881417" sldId="259"/>
+            <ac:spMk id="28" creationId="{227BC6CB-B9CB-43D4-BC9D-4ADF87748DAA}"/>
+          </ac:spMkLst>
+        </pc:spChg>
+      </pc:sldChg>
+      <pc:sldChg chg="modSp mod">
+        <pc:chgData name="김소희" userId="292a1162-0793-4577-a94d-2dae0dfa5995" providerId="ADAL" clId="{40BF9DC3-554D-49E9-9E0E-E0151F43EFDD}" dt="2022-04-22T15:42:23.698" v="637" actId="113"/>
+        <pc:sldMkLst>
+          <pc:docMk/>
+          <pc:sldMk cId="151742199" sldId="265"/>
+        </pc:sldMkLst>
+        <pc:spChg chg="mod">
+          <ac:chgData name="김소희" userId="292a1162-0793-4577-a94d-2dae0dfa5995" providerId="ADAL" clId="{40BF9DC3-554D-49E9-9E0E-E0151F43EFDD}" dt="2022-04-22T15:42:23.698" v="637" actId="113"/>
+          <ac:spMkLst>
+            <pc:docMk/>
+            <pc:sldMk cId="151742199" sldId="265"/>
+            <ac:spMk id="9" creationId="{87B548AE-3818-4D9F-8076-0593EC0EBB65}"/>
+          </ac:spMkLst>
+        </pc:spChg>
+      </pc:sldChg>
+      <pc:sldChg chg="addSp delSp modSp mod modNotesTx">
+        <pc:chgData name="김소희" userId="292a1162-0793-4577-a94d-2dae0dfa5995" providerId="ADAL" clId="{40BF9DC3-554D-49E9-9E0E-E0151F43EFDD}" dt="2022-04-22T15:56:37.387" v="1527" actId="404"/>
+        <pc:sldMkLst>
+          <pc:docMk/>
+          <pc:sldMk cId="1321557774" sldId="266"/>
+        </pc:sldMkLst>
+        <pc:spChg chg="mod">
+          <ac:chgData name="김소희" userId="292a1162-0793-4577-a94d-2dae0dfa5995" providerId="ADAL" clId="{40BF9DC3-554D-49E9-9E0E-E0151F43EFDD}" dt="2022-04-22T15:40:15.704" v="611" actId="1076"/>
+          <ac:spMkLst>
+            <pc:docMk/>
+            <pc:sldMk cId="1321557774" sldId="266"/>
+            <ac:spMk id="5" creationId="{34E7CC66-42E2-4959-88DF-0B454D5A55A5}"/>
+          </ac:spMkLst>
+        </pc:spChg>
+        <pc:spChg chg="mod">
+          <ac:chgData name="김소희" userId="292a1162-0793-4577-a94d-2dae0dfa5995" providerId="ADAL" clId="{40BF9DC3-554D-49E9-9E0E-E0151F43EFDD}" dt="2022-04-22T15:40:18.620" v="613" actId="1076"/>
+          <ac:spMkLst>
+            <pc:docMk/>
+            <pc:sldMk cId="1321557774" sldId="266"/>
+            <ac:spMk id="9" creationId="{87B548AE-3818-4D9F-8076-0593EC0EBB65}"/>
+          </ac:spMkLst>
+        </pc:spChg>
+        <pc:spChg chg="mod">
+          <ac:chgData name="김소희" userId="292a1162-0793-4577-a94d-2dae0dfa5995" providerId="ADAL" clId="{40BF9DC3-554D-49E9-9E0E-E0151F43EFDD}" dt="2022-04-22T15:40:55.454" v="621" actId="1076"/>
+          <ac:spMkLst>
+            <pc:docMk/>
+            <pc:sldMk cId="1321557774" sldId="266"/>
+            <ac:spMk id="10" creationId="{BB6819C2-414F-4640-B975-984987BB54E7}"/>
+          </ac:spMkLst>
+        </pc:spChg>
+        <pc:spChg chg="mod">
+          <ac:chgData name="김소희" userId="292a1162-0793-4577-a94d-2dae0dfa5995" providerId="ADAL" clId="{40BF9DC3-554D-49E9-9E0E-E0151F43EFDD}" dt="2022-04-22T15:41:33.443" v="627" actId="1076"/>
+          <ac:spMkLst>
+            <pc:docMk/>
+            <pc:sldMk cId="1321557774" sldId="266"/>
+            <ac:spMk id="15" creationId="{737AF709-C5DF-4DF4-8CF6-C2D5F4CA1A60}"/>
+          </ac:spMkLst>
+        </pc:spChg>
+        <pc:spChg chg="del mod">
+          <ac:chgData name="김소희" userId="292a1162-0793-4577-a94d-2dae0dfa5995" providerId="ADAL" clId="{40BF9DC3-554D-49E9-9E0E-E0151F43EFDD}" dt="2022-04-22T15:35:46.804" v="459" actId="478"/>
+          <ac:spMkLst>
+            <pc:docMk/>
+            <pc:sldMk cId="1321557774" sldId="266"/>
+            <ac:spMk id="16" creationId="{5E0FFC5A-7019-47E2-BDA8-F67444EF73C2}"/>
+          </ac:spMkLst>
+        </pc:spChg>
+        <pc:spChg chg="del mod">
+          <ac:chgData name="김소희" userId="292a1162-0793-4577-a94d-2dae0dfa5995" providerId="ADAL" clId="{40BF9DC3-554D-49E9-9E0E-E0151F43EFDD}" dt="2022-04-22T15:18:12.535" v="39" actId="478"/>
+          <ac:spMkLst>
+            <pc:docMk/>
+            <pc:sldMk cId="1321557774" sldId="266"/>
+            <ac:spMk id="18" creationId="{56927534-BC02-474E-BD8A-21BAE49D4336}"/>
+          </ac:spMkLst>
+        </pc:spChg>
+        <pc:spChg chg="del mod">
+          <ac:chgData name="김소희" userId="292a1162-0793-4577-a94d-2dae0dfa5995" providerId="ADAL" clId="{40BF9DC3-554D-49E9-9E0E-E0151F43EFDD}" dt="2022-04-22T15:19:37.223" v="56" actId="478"/>
+          <ac:spMkLst>
+            <pc:docMk/>
+            <pc:sldMk cId="1321557774" sldId="266"/>
+            <ac:spMk id="20" creationId="{46033BFC-B59C-4056-AECD-55CE11744952}"/>
+          </ac:spMkLst>
+        </pc:spChg>
+        <pc:spChg chg="add mod ord">
+          <ac:chgData name="김소희" userId="292a1162-0793-4577-a94d-2dae0dfa5995" providerId="ADAL" clId="{40BF9DC3-554D-49E9-9E0E-E0151F43EFDD}" dt="2022-04-22T15:56:37.387" v="1527" actId="404"/>
+          <ac:spMkLst>
+            <pc:docMk/>
+            <pc:sldMk cId="1321557774" sldId="266"/>
+            <ac:spMk id="21" creationId="{0E594E0D-4EDC-4944-83F7-7E8BD97981F3}"/>
+          </ac:spMkLst>
+        </pc:spChg>
+        <pc:spChg chg="add mod">
+          <ac:chgData name="김소희" userId="292a1162-0793-4577-a94d-2dae0dfa5995" providerId="ADAL" clId="{40BF9DC3-554D-49E9-9E0E-E0151F43EFDD}" dt="2022-04-22T15:41:36.434" v="628" actId="1076"/>
+          <ac:spMkLst>
+            <pc:docMk/>
+            <pc:sldMk cId="1321557774" sldId="266"/>
+            <ac:spMk id="22" creationId="{DB6336A3-67D4-4E90-8D68-97FE87348EC2}"/>
+          </ac:spMkLst>
+        </pc:spChg>
+        <pc:spChg chg="add mod">
+          <ac:chgData name="김소희" userId="292a1162-0793-4577-a94d-2dae0dfa5995" providerId="ADAL" clId="{40BF9DC3-554D-49E9-9E0E-E0151F43EFDD}" dt="2022-04-22T15:41:59.334" v="634" actId="1076"/>
+          <ac:spMkLst>
+            <pc:docMk/>
+            <pc:sldMk cId="1321557774" sldId="266"/>
+            <ac:spMk id="23" creationId="{64C05AE6-9E4D-4819-A32D-3F3984100F2C}"/>
+          </ac:spMkLst>
+        </pc:spChg>
+        <pc:grpChg chg="add mod">
+          <ac:chgData name="김소희" userId="292a1162-0793-4577-a94d-2dae0dfa5995" providerId="ADAL" clId="{40BF9DC3-554D-49E9-9E0E-E0151F43EFDD}" dt="2022-04-22T15:40:50.594" v="620" actId="1076"/>
+          <ac:grpSpMkLst>
+            <pc:docMk/>
+            <pc:sldMk cId="1321557774" sldId="266"/>
+            <ac:grpSpMk id="2" creationId="{3743684D-39FE-48C3-A4D6-FCDF0DA9EE33}"/>
+          </ac:grpSpMkLst>
+        </pc:grpChg>
+        <pc:grpChg chg="add mod">
+          <ac:chgData name="김소희" userId="292a1162-0793-4577-a94d-2dae0dfa5995" providerId="ADAL" clId="{40BF9DC3-554D-49E9-9E0E-E0151F43EFDD}" dt="2022-04-22T15:41:03.166" v="622" actId="14100"/>
+          <ac:grpSpMkLst>
+            <pc:docMk/>
+            <pc:sldMk cId="1321557774" sldId="266"/>
+            <ac:grpSpMk id="3" creationId="{3EF7F7DF-973D-465D-BBEF-EBF7570BB078}"/>
+          </ac:grpSpMkLst>
+        </pc:grpChg>
+        <pc:picChg chg="mod">
+          <ac:chgData name="김소희" userId="292a1162-0793-4577-a94d-2dae0dfa5995" providerId="ADAL" clId="{40BF9DC3-554D-49E9-9E0E-E0151F43EFDD}" dt="2022-04-22T15:41:13.260" v="623" actId="14100"/>
+          <ac:picMkLst>
+            <pc:docMk/>
+            <pc:sldMk cId="1321557774" sldId="266"/>
+            <ac:picMk id="7" creationId="{95F70CF9-7300-4971-B5D3-B5FC3BFE06EC}"/>
+          </ac:picMkLst>
+        </pc:picChg>
+        <pc:picChg chg="mod">
+          <ac:chgData name="김소희" userId="292a1162-0793-4577-a94d-2dae0dfa5995" providerId="ADAL" clId="{40BF9DC3-554D-49E9-9E0E-E0151F43EFDD}" dt="2022-04-22T15:41:26.333" v="626" actId="1076"/>
+          <ac:picMkLst>
+            <pc:docMk/>
+            <pc:sldMk cId="1321557774" sldId="266"/>
+            <ac:picMk id="8" creationId="{4B655002-BEEF-41EF-B713-0C801038FB0A}"/>
+          </ac:picMkLst>
+        </pc:picChg>
+        <pc:picChg chg="mod">
+          <ac:chgData name="김소희" userId="292a1162-0793-4577-a94d-2dae0dfa5995" providerId="ADAL" clId="{40BF9DC3-554D-49E9-9E0E-E0151F43EFDD}" dt="2022-04-22T15:41:23.206" v="625" actId="1076"/>
+          <ac:picMkLst>
+            <pc:docMk/>
+            <pc:sldMk cId="1321557774" sldId="266"/>
+            <ac:picMk id="12" creationId="{839B7150-685F-4E9D-800C-89AC678BB8CE}"/>
+          </ac:picMkLst>
+        </pc:picChg>
+        <pc:picChg chg="mod">
+          <ac:chgData name="김소희" userId="292a1162-0793-4577-a94d-2dae0dfa5995" providerId="ADAL" clId="{40BF9DC3-554D-49E9-9E0E-E0151F43EFDD}" dt="2022-04-22T15:41:59.334" v="634" actId="1076"/>
+          <ac:picMkLst>
+            <pc:docMk/>
+            <pc:sldMk cId="1321557774" sldId="266"/>
+            <ac:picMk id="13" creationId="{0F537920-858F-4B12-B65A-B3B3F19C4219}"/>
+          </ac:picMkLst>
+        </pc:picChg>
+        <pc:picChg chg="mod modCrop">
+          <ac:chgData name="김소희" userId="292a1162-0793-4577-a94d-2dae0dfa5995" providerId="ADAL" clId="{40BF9DC3-554D-49E9-9E0E-E0151F43EFDD}" dt="2022-04-22T15:40:01.839" v="606" actId="164"/>
+          <ac:picMkLst>
+            <pc:docMk/>
+            <pc:sldMk cId="1321557774" sldId="266"/>
+            <ac:picMk id="17" creationId="{D1F6E452-8E4D-45EC-8D04-233B62565CC8}"/>
+          </ac:picMkLst>
+        </pc:picChg>
+        <pc:picChg chg="mod">
+          <ac:chgData name="김소희" userId="292a1162-0793-4577-a94d-2dae0dfa5995" providerId="ADAL" clId="{40BF9DC3-554D-49E9-9E0E-E0151F43EFDD}" dt="2022-04-22T15:39:48.520" v="604" actId="164"/>
+          <ac:picMkLst>
+            <pc:docMk/>
+            <pc:sldMk cId="1321557774" sldId="266"/>
+            <ac:picMk id="19" creationId="{98525F6B-5CF1-4B1D-AD20-92EA129FBF5D}"/>
+          </ac:picMkLst>
+        </pc:picChg>
+      </pc:sldChg>
+      <pc:sldChg chg="addSp delSp modSp add mod modNotesTx">
+        <pc:chgData name="김소희" userId="292a1162-0793-4577-a94d-2dae0dfa5995" providerId="ADAL" clId="{40BF9DC3-554D-49E9-9E0E-E0151F43EFDD}" dt="2022-04-22T16:25:55.382" v="2241" actId="20577"/>
+        <pc:sldMkLst>
+          <pc:docMk/>
+          <pc:sldMk cId="1786986614" sldId="267"/>
+        </pc:sldMkLst>
+        <pc:spChg chg="mod topLvl">
+          <ac:chgData name="김소희" userId="292a1162-0793-4577-a94d-2dae0dfa5995" providerId="ADAL" clId="{40BF9DC3-554D-49E9-9E0E-E0151F43EFDD}" dt="2022-04-22T16:14:34.766" v="1989" actId="403"/>
+          <ac:spMkLst>
+            <pc:docMk/>
+            <pc:sldMk cId="1786986614" sldId="267"/>
+            <ac:spMk id="9" creationId="{87B548AE-3818-4D9F-8076-0593EC0EBB65}"/>
+          </ac:spMkLst>
+        </pc:spChg>
+        <pc:spChg chg="del">
+          <ac:chgData name="김소희" userId="292a1162-0793-4577-a94d-2dae0dfa5995" providerId="ADAL" clId="{40BF9DC3-554D-49E9-9E0E-E0151F43EFDD}" dt="2022-04-22T15:57:23.443" v="1552" actId="478"/>
+          <ac:spMkLst>
+            <pc:docMk/>
+            <pc:sldMk cId="1786986614" sldId="267"/>
+            <ac:spMk id="10" creationId="{BB6819C2-414F-4640-B975-984987BB54E7}"/>
+          </ac:spMkLst>
+        </pc:spChg>
+        <pc:spChg chg="del mod">
+          <ac:chgData name="김소희" userId="292a1162-0793-4577-a94d-2dae0dfa5995" providerId="ADAL" clId="{40BF9DC3-554D-49E9-9E0E-E0151F43EFDD}" dt="2022-04-22T16:03:41.186" v="1749" actId="478"/>
+          <ac:spMkLst>
+            <pc:docMk/>
+            <pc:sldMk cId="1786986614" sldId="267"/>
+            <ac:spMk id="15" creationId="{737AF709-C5DF-4DF4-8CF6-C2D5F4CA1A60}"/>
+          </ac:spMkLst>
+        </pc:spChg>
+        <pc:spChg chg="mod topLvl">
+          <ac:chgData name="김소희" userId="292a1162-0793-4577-a94d-2dae0dfa5995" providerId="ADAL" clId="{40BF9DC3-554D-49E9-9E0E-E0151F43EFDD}" dt="2022-04-22T16:15:43.917" v="2031" actId="20577"/>
+          <ac:spMkLst>
+            <pc:docMk/>
+            <pc:sldMk cId="1786986614" sldId="267"/>
+            <ac:spMk id="21" creationId="{0E594E0D-4EDC-4944-83F7-7E8BD97981F3}"/>
+          </ac:spMkLst>
+        </pc:spChg>
+        <pc:spChg chg="del">
+          <ac:chgData name="김소희" userId="292a1162-0793-4577-a94d-2dae0dfa5995" providerId="ADAL" clId="{40BF9DC3-554D-49E9-9E0E-E0151F43EFDD}" dt="2022-04-22T15:58:50.791" v="1646" actId="478"/>
+          <ac:spMkLst>
+            <pc:docMk/>
+            <pc:sldMk cId="1786986614" sldId="267"/>
+            <ac:spMk id="22" creationId="{DB6336A3-67D4-4E90-8D68-97FE87348EC2}"/>
+          </ac:spMkLst>
+        </pc:spChg>
+        <pc:spChg chg="del">
+          <ac:chgData name="김소희" userId="292a1162-0793-4577-a94d-2dae0dfa5995" providerId="ADAL" clId="{40BF9DC3-554D-49E9-9E0E-E0151F43EFDD}" dt="2022-04-22T15:58:49.592" v="1645" actId="478"/>
+          <ac:spMkLst>
+            <pc:docMk/>
+            <pc:sldMk cId="1786986614" sldId="267"/>
+            <ac:spMk id="23" creationId="{64C05AE6-9E4D-4819-A32D-3F3984100F2C}"/>
+          </ac:spMkLst>
+        </pc:spChg>
+        <pc:spChg chg="add del mod">
+          <ac:chgData name="김소희" userId="292a1162-0793-4577-a94d-2dae0dfa5995" providerId="ADAL" clId="{40BF9DC3-554D-49E9-9E0E-E0151F43EFDD}" dt="2022-04-22T16:04:31.105" v="1758" actId="478"/>
+          <ac:spMkLst>
+            <pc:docMk/>
+            <pc:sldMk cId="1786986614" sldId="267"/>
+            <ac:spMk id="25" creationId="{D603CED7-D677-4732-A46C-4344B93D8367}"/>
+          </ac:spMkLst>
+        </pc:spChg>
+        <pc:grpChg chg="del">
+          <ac:chgData name="김소희" userId="292a1162-0793-4577-a94d-2dae0dfa5995" providerId="ADAL" clId="{40BF9DC3-554D-49E9-9E0E-E0151F43EFDD}" dt="2022-04-22T15:54:46.648" v="1410" actId="478"/>
+          <ac:grpSpMkLst>
+            <pc:docMk/>
+            <pc:sldMk cId="1786986614" sldId="267"/>
+            <ac:grpSpMk id="2" creationId="{3743684D-39FE-48C3-A4D6-FCDF0DA9EE33}"/>
+          </ac:grpSpMkLst>
+        </pc:grpChg>
+        <pc:grpChg chg="del">
+          <ac:chgData name="김소희" userId="292a1162-0793-4577-a94d-2dae0dfa5995" providerId="ADAL" clId="{40BF9DC3-554D-49E9-9E0E-E0151F43EFDD}" dt="2022-04-22T15:54:44.142" v="1409" actId="478"/>
+          <ac:grpSpMkLst>
+            <pc:docMk/>
+            <pc:sldMk cId="1786986614" sldId="267"/>
+            <ac:grpSpMk id="3" creationId="{3EF7F7DF-973D-465D-BBEF-EBF7570BB078}"/>
+          </ac:grpSpMkLst>
+        </pc:grpChg>
+        <pc:picChg chg="add mod">
+          <ac:chgData name="김소희" userId="292a1162-0793-4577-a94d-2dae0dfa5995" providerId="ADAL" clId="{40BF9DC3-554D-49E9-9E0E-E0151F43EFDD}" dt="2022-04-22T16:14:39.044" v="1990" actId="1076"/>
+          <ac:picMkLst>
+            <pc:docMk/>
+            <pc:sldMk cId="1786986614" sldId="267"/>
+            <ac:picMk id="6" creationId="{1E37AECA-1C27-42CA-8E54-AF393C332801}"/>
+          </ac:picMkLst>
+        </pc:picChg>
+        <pc:picChg chg="del">
+          <ac:chgData name="김소희" userId="292a1162-0793-4577-a94d-2dae0dfa5995" providerId="ADAL" clId="{40BF9DC3-554D-49E9-9E0E-E0151F43EFDD}" dt="2022-04-22T15:58:45.425" v="1642" actId="478"/>
+          <ac:picMkLst>
+            <pc:docMk/>
+            <pc:sldMk cId="1786986614" sldId="267"/>
+            <ac:picMk id="8" creationId="{4B655002-BEEF-41EF-B713-0C801038FB0A}"/>
+          </ac:picMkLst>
+        </pc:picChg>
+        <pc:picChg chg="del">
+          <ac:chgData name="김소희" userId="292a1162-0793-4577-a94d-2dae0dfa5995" providerId="ADAL" clId="{40BF9DC3-554D-49E9-9E0E-E0151F43EFDD}" dt="2022-04-22T15:58:46.396" v="1643" actId="478"/>
+          <ac:picMkLst>
+            <pc:docMk/>
+            <pc:sldMk cId="1786986614" sldId="267"/>
+            <ac:picMk id="12" creationId="{839B7150-685F-4E9D-800C-89AC678BB8CE}"/>
+          </ac:picMkLst>
+        </pc:picChg>
+        <pc:picChg chg="del">
+          <ac:chgData name="김소희" userId="292a1162-0793-4577-a94d-2dae0dfa5995" providerId="ADAL" clId="{40BF9DC3-554D-49E9-9E0E-E0151F43EFDD}" dt="2022-04-22T15:58:46.994" v="1644" actId="478"/>
+          <ac:picMkLst>
+            <pc:docMk/>
+            <pc:sldMk cId="1786986614" sldId="267"/>
+            <ac:picMk id="13" creationId="{0F537920-858F-4B12-B65A-B3B3F19C4219}"/>
+          </ac:picMkLst>
+        </pc:picChg>
+        <pc:picChg chg="add mod">
+          <ac:chgData name="김소희" userId="292a1162-0793-4577-a94d-2dae0dfa5995" providerId="ADAL" clId="{40BF9DC3-554D-49E9-9E0E-E0151F43EFDD}" dt="2022-04-22T16:15:00.442" v="1994" actId="208"/>
+          <ac:picMkLst>
+            <pc:docMk/>
+            <pc:sldMk cId="1786986614" sldId="267"/>
+            <ac:picMk id="16" creationId="{435FD007-30C6-443F-94AE-DA8CCA0FCB8E}"/>
+          </ac:picMkLst>
+        </pc:picChg>
+        <pc:picChg chg="del topLvl">
+          <ac:chgData name="김소희" userId="292a1162-0793-4577-a94d-2dae0dfa5995" providerId="ADAL" clId="{40BF9DC3-554D-49E9-9E0E-E0151F43EFDD}" dt="2022-04-22T15:54:44.142" v="1409" actId="478"/>
+          <ac:picMkLst>
+            <pc:docMk/>
+            <pc:sldMk cId="1786986614" sldId="267"/>
+            <ac:picMk id="17" creationId="{D1F6E452-8E4D-45EC-8D04-233B62565CC8}"/>
+          </ac:picMkLst>
+        </pc:picChg>
+        <pc:picChg chg="add mod modCrop">
+          <ac:chgData name="김소희" userId="292a1162-0793-4577-a94d-2dae0dfa5995" providerId="ADAL" clId="{40BF9DC3-554D-49E9-9E0E-E0151F43EFDD}" dt="2022-04-22T16:14:44.384" v="1991" actId="1076"/>
+          <ac:picMkLst>
+            <pc:docMk/>
+            <pc:sldMk cId="1786986614" sldId="267"/>
+            <ac:picMk id="18" creationId="{45AF77EC-615F-45FD-BD18-59751D4719DC}"/>
+          </ac:picMkLst>
+        </pc:picChg>
+        <pc:picChg chg="del topLvl">
+          <ac:chgData name="김소희" userId="292a1162-0793-4577-a94d-2dae0dfa5995" providerId="ADAL" clId="{40BF9DC3-554D-49E9-9E0E-E0151F43EFDD}" dt="2022-04-22T15:54:46.648" v="1410" actId="478"/>
+          <ac:picMkLst>
+            <pc:docMk/>
+            <pc:sldMk cId="1786986614" sldId="267"/>
+            <ac:picMk id="19" creationId="{98525F6B-5CF1-4B1D-AD20-92EA129FBF5D}"/>
+          </ac:picMkLst>
+        </pc:picChg>
+        <pc:picChg chg="add del mod modCrop">
+          <ac:chgData name="김소희" userId="292a1162-0793-4577-a94d-2dae0dfa5995" providerId="ADAL" clId="{40BF9DC3-554D-49E9-9E0E-E0151F43EFDD}" dt="2022-04-22T16:05:02.992" v="1773" actId="478"/>
+          <ac:picMkLst>
+            <pc:docMk/>
+            <pc:sldMk cId="1786986614" sldId="267"/>
+            <ac:picMk id="20" creationId="{7B6253DA-B6C1-458A-870C-995CADFEF88C}"/>
+          </ac:picMkLst>
+        </pc:picChg>
+        <pc:picChg chg="add del mod">
+          <ac:chgData name="김소희" userId="292a1162-0793-4577-a94d-2dae0dfa5995" providerId="ADAL" clId="{40BF9DC3-554D-49E9-9E0E-E0151F43EFDD}" dt="2022-04-22T16:05:12.025" v="1778" actId="478"/>
+          <ac:picMkLst>
+            <pc:docMk/>
+            <pc:sldMk cId="1786986614" sldId="267"/>
+            <ac:picMk id="24" creationId="{A602E58D-ABE4-4F73-9315-F0B55C38E173}"/>
+          </ac:picMkLst>
+        </pc:picChg>
+      </pc:sldChg>
+      <pc:sldChg chg="delSp modSp add mod">
+        <pc:chgData name="김소희" userId="292a1162-0793-4577-a94d-2dae0dfa5995" providerId="ADAL" clId="{40BF9DC3-554D-49E9-9E0E-E0151F43EFDD}" dt="2022-04-22T16:28:47.647" v="2246" actId="478"/>
+        <pc:sldMkLst>
+          <pc:docMk/>
+          <pc:sldMk cId="1370399028" sldId="268"/>
+        </pc:sldMkLst>
+        <pc:spChg chg="mod">
+          <ac:chgData name="김소희" userId="292a1162-0793-4577-a94d-2dae0dfa5995" providerId="ADAL" clId="{40BF9DC3-554D-49E9-9E0E-E0151F43EFDD}" dt="2022-04-22T16:28:40.786" v="2244" actId="1076"/>
+          <ac:spMkLst>
+            <pc:docMk/>
+            <pc:sldMk cId="1370399028" sldId="268"/>
+            <ac:spMk id="9" creationId="{87B548AE-3818-4D9F-8076-0593EC0EBB65}"/>
+          </ac:spMkLst>
+        </pc:spChg>
+        <pc:spChg chg="mod">
+          <ac:chgData name="김소희" userId="292a1162-0793-4577-a94d-2dae0dfa5995" providerId="ADAL" clId="{40BF9DC3-554D-49E9-9E0E-E0151F43EFDD}" dt="2022-04-22T16:28:46.248" v="2245" actId="1076"/>
+          <ac:spMkLst>
+            <pc:docMk/>
+            <pc:sldMk cId="1370399028" sldId="268"/>
+            <ac:spMk id="21" creationId="{0E594E0D-4EDC-4944-83F7-7E8BD97981F3}"/>
+          </ac:spMkLst>
+        </pc:spChg>
+        <pc:picChg chg="del">
+          <ac:chgData name="김소희" userId="292a1162-0793-4577-a94d-2dae0dfa5995" providerId="ADAL" clId="{40BF9DC3-554D-49E9-9E0E-E0151F43EFDD}" dt="2022-04-22T16:28:37.286" v="2243" actId="478"/>
+          <ac:picMkLst>
+            <pc:docMk/>
+            <pc:sldMk cId="1370399028" sldId="268"/>
+            <ac:picMk id="7" creationId="{95F70CF9-7300-4971-B5D3-B5FC3BFE06EC}"/>
+          </ac:picMkLst>
+        </pc:picChg>
+        <pc:picChg chg="del">
+          <ac:chgData name="김소희" userId="292a1162-0793-4577-a94d-2dae0dfa5995" providerId="ADAL" clId="{40BF9DC3-554D-49E9-9E0E-E0151F43EFDD}" dt="2022-04-22T16:28:47.647" v="2246" actId="478"/>
+          <ac:picMkLst>
+            <pc:docMk/>
+            <pc:sldMk cId="1370399028" sldId="268"/>
+            <ac:picMk id="16" creationId="{435FD007-30C6-443F-94AE-DA8CCA0FCB8E}"/>
+          </ac:picMkLst>
+        </pc:picChg>
+      </pc:sldChg>
+    </pc:docChg>
+  </pc:docChgLst>
   <pc:docChgLst>
     <pc:chgData name="김소희" userId="292a1162-0793-4577-a94d-2dae0dfa5995" providerId="ADAL" clId="{2DD508A3-68AF-4A7C-B8D2-E3DD5F227811}"/>
     <pc:docChg chg="undo custSel addSld delSld modSld">
@@ -956,7 +1400,7 @@
           <a:p>
             <a:fld id="{0AC1EB60-3D7A-4589-8E12-D739B381C8F5}" type="datetimeFigureOut">
               <a:rPr lang="ko-KR" altLang="en-US" smtClean="0"/>
-              <a:t>2022-04-22</a:t>
+              <a:t>2022-04-23</a:t>
             </a:fld>
             <a:endParaRPr lang="ko-KR" altLang="en-US"/>
           </a:p>
@@ -1267,33 +1711,6 @@
           <a:bodyPr/>
           <a:lstStyle/>
           <a:p>
-            <a:pPr marL="0" marR="0" lvl="0" indent="0" algn="l" defTabSz="914400" rtl="0" eaLnBrk="1" fontAlgn="auto" latinLnBrk="1" hangingPunct="1">
-              <a:lnSpc>
-                <a:spcPct val="100000"/>
-              </a:lnSpc>
-              <a:spcBef>
-                <a:spcPts val="0"/>
-              </a:spcBef>
-              <a:spcAft>
-                <a:spcPts val="0"/>
-              </a:spcAft>
-              <a:buClrTx/>
-              <a:buSzTx/>
-              <a:buFontTx/>
-              <a:buNone/>
-              <a:tabLst/>
-              <a:defRPr/>
-            </a:pPr>
-            <a:r>
-              <a:rPr lang="en-US" altLang="ko-KR" dirty="0">
-                <a:effectLst/>
-                <a:latin typeface="맑은 고딕" panose="020B0503020000020004" pitchFamily="50" charset="-127"/>
-                <a:cs typeface="Times New Roman" panose="02020603050405020304" pitchFamily="18" charset="0"/>
-              </a:rPr>
-              <a:t>Residential dwellings account for a considerable portion of the growing energy demand in the world today, yet this sector “is largely an undefined energy sink” when compared to the commercial, industrial, and transportation sectors </a:t>
-            </a:r>
-          </a:p>
-          <a:p>
             <a:endParaRPr lang="ko-KR" altLang="en-US" dirty="0"/>
           </a:p>
         </p:txBody>
@@ -1315,7 +1732,7 @@
           <a:p>
             <a:fld id="{AD7C0D23-3854-4668-89D8-4E6E2F843EB5}" type="slidenum">
               <a:rPr lang="ko-KR" altLang="en-US" smtClean="0"/>
-              <a:t>3</a:t>
+              <a:t>1</a:t>
             </a:fld>
             <a:endParaRPr lang="ko-KR" altLang="en-US"/>
           </a:p>
@@ -1324,7 +1741,321 @@
     </p:spTree>
     <p:extLst>
       <p:ext uri="{BB962C8B-B14F-4D97-AF65-F5344CB8AC3E}">
-        <p14:creationId xmlns:p14="http://schemas.microsoft.com/office/powerpoint/2010/main" val="2654774081"/>
+        <p14:creationId xmlns:p14="http://schemas.microsoft.com/office/powerpoint/2010/main" val="4175363520"/>
+      </p:ext>
+    </p:extLst>
+  </p:cSld>
+  <p:clrMapOvr>
+    <a:masterClrMapping/>
+  </p:clrMapOvr>
+</p:notes>
+</file>
+
+<file path=ppt/notesSlides/notesSlide10.xml><?xml version="1.0" encoding="utf-8"?>
+<p:notes xmlns:a="http://schemas.openxmlformats.org/drawingml/2006/main" xmlns:r="http://schemas.openxmlformats.org/officeDocument/2006/relationships" xmlns:p="http://schemas.openxmlformats.org/presentationml/2006/main">
+  <p:cSld>
+    <p:spTree>
+      <p:nvGrpSpPr>
+        <p:cNvPr id="1" name=""/>
+        <p:cNvGrpSpPr/>
+        <p:nvPr/>
+      </p:nvGrpSpPr>
+      <p:grpSpPr>
+        <a:xfrm>
+          <a:off x="0" y="0"/>
+          <a:ext cx="0" cy="0"/>
+          <a:chOff x="0" y="0"/>
+          <a:chExt cx="0" cy="0"/>
+        </a:xfrm>
+      </p:grpSpPr>
+      <p:sp>
+        <p:nvSpPr>
+          <p:cNvPr id="2" name="슬라이드 이미지 개체 틀 1"/>
+          <p:cNvSpPr>
+            <a:spLocks noGrp="1" noRot="1" noChangeAspect="1"/>
+          </p:cNvSpPr>
+          <p:nvPr>
+            <p:ph type="sldImg"/>
+          </p:nvPr>
+        </p:nvSpPr>
+        <p:spPr/>
+      </p:sp>
+      <p:sp>
+        <p:nvSpPr>
+          <p:cNvPr id="3" name="슬라이드 노트 개체 틀 2"/>
+          <p:cNvSpPr>
+            <a:spLocks noGrp="1"/>
+          </p:cNvSpPr>
+          <p:nvPr>
+            <p:ph type="body" idx="1"/>
+          </p:nvPr>
+        </p:nvSpPr>
+        <p:spPr/>
+        <p:txBody>
+          <a:bodyPr/>
+          <a:lstStyle/>
+          <a:p>
+            <a:r>
+              <a:rPr lang="en-US" altLang="ko-KR" sz="1800" dirty="0">
+                <a:effectLst/>
+                <a:latin typeface="맑은 고딕" panose="020B0503020000020004" pitchFamily="50" charset="-127"/>
+                <a:cs typeface="Times New Roman" panose="02020603050405020304" pitchFamily="18" charset="0"/>
+              </a:rPr>
+              <a:t>The model is achieved by minimizing the error values </a:t>
+            </a:r>
+            <a:r>
+              <a:rPr lang="en-US" altLang="ko-KR" sz="1800" dirty="0">
+                <a:solidFill>
+                  <a:srgbClr val="ED7D31"/>
+                </a:solidFill>
+                <a:effectLst/>
+                <a:latin typeface="맑은 고딕" panose="020B0503020000020004" pitchFamily="50" charset="-127"/>
+                <a:cs typeface="Times New Roman" panose="02020603050405020304" pitchFamily="18" charset="0"/>
+              </a:rPr>
+              <a:t>between the target or actual data values and the predicted data values </a:t>
+            </a:r>
+            <a:r>
+              <a:rPr lang="en-US" altLang="ko-KR" sz="1800" dirty="0">
+                <a:effectLst/>
+                <a:latin typeface="맑은 고딕" panose="020B0503020000020004" pitchFamily="50" charset="-127"/>
+                <a:cs typeface="Times New Roman" panose="02020603050405020304" pitchFamily="18" charset="0"/>
+              </a:rPr>
+              <a:t>based on the pattern given. </a:t>
+            </a:r>
+          </a:p>
+          <a:p>
+            <a:r>
+              <a:rPr lang="en-US" altLang="ko-KR" sz="1800" dirty="0">
+                <a:effectLst/>
+                <a:latin typeface="맑은 고딕" panose="020B0503020000020004" pitchFamily="50" charset="-127"/>
+                <a:cs typeface="Times New Roman" panose="02020603050405020304" pitchFamily="18" charset="0"/>
+              </a:rPr>
+              <a:t>Different type of error minimized in the model ~~</a:t>
+            </a:r>
+          </a:p>
+          <a:p>
+            <a:r>
+              <a:rPr lang="en-US" altLang="ko-KR" sz="1800" dirty="0">
+                <a:effectLst/>
+                <a:latin typeface="맑은 고딕" panose="020B0503020000020004" pitchFamily="50" charset="-127"/>
+                <a:cs typeface="Times New Roman" panose="02020603050405020304" pitchFamily="18" charset="0"/>
+              </a:rPr>
+              <a:t>These errors can then be used in different statistical analysis including the coefficient of determination. </a:t>
+            </a:r>
+          </a:p>
+          <a:p>
+            <a:endParaRPr lang="en-US" altLang="ko-KR" sz="1800" dirty="0">
+              <a:effectLst/>
+              <a:latin typeface="맑은 고딕" panose="020B0503020000020004" pitchFamily="50" charset="-127"/>
+              <a:cs typeface="Times New Roman" panose="02020603050405020304" pitchFamily="18" charset="0"/>
+            </a:endParaRPr>
+          </a:p>
+          <a:p>
+            <a:r>
+              <a:rPr lang="en-US" altLang="ko-KR" sz="1800" dirty="0">
+                <a:effectLst/>
+                <a:latin typeface="맑은 고딕" panose="020B0503020000020004" pitchFamily="50" charset="-127"/>
+                <a:cs typeface="Times New Roman" panose="02020603050405020304" pitchFamily="18" charset="0"/>
+              </a:rPr>
+              <a:t>This coefficient can be described as this, ~~</a:t>
+            </a:r>
+          </a:p>
+          <a:p>
+            <a:r>
+              <a:rPr lang="en-US" altLang="ko-KR" sz="1800" dirty="0">
+                <a:effectLst/>
+                <a:latin typeface="맑은 고딕" panose="020B0503020000020004" pitchFamily="50" charset="-127"/>
+                <a:cs typeface="Times New Roman" panose="02020603050405020304" pitchFamily="18" charset="0"/>
+              </a:rPr>
+              <a:t>a value of R^2 is between 0 and 1. When it is 0.9, it indicates that 90% of the total variability in the response variable is accounted for by the predictor variables</a:t>
+            </a:r>
+          </a:p>
+        </p:txBody>
+      </p:sp>
+      <p:sp>
+        <p:nvSpPr>
+          <p:cNvPr id="4" name="슬라이드 번호 개체 틀 3"/>
+          <p:cNvSpPr>
+            <a:spLocks noGrp="1"/>
+          </p:cNvSpPr>
+          <p:nvPr>
+            <p:ph type="sldNum" sz="quarter" idx="5"/>
+          </p:nvPr>
+        </p:nvSpPr>
+        <p:spPr/>
+        <p:txBody>
+          <a:bodyPr/>
+          <a:lstStyle/>
+          <a:p>
+            <a:fld id="{AD7C0D23-3854-4668-89D8-4E6E2F843EB5}" type="slidenum">
+              <a:rPr lang="ko-KR" altLang="en-US" smtClean="0"/>
+              <a:t>11</a:t>
+            </a:fld>
+            <a:endParaRPr lang="ko-KR" altLang="en-US"/>
+          </a:p>
+        </p:txBody>
+      </p:sp>
+    </p:spTree>
+    <p:extLst>
+      <p:ext uri="{BB962C8B-B14F-4D97-AF65-F5344CB8AC3E}">
+        <p14:creationId xmlns:p14="http://schemas.microsoft.com/office/powerpoint/2010/main" val="1377271574"/>
+      </p:ext>
+    </p:extLst>
+  </p:cSld>
+  <p:clrMapOvr>
+    <a:masterClrMapping/>
+  </p:clrMapOvr>
+</p:notes>
+</file>
+
+<file path=ppt/notesSlides/notesSlide11.xml><?xml version="1.0" encoding="utf-8"?>
+<p:notes xmlns:a="http://schemas.openxmlformats.org/drawingml/2006/main" xmlns:r="http://schemas.openxmlformats.org/officeDocument/2006/relationships" xmlns:p="http://schemas.openxmlformats.org/presentationml/2006/main">
+  <p:cSld>
+    <p:spTree>
+      <p:nvGrpSpPr>
+        <p:cNvPr id="1" name=""/>
+        <p:cNvGrpSpPr/>
+        <p:nvPr/>
+      </p:nvGrpSpPr>
+      <p:grpSpPr>
+        <a:xfrm>
+          <a:off x="0" y="0"/>
+          <a:ext cx="0" cy="0"/>
+          <a:chOff x="0" y="0"/>
+          <a:chExt cx="0" cy="0"/>
+        </a:xfrm>
+      </p:grpSpPr>
+      <p:sp>
+        <p:nvSpPr>
+          <p:cNvPr id="2" name="슬라이드 이미지 개체 틀 1"/>
+          <p:cNvSpPr>
+            <a:spLocks noGrp="1" noRot="1" noChangeAspect="1"/>
+          </p:cNvSpPr>
+          <p:nvPr>
+            <p:ph type="sldImg"/>
+          </p:nvPr>
+        </p:nvSpPr>
+        <p:spPr/>
+      </p:sp>
+      <p:sp>
+        <p:nvSpPr>
+          <p:cNvPr id="3" name="슬라이드 노트 개체 틀 2"/>
+          <p:cNvSpPr>
+            <a:spLocks noGrp="1"/>
+          </p:cNvSpPr>
+          <p:nvPr>
+            <p:ph type="body" idx="1"/>
+          </p:nvPr>
+        </p:nvSpPr>
+        <p:spPr/>
+        <p:txBody>
+          <a:bodyPr/>
+          <a:lstStyle/>
+          <a:p>
+            <a:r>
+              <a:rPr lang="en-US" altLang="ko-KR" sz="1800" dirty="0">
+                <a:effectLst/>
+                <a:latin typeface="맑은 고딕" panose="020B0503020000020004" pitchFamily="50" charset="-127"/>
+                <a:cs typeface="Times New Roman" panose="02020603050405020304" pitchFamily="18" charset="0"/>
+              </a:rPr>
+              <a:t>The model is achieved by minimizing the error values </a:t>
+            </a:r>
+            <a:r>
+              <a:rPr lang="en-US" altLang="ko-KR" sz="1800" dirty="0">
+                <a:solidFill>
+                  <a:srgbClr val="ED7D31"/>
+                </a:solidFill>
+                <a:effectLst/>
+                <a:latin typeface="맑은 고딕" panose="020B0503020000020004" pitchFamily="50" charset="-127"/>
+                <a:cs typeface="Times New Roman" panose="02020603050405020304" pitchFamily="18" charset="0"/>
+              </a:rPr>
+              <a:t>between the target or actual data values and the predicted data values </a:t>
+            </a:r>
+            <a:r>
+              <a:rPr lang="en-US" altLang="ko-KR" sz="1800" dirty="0">
+                <a:effectLst/>
+                <a:latin typeface="맑은 고딕" panose="020B0503020000020004" pitchFamily="50" charset="-127"/>
+                <a:cs typeface="Times New Roman" panose="02020603050405020304" pitchFamily="18" charset="0"/>
+              </a:rPr>
+              <a:t>based on the pattern given. </a:t>
+            </a:r>
+          </a:p>
+          <a:p>
+            <a:r>
+              <a:rPr lang="en-US" altLang="ko-KR" sz="1800" dirty="0">
+                <a:effectLst/>
+                <a:latin typeface="맑은 고딕" panose="020B0503020000020004" pitchFamily="50" charset="-127"/>
+                <a:cs typeface="Times New Roman" panose="02020603050405020304" pitchFamily="18" charset="0"/>
+              </a:rPr>
+              <a:t>Different type of error minimized in the model ~~</a:t>
+            </a:r>
+          </a:p>
+          <a:p>
+            <a:r>
+              <a:rPr lang="en-US" altLang="ko-KR" sz="1800" dirty="0">
+                <a:effectLst/>
+                <a:latin typeface="맑은 고딕" panose="020B0503020000020004" pitchFamily="50" charset="-127"/>
+                <a:cs typeface="Times New Roman" panose="02020603050405020304" pitchFamily="18" charset="0"/>
+              </a:rPr>
+              <a:t>These errors can then be used in different statistical analysis including the coefficient of determination. </a:t>
+            </a:r>
+          </a:p>
+          <a:p>
+            <a:endParaRPr lang="en-US" altLang="ko-KR" sz="1800" dirty="0">
+              <a:effectLst/>
+              <a:latin typeface="맑은 고딕" panose="020B0503020000020004" pitchFamily="50" charset="-127"/>
+              <a:cs typeface="Times New Roman" panose="02020603050405020304" pitchFamily="18" charset="0"/>
+            </a:endParaRPr>
+          </a:p>
+          <a:p>
+            <a:r>
+              <a:rPr lang="en-US" altLang="ko-KR" sz="1800" dirty="0">
+                <a:effectLst/>
+                <a:latin typeface="맑은 고딕" panose="020B0503020000020004" pitchFamily="50" charset="-127"/>
+                <a:cs typeface="Times New Roman" panose="02020603050405020304" pitchFamily="18" charset="0"/>
+              </a:rPr>
+              <a:t>This coefficient can be described as this, ~~</a:t>
+            </a:r>
+          </a:p>
+          <a:p>
+            <a:r>
+              <a:rPr lang="en-US" altLang="ko-KR" sz="1800" dirty="0">
+                <a:effectLst/>
+                <a:latin typeface="맑은 고딕" panose="020B0503020000020004" pitchFamily="50" charset="-127"/>
+                <a:cs typeface="Times New Roman" panose="02020603050405020304" pitchFamily="18" charset="0"/>
+              </a:rPr>
+              <a:t>a value of R^2 is between 0 and 1. When it is 0.9, it indicates that 90% of the total variability in the response variable is accounted for by the predictor variables</a:t>
+            </a:r>
+          </a:p>
+        </p:txBody>
+      </p:sp>
+      <p:sp>
+        <p:nvSpPr>
+          <p:cNvPr id="4" name="슬라이드 번호 개체 틀 3"/>
+          <p:cNvSpPr>
+            <a:spLocks noGrp="1"/>
+          </p:cNvSpPr>
+          <p:nvPr>
+            <p:ph type="sldNum" sz="quarter" idx="5"/>
+          </p:nvPr>
+        </p:nvSpPr>
+        <p:spPr/>
+        <p:txBody>
+          <a:bodyPr/>
+          <a:lstStyle/>
+          <a:p>
+            <a:fld id="{AD7C0D23-3854-4668-89D8-4E6E2F843EB5}" type="slidenum">
+              <a:rPr lang="ko-KR" altLang="en-US" smtClean="0"/>
+              <a:t>12</a:t>
+            </a:fld>
+            <a:endParaRPr lang="ko-KR" altLang="en-US"/>
+          </a:p>
+        </p:txBody>
+      </p:sp>
+    </p:spTree>
+    <p:extLst>
+      <p:ext uri="{BB962C8B-B14F-4D97-AF65-F5344CB8AC3E}">
+        <p14:creationId xmlns:p14="http://schemas.microsoft.com/office/powerpoint/2010/main" val="3966351614"/>
       </p:ext>
     </p:extLst>
   </p:cSld>
@@ -1378,6 +2109,33 @@
           <a:bodyPr/>
           <a:lstStyle/>
           <a:p>
+            <a:pPr marL="0" marR="0" lvl="0" indent="0" algn="l" defTabSz="914400" rtl="0" eaLnBrk="1" fontAlgn="auto" latinLnBrk="1" hangingPunct="1">
+              <a:lnSpc>
+                <a:spcPct val="100000"/>
+              </a:lnSpc>
+              <a:spcBef>
+                <a:spcPts val="0"/>
+              </a:spcBef>
+              <a:spcAft>
+                <a:spcPts val="0"/>
+              </a:spcAft>
+              <a:buClrTx/>
+              <a:buSzTx/>
+              <a:buFontTx/>
+              <a:buNone/>
+              <a:tabLst/>
+              <a:defRPr/>
+            </a:pPr>
+            <a:r>
+              <a:rPr lang="en-US" altLang="ko-KR" dirty="0">
+                <a:effectLst/>
+                <a:latin typeface="맑은 고딕" panose="020B0503020000020004" pitchFamily="50" charset="-127"/>
+                <a:cs typeface="Times New Roman" panose="02020603050405020304" pitchFamily="18" charset="0"/>
+              </a:rPr>
+              <a:t>Residential dwellings account for a considerable portion of the growing energy demand in the world today, yet this sector “is largely an undefined energy sink” when compared to the commercial, industrial, and transportation sectors </a:t>
+            </a:r>
+          </a:p>
+          <a:p>
             <a:endParaRPr lang="ko-KR" altLang="en-US" dirty="0"/>
           </a:p>
         </p:txBody>
@@ -1399,7 +2157,7 @@
           <a:p>
             <a:fld id="{AD7C0D23-3854-4668-89D8-4E6E2F843EB5}" type="slidenum">
               <a:rPr lang="ko-KR" altLang="en-US" smtClean="0"/>
-              <a:t>4</a:t>
+              <a:t>3</a:t>
             </a:fld>
             <a:endParaRPr lang="ko-KR" altLang="en-US"/>
           </a:p>
@@ -1408,7 +2166,7 @@
     </p:spTree>
     <p:extLst>
       <p:ext uri="{BB962C8B-B14F-4D97-AF65-F5344CB8AC3E}">
-        <p14:creationId xmlns:p14="http://schemas.microsoft.com/office/powerpoint/2010/main" val="1368981945"/>
+        <p14:creationId xmlns:p14="http://schemas.microsoft.com/office/powerpoint/2010/main" val="2654774081"/>
       </p:ext>
     </p:extLst>
   </p:cSld>
@@ -1483,7 +2241,7 @@
           <a:p>
             <a:fld id="{AD7C0D23-3854-4668-89D8-4E6E2F843EB5}" type="slidenum">
               <a:rPr lang="ko-KR" altLang="en-US" smtClean="0"/>
-              <a:t>5</a:t>
+              <a:t>4</a:t>
             </a:fld>
             <a:endParaRPr lang="ko-KR" altLang="en-US"/>
           </a:p>
@@ -1492,7 +2250,7 @@
     </p:spTree>
     <p:extLst>
       <p:ext uri="{BB962C8B-B14F-4D97-AF65-F5344CB8AC3E}">
-        <p14:creationId xmlns:p14="http://schemas.microsoft.com/office/powerpoint/2010/main" val="4018087801"/>
+        <p14:creationId xmlns:p14="http://schemas.microsoft.com/office/powerpoint/2010/main" val="1368981945"/>
       </p:ext>
     </p:extLst>
   </p:cSld>
@@ -1567,7 +2325,7 @@
           <a:p>
             <a:fld id="{AD7C0D23-3854-4668-89D8-4E6E2F843EB5}" type="slidenum">
               <a:rPr lang="ko-KR" altLang="en-US" smtClean="0"/>
-              <a:t>6</a:t>
+              <a:t>5</a:t>
             </a:fld>
             <a:endParaRPr lang="ko-KR" altLang="en-US"/>
           </a:p>
@@ -1576,7 +2334,7 @@
     </p:spTree>
     <p:extLst>
       <p:ext uri="{BB962C8B-B14F-4D97-AF65-F5344CB8AC3E}">
-        <p14:creationId xmlns:p14="http://schemas.microsoft.com/office/powerpoint/2010/main" val="3591655369"/>
+        <p14:creationId xmlns:p14="http://schemas.microsoft.com/office/powerpoint/2010/main" val="4018087801"/>
       </p:ext>
     </p:extLst>
   </p:cSld>
@@ -1630,235 +2388,6 @@
           <a:bodyPr/>
           <a:lstStyle/>
           <a:p>
-            <a:r>
-              <a:rPr lang="ko-KR" altLang="ko-KR" sz="1800" dirty="0">
-                <a:effectLst/>
-                <a:ea typeface="맑은 고딕" panose="020B0503020000020004" pitchFamily="50" charset="-127"/>
-                <a:cs typeface="Times New Roman" panose="02020603050405020304" pitchFamily="18" charset="0"/>
-              </a:rPr>
-              <a:t>과소평가는 사회 및 경제 </a:t>
-            </a:r>
-            <a:r>
-              <a:rPr lang="en-US" altLang="ko-KR" sz="1800" dirty="0">
-                <a:effectLst/>
-                <a:ea typeface="맑은 고딕" panose="020B0503020000020004" pitchFamily="50" charset="-127"/>
-                <a:cs typeface="Times New Roman" panose="02020603050405020304" pitchFamily="18" charset="0"/>
-              </a:rPr>
-              <a:t>lifestyle</a:t>
-            </a:r>
-            <a:r>
-              <a:rPr lang="ko-KR" altLang="ko-KR" sz="1800" dirty="0">
-                <a:effectLst/>
-                <a:ea typeface="맑은 고딕" panose="020B0503020000020004" pitchFamily="50" charset="-127"/>
-                <a:cs typeface="Times New Roman" panose="02020603050405020304" pitchFamily="18" charset="0"/>
-              </a:rPr>
-              <a:t>에 해로울 수 있는 잠재적 </a:t>
-            </a:r>
-            <a:r>
-              <a:rPr lang="en-US" altLang="ko-KR" sz="1800" dirty="0">
-                <a:effectLst/>
-                <a:ea typeface="맑은 고딕" panose="020B0503020000020004" pitchFamily="50" charset="-127"/>
-                <a:cs typeface="Times New Roman" panose="02020603050405020304" pitchFamily="18" charset="0"/>
-              </a:rPr>
-              <a:t>outages</a:t>
-            </a:r>
-            <a:r>
-              <a:rPr lang="ko-KR" altLang="ko-KR" sz="1800" dirty="0">
-                <a:effectLst/>
-                <a:ea typeface="맑은 고딕" panose="020B0503020000020004" pitchFamily="50" charset="-127"/>
-                <a:cs typeface="Times New Roman" panose="02020603050405020304" pitchFamily="18" charset="0"/>
-              </a:rPr>
-              <a:t>로 이어질 수 있고</a:t>
-            </a:r>
-            <a:r>
-              <a:rPr lang="en-US" altLang="ko-KR" sz="1800" dirty="0">
-                <a:effectLst/>
-                <a:ea typeface="맑은 고딕" panose="020B0503020000020004" pitchFamily="50" charset="-127"/>
-                <a:cs typeface="Times New Roman" panose="02020603050405020304" pitchFamily="18" charset="0"/>
-              </a:rPr>
-              <a:t>, </a:t>
-            </a:r>
-            <a:r>
-              <a:rPr lang="ko-KR" altLang="ko-KR" sz="1800" dirty="0">
-                <a:effectLst/>
-                <a:ea typeface="맑은 고딕" panose="020B0503020000020004" pitchFamily="50" charset="-127"/>
-                <a:cs typeface="Times New Roman" panose="02020603050405020304" pitchFamily="18" charset="0"/>
-              </a:rPr>
-              <a:t>과대평가는 불필요한 </a:t>
-            </a:r>
-            <a:r>
-              <a:rPr lang="en-US" altLang="ko-KR" sz="1800" dirty="0">
-                <a:effectLst/>
-                <a:ea typeface="맑은 고딕" panose="020B0503020000020004" pitchFamily="50" charset="-127"/>
-                <a:cs typeface="Times New Roman" panose="02020603050405020304" pitchFamily="18" charset="0"/>
-              </a:rPr>
-              <a:t>idle </a:t>
-            </a:r>
-            <a:r>
-              <a:rPr lang="ko-KR" altLang="ko-KR" sz="1800" dirty="0">
-                <a:effectLst/>
-                <a:ea typeface="맑은 고딕" panose="020B0503020000020004" pitchFamily="50" charset="-127"/>
-                <a:cs typeface="Times New Roman" panose="02020603050405020304" pitchFamily="18" charset="0"/>
-              </a:rPr>
-              <a:t>용량과 재정자원 낭비로 이어질 수 있기 때문에 높은 정확도는 에너지 소비 모델의 개발에 중요하다</a:t>
-            </a:r>
-            <a:r>
-              <a:rPr lang="en-US" altLang="ko-KR" sz="1800" dirty="0">
-                <a:effectLst/>
-                <a:ea typeface="맑은 고딕" panose="020B0503020000020004" pitchFamily="50" charset="-127"/>
-                <a:cs typeface="Times New Roman" panose="02020603050405020304" pitchFamily="18" charset="0"/>
-              </a:rPr>
-              <a:t>. </a:t>
-            </a:r>
-          </a:p>
-          <a:p>
-            <a:r>
-              <a:rPr lang="en-US" altLang="ko-KR" sz="1800" dirty="0">
-                <a:effectLst/>
-                <a:latin typeface="맑은 고딕" panose="020B0503020000020004" pitchFamily="50" charset="-127"/>
-                <a:cs typeface="Times New Roman" panose="02020603050405020304" pitchFamily="18" charset="0"/>
-              </a:rPr>
-              <a:t>Building energy consumption is a vital variable.</a:t>
-            </a:r>
-          </a:p>
-          <a:p>
-            <a:r>
-              <a:rPr lang="en-US" altLang="ko-KR" sz="1800" dirty="0">
-                <a:effectLst/>
-                <a:latin typeface="맑은 고딕" panose="020B0503020000020004" pitchFamily="50" charset="-127"/>
-                <a:cs typeface="Times New Roman" panose="02020603050405020304" pitchFamily="18" charset="0"/>
-              </a:rPr>
-              <a:t>Thus, high accuracy is important in development of the energy consumption model because underestimation of energy consumption could lead to potential outages that can be detrimental to social and economic lifestyles while overestimation would lead to unnecessary idle capacity and thus wasted financial resources </a:t>
-            </a:r>
-          </a:p>
-          <a:p>
-            <a:endParaRPr lang="en-US" altLang="ko-KR" sz="1800" dirty="0">
-              <a:effectLst/>
-              <a:ea typeface="맑은 고딕" panose="020B0503020000020004" pitchFamily="50" charset="-127"/>
-              <a:cs typeface="Times New Roman" panose="02020603050405020304" pitchFamily="18" charset="0"/>
-            </a:endParaRPr>
-          </a:p>
-          <a:p>
-            <a:r>
-              <a:rPr lang="en-US" altLang="ko-KR" sz="1800" dirty="0">
-                <a:effectLst/>
-                <a:ea typeface="맑은 고딕" panose="020B0503020000020004" pitchFamily="50" charset="-127"/>
-                <a:cs typeface="Times New Roman" panose="02020603050405020304" pitchFamily="18" charset="0"/>
-              </a:rPr>
-              <a:t>There are several studies about NN methods.</a:t>
-            </a:r>
-          </a:p>
-          <a:p>
-            <a:r>
-              <a:rPr lang="en-US" altLang="ko-KR" sz="1800" dirty="0">
-                <a:effectLst/>
-                <a:latin typeface="맑은 고딕" panose="020B0503020000020004" pitchFamily="50" charset="-127"/>
-                <a:cs typeface="Times New Roman" panose="02020603050405020304" pitchFamily="18" charset="0"/>
-              </a:rPr>
-              <a:t>A study carried out a comparison of methods that are currently used to model residential energy consumption at the national level. =&gt; NN method resulted in very high prediction performance </a:t>
-            </a:r>
-          </a:p>
-          <a:p>
-            <a:r>
-              <a:rPr lang="en-US" altLang="ko-KR" sz="1800" dirty="0">
-                <a:effectLst/>
-                <a:latin typeface="맑은 고딕" panose="020B0503020000020004" pitchFamily="50" charset="-127"/>
-                <a:cs typeface="Times New Roman" panose="02020603050405020304" pitchFamily="18" charset="0"/>
-              </a:rPr>
-              <a:t>with the coefficients of determination of 0.87 and higher, which is significantly ~~</a:t>
-            </a:r>
-          </a:p>
-          <a:p>
-            <a:endParaRPr lang="en-US" altLang="ko-KR" sz="1800" dirty="0">
-              <a:effectLst/>
-              <a:ea typeface="맑은 고딕" panose="020B0503020000020004" pitchFamily="50" charset="-127"/>
-              <a:cs typeface="Times New Roman" panose="02020603050405020304" pitchFamily="18" charset="0"/>
-            </a:endParaRPr>
-          </a:p>
-          <a:p>
-            <a:r>
-              <a:rPr lang="en-US" altLang="ko-KR" sz="1800" dirty="0">
-                <a:effectLst/>
-                <a:latin typeface="맑은 고딕" panose="020B0503020000020004" pitchFamily="50" charset="-127"/>
-                <a:cs typeface="Times New Roman" panose="02020603050405020304" pitchFamily="18" charset="0"/>
-              </a:rPr>
-              <a:t>NN approach is not just limited to national residential building energy forecasting, but also can be applied to individual homes.</a:t>
-            </a:r>
-          </a:p>
-          <a:p>
-            <a:r>
-              <a:rPr lang="en-US" altLang="ko-KR" sz="1800" dirty="0">
-                <a:effectLst/>
-                <a:latin typeface="맑은 고딕" panose="020B0503020000020004" pitchFamily="50" charset="-127"/>
-                <a:cs typeface="Times New Roman" panose="02020603050405020304" pitchFamily="18" charset="0"/>
-              </a:rPr>
-              <a:t>One of those studies developed an ANN model to compare with other modeling approaches.</a:t>
-            </a:r>
-          </a:p>
-          <a:p>
-            <a:pPr marL="0" marR="0" lvl="0" indent="0" algn="l" defTabSz="914400" rtl="0" eaLnBrk="1" fontAlgn="auto" latinLnBrk="1" hangingPunct="1">
-              <a:lnSpc>
-                <a:spcPct val="100000"/>
-              </a:lnSpc>
-              <a:spcBef>
-                <a:spcPts val="0"/>
-              </a:spcBef>
-              <a:spcAft>
-                <a:spcPts val="0"/>
-              </a:spcAft>
-              <a:buClrTx/>
-              <a:buSzTx/>
-              <a:buFontTx/>
-              <a:buNone/>
-              <a:tabLst/>
-              <a:defRPr/>
-            </a:pPr>
-            <a:r>
-              <a:rPr lang="en-US" altLang="ko-KR" sz="1800" dirty="0">
-                <a:effectLst/>
-                <a:latin typeface="맑은 고딕" panose="020B0503020000020004" pitchFamily="50" charset="-127"/>
-                <a:cs typeface="Times New Roman" panose="02020603050405020304" pitchFamily="18" charset="0"/>
-              </a:rPr>
-              <a:t>It </a:t>
-            </a:r>
-            <a:r>
-              <a:rPr lang="en-US" altLang="ko-KR" sz="1800" kern="100" dirty="0">
-                <a:effectLst/>
-                <a:latin typeface="맑은 고딕" panose="020B0503020000020004" pitchFamily="50" charset="-127"/>
-                <a:ea typeface="맑은 고딕" panose="020B0503020000020004" pitchFamily="50" charset="-127"/>
-                <a:cs typeface="Times New Roman" panose="02020603050405020304" pitchFamily="18" charset="0"/>
-              </a:rPr>
-              <a:t>indicated that NN models have distinct advantages in predicting the energy consumption and the impact of socio-economic factors on energy consumption.</a:t>
-            </a:r>
-            <a:endParaRPr lang="ko-KR" altLang="ko-KR" sz="1800" kern="100" dirty="0">
-              <a:effectLst/>
-              <a:latin typeface="맑은 고딕" panose="020B0503020000020004" pitchFamily="50" charset="-127"/>
-              <a:ea typeface="맑은 고딕" panose="020B0503020000020004" pitchFamily="50" charset="-127"/>
-              <a:cs typeface="Times New Roman" panose="02020603050405020304" pitchFamily="18" charset="0"/>
-            </a:endParaRPr>
-          </a:p>
-          <a:p>
-            <a:endParaRPr lang="en-US" altLang="ko-KR" sz="1800" dirty="0">
-              <a:effectLst/>
-              <a:latin typeface="맑은 고딕" panose="020B0503020000020004" pitchFamily="50" charset="-127"/>
-              <a:cs typeface="Times New Roman" panose="02020603050405020304" pitchFamily="18" charset="0"/>
-            </a:endParaRPr>
-          </a:p>
-          <a:p>
-            <a:endParaRPr lang="en-US" altLang="ko-KR" sz="1800" dirty="0">
-              <a:effectLst/>
-              <a:latin typeface="맑은 고딕" panose="020B0503020000020004" pitchFamily="50" charset="-127"/>
-              <a:cs typeface="Times New Roman" panose="02020603050405020304" pitchFamily="18" charset="0"/>
-            </a:endParaRPr>
-          </a:p>
-          <a:p>
-            <a:endParaRPr lang="en-US" altLang="ko-KR" sz="1800" dirty="0">
-              <a:effectLst/>
-              <a:ea typeface="맑은 고딕" panose="020B0503020000020004" pitchFamily="50" charset="-127"/>
-              <a:cs typeface="Times New Roman" panose="02020603050405020304" pitchFamily="18" charset="0"/>
-            </a:endParaRPr>
-          </a:p>
-          <a:p>
             <a:endParaRPr lang="ko-KR" altLang="en-US" dirty="0"/>
           </a:p>
         </p:txBody>
@@ -1880,7 +2409,7 @@
           <a:p>
             <a:fld id="{AD7C0D23-3854-4668-89D8-4E6E2F843EB5}" type="slidenum">
               <a:rPr lang="ko-KR" altLang="en-US" smtClean="0"/>
-              <a:t>7</a:t>
+              <a:t>6</a:t>
             </a:fld>
             <a:endParaRPr lang="ko-KR" altLang="en-US"/>
           </a:p>
@@ -1889,7 +2418,7 @@
     </p:spTree>
     <p:extLst>
       <p:ext uri="{BB962C8B-B14F-4D97-AF65-F5344CB8AC3E}">
-        <p14:creationId xmlns:p14="http://schemas.microsoft.com/office/powerpoint/2010/main" val="2476952121"/>
+        <p14:creationId xmlns:p14="http://schemas.microsoft.com/office/powerpoint/2010/main" val="3591655369"/>
       </p:ext>
     </p:extLst>
   </p:cSld>
@@ -1943,107 +2472,175 @@
           <a:bodyPr/>
           <a:lstStyle/>
           <a:p>
-            <a:pPr marL="0" indent="0">
-              <a:lnSpc>
-                <a:spcPct val="150000"/>
-              </a:lnSpc>
-              <a:buFont typeface="Wingdings" panose="05000000000000000000" pitchFamily="2" charset="2"/>
-              <a:buNone/>
-            </a:pPr>
-            <a:r>
-              <a:rPr lang="en-US" altLang="ko-KR" sz="1200" dirty="0">
+            <a:r>
+              <a:rPr lang="ko-KR" altLang="ko-KR" sz="1800" dirty="0">
                 <a:effectLst/>
-                <a:latin typeface="맑은 고딕" panose="020B0503020000020004" pitchFamily="50" charset="-127"/>
+                <a:ea typeface="맑은 고딕" panose="020B0503020000020004" pitchFamily="50" charset="-127"/>
                 <a:cs typeface="Times New Roman" panose="02020603050405020304" pitchFamily="18" charset="0"/>
               </a:rPr>
-              <a:t>ANN model consist of simple individual element (neurons)</a:t>
-            </a:r>
-          </a:p>
-          <a:p>
-            <a:pPr marL="0" indent="0">
-              <a:lnSpc>
-                <a:spcPct val="150000"/>
-              </a:lnSpc>
-              <a:buFont typeface="Wingdings" panose="05000000000000000000" pitchFamily="2" charset="2"/>
-              <a:buNone/>
-            </a:pPr>
-            <a:r>
-              <a:rPr lang="en-US" altLang="ko-KR" sz="1200" dirty="0">
+              <a:t>과소평가는 사회 및 경제 </a:t>
+            </a:r>
+            <a:r>
+              <a:rPr lang="en-US" altLang="ko-KR" sz="1800" dirty="0">
                 <a:effectLst/>
-                <a:latin typeface="맑은 고딕" panose="020B0503020000020004" pitchFamily="50" charset="-127"/>
+                <a:ea typeface="맑은 고딕" panose="020B0503020000020004" pitchFamily="50" charset="-127"/>
                 <a:cs typeface="Times New Roman" panose="02020603050405020304" pitchFamily="18" charset="0"/>
               </a:rPr>
-              <a:t>Each Neuron n has an input p, </a:t>
-            </a:r>
+              <a:t>lifestyle</a:t>
+            </a:r>
+            <a:r>
+              <a:rPr lang="ko-KR" altLang="ko-KR" sz="1800" dirty="0">
+                <a:effectLst/>
+                <a:ea typeface="맑은 고딕" panose="020B0503020000020004" pitchFamily="50" charset="-127"/>
+                <a:cs typeface="Times New Roman" panose="02020603050405020304" pitchFamily="18" charset="0"/>
+              </a:rPr>
+              <a:t>에 해로울 수 있는 잠재적 </a:t>
+            </a:r>
+            <a:r>
+              <a:rPr lang="en-US" altLang="ko-KR" sz="1800" dirty="0">
+                <a:effectLst/>
+                <a:ea typeface="맑은 고딕" panose="020B0503020000020004" pitchFamily="50" charset="-127"/>
+                <a:cs typeface="Times New Roman" panose="02020603050405020304" pitchFamily="18" charset="0"/>
+              </a:rPr>
+              <a:t>outages</a:t>
+            </a:r>
+            <a:r>
+              <a:rPr lang="ko-KR" altLang="ko-KR" sz="1800" dirty="0">
+                <a:effectLst/>
+                <a:ea typeface="맑은 고딕" panose="020B0503020000020004" pitchFamily="50" charset="-127"/>
+                <a:cs typeface="Times New Roman" panose="02020603050405020304" pitchFamily="18" charset="0"/>
+              </a:rPr>
+              <a:t>로 이어질 수 있고</a:t>
+            </a:r>
+            <a:r>
+              <a:rPr lang="en-US" altLang="ko-KR" sz="1800" dirty="0">
+                <a:effectLst/>
+                <a:ea typeface="맑은 고딕" panose="020B0503020000020004" pitchFamily="50" charset="-127"/>
+                <a:cs typeface="Times New Roman" panose="02020603050405020304" pitchFamily="18" charset="0"/>
+              </a:rPr>
+              <a:t>, </a:t>
+            </a:r>
+            <a:r>
+              <a:rPr lang="ko-KR" altLang="ko-KR" sz="1800" dirty="0">
+                <a:effectLst/>
+                <a:ea typeface="맑은 고딕" panose="020B0503020000020004" pitchFamily="50" charset="-127"/>
+                <a:cs typeface="Times New Roman" panose="02020603050405020304" pitchFamily="18" charset="0"/>
+              </a:rPr>
+              <a:t>과대평가는 불필요한 </a:t>
+            </a:r>
+            <a:r>
+              <a:rPr lang="en-US" altLang="ko-KR" sz="1800" dirty="0">
+                <a:effectLst/>
+                <a:ea typeface="맑은 고딕" panose="020B0503020000020004" pitchFamily="50" charset="-127"/>
+                <a:cs typeface="Times New Roman" panose="02020603050405020304" pitchFamily="18" charset="0"/>
+              </a:rPr>
+              <a:t>idle </a:t>
+            </a:r>
+            <a:r>
+              <a:rPr lang="ko-KR" altLang="ko-KR" sz="1800" dirty="0">
+                <a:effectLst/>
+                <a:ea typeface="맑은 고딕" panose="020B0503020000020004" pitchFamily="50" charset="-127"/>
+                <a:cs typeface="Times New Roman" panose="02020603050405020304" pitchFamily="18" charset="0"/>
+              </a:rPr>
+              <a:t>용량과 재정자원 낭비로 이어질 수 있기 때문에 높은 정확도는 에너지 소비 모델의 개발에 중요하다</a:t>
+            </a:r>
+            <a:r>
+              <a:rPr lang="en-US" altLang="ko-KR" sz="1800" dirty="0">
+                <a:effectLst/>
+                <a:ea typeface="맑은 고딕" panose="020B0503020000020004" pitchFamily="50" charset="-127"/>
+                <a:cs typeface="Times New Roman" panose="02020603050405020304" pitchFamily="18" charset="0"/>
+              </a:rPr>
+              <a:t>. </a:t>
+            </a:r>
+          </a:p>
+          <a:p>
             <a:r>
               <a:rPr lang="en-US" altLang="ko-KR" sz="1800" dirty="0">
                 <a:effectLst/>
                 <a:latin typeface="맑은 고딕" panose="020B0503020000020004" pitchFamily="50" charset="-127"/>
                 <a:cs typeface="Times New Roman" panose="02020603050405020304" pitchFamily="18" charset="0"/>
               </a:rPr>
-              <a:t>a weight function w and a bias function b</a:t>
-            </a:r>
-            <a:r>
-              <a:rPr lang="en-US" altLang="ko-KR" sz="1200" dirty="0">
-                <a:effectLst/>
-                <a:latin typeface="맑은 고딕" panose="020B0503020000020004" pitchFamily="50" charset="-127"/>
-                <a:cs typeface="Times New Roman" panose="02020603050405020304" pitchFamily="18" charset="0"/>
-              </a:rPr>
-              <a:t> </a:t>
-            </a:r>
-          </a:p>
-          <a:p>
-            <a:pPr marL="0" indent="0">
-              <a:lnSpc>
-                <a:spcPct val="150000"/>
-              </a:lnSpc>
-              <a:buFont typeface="Wingdings" panose="05000000000000000000" pitchFamily="2" charset="2"/>
-              <a:buNone/>
-            </a:pPr>
+              <a:t>Building energy consumption is a vital variable.</a:t>
+            </a:r>
+          </a:p>
+          <a:p>
             <a:r>
               <a:rPr lang="en-US" altLang="ko-KR" sz="1800" dirty="0">
                 <a:effectLst/>
                 <a:latin typeface="맑은 고딕" panose="020B0503020000020004" pitchFamily="50" charset="-127"/>
                 <a:cs typeface="Times New Roman" panose="02020603050405020304" pitchFamily="18" charset="0"/>
               </a:rPr>
-              <a:t>where f( ) is an activation function to scale or convert the neuron value into meaningful response values for further analysis. It can be a linear function, or the log sigmoid function. </a:t>
-            </a:r>
-          </a:p>
-          <a:p>
-            <a:pPr marL="0" indent="0">
-              <a:lnSpc>
-                <a:spcPct val="150000"/>
-              </a:lnSpc>
-              <a:buFont typeface="Wingdings" panose="05000000000000000000" pitchFamily="2" charset="2"/>
-              <a:buNone/>
-            </a:pPr>
+              <a:t>Thus, high accuracy is important in development of the energy consumption model because underestimation of energy consumption could lead to potential outages that can be detrimental to social and economic lifestyles while overestimation would lead to unnecessary idle capacity and thus wasted financial resources </a:t>
+            </a:r>
+          </a:p>
+          <a:p>
             <a:endParaRPr lang="en-US" altLang="ko-KR" sz="1800" dirty="0">
               <a:effectLst/>
-              <a:latin typeface="맑은 고딕" panose="020B0503020000020004" pitchFamily="50" charset="-127"/>
+              <a:ea typeface="맑은 고딕" panose="020B0503020000020004" pitchFamily="50" charset="-127"/>
               <a:cs typeface="Times New Roman" panose="02020603050405020304" pitchFamily="18" charset="0"/>
             </a:endParaRPr>
           </a:p>
           <a:p>
-            <a:pPr marL="0" indent="0">
-              <a:lnSpc>
-                <a:spcPct val="150000"/>
-              </a:lnSpc>
-              <a:buFont typeface="Wingdings" panose="05000000000000000000" pitchFamily="2" charset="2"/>
-              <a:buNone/>
-            </a:pPr>
+            <a:r>
+              <a:rPr lang="en-US" altLang="ko-KR" sz="1800" dirty="0">
+                <a:effectLst/>
+                <a:ea typeface="맑은 고딕" panose="020B0503020000020004" pitchFamily="50" charset="-127"/>
+                <a:cs typeface="Times New Roman" panose="02020603050405020304" pitchFamily="18" charset="0"/>
+              </a:rPr>
+              <a:t>There are several studies about NN methods.</a:t>
+            </a:r>
+          </a:p>
+          <a:p>
             <a:r>
               <a:rPr lang="en-US" altLang="ko-KR" sz="1800" dirty="0">
                 <a:effectLst/>
                 <a:latin typeface="맑은 고딕" panose="020B0503020000020004" pitchFamily="50" charset="-127"/>
                 <a:cs typeface="Times New Roman" panose="02020603050405020304" pitchFamily="18" charset="0"/>
               </a:rPr>
-              <a:t>A typical network consists of an input layer, one or more hidden layers where each layer has more than one neuron operating in parallel, and an output layer of one or more outputs that can be represented by the neurons</a:t>
+              <a:t>A study carried out a comparison of methods that are currently used to model residential energy consumption at the national level. =&gt; NN method resulted in very high prediction performance </a:t>
+            </a:r>
+          </a:p>
+          <a:p>
+            <a:r>
+              <a:rPr lang="en-US" altLang="ko-KR" sz="1800" dirty="0">
+                <a:effectLst/>
+                <a:latin typeface="맑은 고딕" panose="020B0503020000020004" pitchFamily="50" charset="-127"/>
+                <a:cs typeface="Times New Roman" panose="02020603050405020304" pitchFamily="18" charset="0"/>
+              </a:rPr>
+              <a:t>with the coefficients of determination of 0.87 and higher, which is significantly ~~</a:t>
+            </a:r>
+          </a:p>
+          <a:p>
+            <a:endParaRPr lang="en-US" altLang="ko-KR" sz="1800" dirty="0">
+              <a:effectLst/>
+              <a:ea typeface="맑은 고딕" panose="020B0503020000020004" pitchFamily="50" charset="-127"/>
+              <a:cs typeface="Times New Roman" panose="02020603050405020304" pitchFamily="18" charset="0"/>
+            </a:endParaRPr>
+          </a:p>
+          <a:p>
+            <a:r>
+              <a:rPr lang="en-US" altLang="ko-KR" sz="1800" dirty="0">
+                <a:effectLst/>
+                <a:latin typeface="맑은 고딕" panose="020B0503020000020004" pitchFamily="50" charset="-127"/>
+                <a:cs typeface="Times New Roman" panose="02020603050405020304" pitchFamily="18" charset="0"/>
+              </a:rPr>
+              <a:t>NN approach is not just limited to national residential building energy forecasting, but also can be applied to individual homes.</a:t>
+            </a:r>
+          </a:p>
+          <a:p>
+            <a:r>
+              <a:rPr lang="en-US" altLang="ko-KR" sz="1800" dirty="0">
+                <a:effectLst/>
+                <a:latin typeface="맑은 고딕" panose="020B0503020000020004" pitchFamily="50" charset="-127"/>
+                <a:cs typeface="Times New Roman" panose="02020603050405020304" pitchFamily="18" charset="0"/>
+              </a:rPr>
+              <a:t>One of those studies developed an ANN model to compare with other modeling approaches.</a:t>
             </a:r>
           </a:p>
           <a:p>
             <a:pPr marL="0" marR="0" lvl="0" indent="0" algn="l" defTabSz="914400" rtl="0" eaLnBrk="1" fontAlgn="auto" latinLnBrk="1" hangingPunct="1">
               <a:lnSpc>
-                <a:spcPct val="150000"/>
+                <a:spcPct val="100000"/>
               </a:lnSpc>
               <a:spcBef>
                 <a:spcPts val="0"/>
@@ -2053,59 +2650,36 @@
               </a:spcAft>
               <a:buClrTx/>
               <a:buSzTx/>
-              <a:buFont typeface="Wingdings" panose="05000000000000000000" pitchFamily="2" charset="2"/>
+              <a:buFontTx/>
               <a:buNone/>
               <a:tabLst/>
               <a:defRPr/>
             </a:pPr>
             <a:r>
-              <a:rPr lang="en-US" altLang="ko-KR" sz="1200" dirty="0">
-                <a:effectLst/>
-                <a:latin typeface="맑은 고딕" panose="020B0503020000020004" pitchFamily="50" charset="-127"/>
-                <a:cs typeface="Times New Roman" panose="02020603050405020304" pitchFamily="18" charset="0"/>
-              </a:rPr>
-              <a:t>Number of neurons can vary for each layer independently.</a:t>
-            </a:r>
-          </a:p>
-          <a:p>
-            <a:pPr marL="0" indent="0">
-              <a:lnSpc>
-                <a:spcPct val="150000"/>
-              </a:lnSpc>
-              <a:buFont typeface="Wingdings" panose="05000000000000000000" pitchFamily="2" charset="2"/>
-              <a:buNone/>
-            </a:pPr>
-            <a:endParaRPr lang="en-US" altLang="ko-KR" sz="1200" dirty="0">
-              <a:effectLst/>
-              <a:latin typeface="맑은 고딕" panose="020B0503020000020004" pitchFamily="50" charset="-127"/>
-              <a:cs typeface="Times New Roman" panose="02020603050405020304" pitchFamily="18" charset="0"/>
-            </a:endParaRPr>
-          </a:p>
-          <a:p>
-            <a:pPr marL="0" indent="0">
-              <a:lnSpc>
-                <a:spcPct val="150000"/>
-              </a:lnSpc>
-              <a:buFont typeface="Wingdings" panose="05000000000000000000" pitchFamily="2" charset="2"/>
-              <a:buNone/>
-            </a:pPr>
-            <a:r>
               <a:rPr lang="en-US" altLang="ko-KR" sz="1800" dirty="0">
                 <a:effectLst/>
                 <a:latin typeface="맑은 고딕" panose="020B0503020000020004" pitchFamily="50" charset="-127"/>
                 <a:cs typeface="Times New Roman" panose="02020603050405020304" pitchFamily="18" charset="0"/>
               </a:rPr>
-              <a:t>The input layer consists of all input variables. </a:t>
-            </a:r>
-          </a:p>
-          <a:p>
-            <a:pPr marL="0" indent="0">
-              <a:lnSpc>
-                <a:spcPct val="150000"/>
-              </a:lnSpc>
-              <a:buFont typeface="Wingdings" panose="05000000000000000000" pitchFamily="2" charset="2"/>
-              <a:buNone/>
-            </a:pPr>
+              <a:t>It </a:t>
+            </a:r>
+            <a:r>
+              <a:rPr lang="en-US" altLang="ko-KR" sz="1800" kern="100" dirty="0">
+                <a:effectLst/>
+                <a:latin typeface="맑은 고딕" panose="020B0503020000020004" pitchFamily="50" charset="-127"/>
+                <a:ea typeface="맑은 고딕" panose="020B0503020000020004" pitchFamily="50" charset="-127"/>
+                <a:cs typeface="Times New Roman" panose="02020603050405020304" pitchFamily="18" charset="0"/>
+              </a:rPr>
+              <a:t>indicated that NN models have distinct advantages in predicting the energy consumption and the impact of socio-economic factors on energy consumption.</a:t>
+            </a:r>
+            <a:endParaRPr lang="ko-KR" altLang="ko-KR" sz="1800" kern="100" dirty="0">
+              <a:effectLst/>
+              <a:latin typeface="맑은 고딕" panose="020B0503020000020004" pitchFamily="50" charset="-127"/>
+              <a:ea typeface="맑은 고딕" panose="020B0503020000020004" pitchFamily="50" charset="-127"/>
+              <a:cs typeface="Times New Roman" panose="02020603050405020304" pitchFamily="18" charset="0"/>
+            </a:endParaRPr>
+          </a:p>
+          <a:p>
             <a:endParaRPr lang="en-US" altLang="ko-KR" sz="1800" dirty="0">
               <a:effectLst/>
               <a:latin typeface="맑은 고딕" panose="020B0503020000020004" pitchFamily="50" charset="-127"/>
@@ -2113,18 +2687,21 @@
             </a:endParaRPr>
           </a:p>
           <a:p>
-            <a:pPr marL="0" indent="0">
-              <a:lnSpc>
-                <a:spcPct val="150000"/>
-              </a:lnSpc>
-              <a:buFont typeface="Wingdings" panose="05000000000000000000" pitchFamily="2" charset="2"/>
-              <a:buNone/>
-            </a:pPr>
-            <a:endParaRPr lang="en-US" altLang="ko-KR" sz="1200" dirty="0">
+            <a:endParaRPr lang="en-US" altLang="ko-KR" sz="1800" dirty="0">
               <a:effectLst/>
               <a:latin typeface="맑은 고딕" panose="020B0503020000020004" pitchFamily="50" charset="-127"/>
               <a:cs typeface="Times New Roman" panose="02020603050405020304" pitchFamily="18" charset="0"/>
             </a:endParaRPr>
+          </a:p>
+          <a:p>
+            <a:endParaRPr lang="en-US" altLang="ko-KR" sz="1800" dirty="0">
+              <a:effectLst/>
+              <a:ea typeface="맑은 고딕" panose="020B0503020000020004" pitchFamily="50" charset="-127"/>
+              <a:cs typeface="Times New Roman" panose="02020603050405020304" pitchFamily="18" charset="0"/>
+            </a:endParaRPr>
+          </a:p>
+          <a:p>
+            <a:endParaRPr lang="ko-KR" altLang="en-US" dirty="0"/>
           </a:p>
         </p:txBody>
       </p:sp>
@@ -2145,7 +2722,7 @@
           <a:p>
             <a:fld id="{AD7C0D23-3854-4668-89D8-4E6E2F843EB5}" type="slidenum">
               <a:rPr lang="ko-KR" altLang="en-US" smtClean="0"/>
-              <a:t>8</a:t>
+              <a:t>7</a:t>
             </a:fld>
             <a:endParaRPr lang="ko-KR" altLang="en-US"/>
           </a:p>
@@ -2154,7 +2731,7 @@
     </p:spTree>
     <p:extLst>
       <p:ext uri="{BB962C8B-B14F-4D97-AF65-F5344CB8AC3E}">
-        <p14:creationId xmlns:p14="http://schemas.microsoft.com/office/powerpoint/2010/main" val="988854201"/>
+        <p14:creationId xmlns:p14="http://schemas.microsoft.com/office/powerpoint/2010/main" val="2476952121"/>
       </p:ext>
     </p:extLst>
   </p:cSld>
@@ -2208,15 +2785,188 @@
           <a:bodyPr/>
           <a:lstStyle/>
           <a:p>
+            <a:pPr marL="0" indent="0">
+              <a:lnSpc>
+                <a:spcPct val="150000"/>
+              </a:lnSpc>
+              <a:buFont typeface="Wingdings" panose="05000000000000000000" pitchFamily="2" charset="2"/>
+              <a:buNone/>
+            </a:pPr>
             <a:r>
               <a:rPr lang="en-US" altLang="ko-KR" sz="1200" dirty="0">
                 <a:effectLst/>
                 <a:latin typeface="맑은 고딕" panose="020B0503020000020004" pitchFamily="50" charset="-127"/>
                 <a:cs typeface="Times New Roman" panose="02020603050405020304" pitchFamily="18" charset="0"/>
               </a:rPr>
-              <a:t>The neurons in subsequent layers receive a neuron response of the previous layer as their inputs. Each individual neuron is connected to all other neurons of the previous layer through a weight functions w and its response is generated by the activation function f( ). </a:t>
-            </a:r>
-            <a:endParaRPr lang="ko-KR" altLang="en-US" dirty="0"/>
+              <a:t>ANN model consist of simple individual element (neurons)</a:t>
+            </a:r>
+          </a:p>
+          <a:p>
+            <a:pPr marL="0" indent="0">
+              <a:lnSpc>
+                <a:spcPct val="150000"/>
+              </a:lnSpc>
+              <a:buFont typeface="Wingdings" panose="05000000000000000000" pitchFamily="2" charset="2"/>
+              <a:buNone/>
+            </a:pPr>
+            <a:r>
+              <a:rPr lang="en-US" altLang="ko-KR" sz="1200" dirty="0">
+                <a:effectLst/>
+                <a:latin typeface="맑은 고딕" panose="020B0503020000020004" pitchFamily="50" charset="-127"/>
+                <a:cs typeface="Times New Roman" panose="02020603050405020304" pitchFamily="18" charset="0"/>
+              </a:rPr>
+              <a:t>Each Neuron n has an input p, </a:t>
+            </a:r>
+            <a:r>
+              <a:rPr lang="en-US" altLang="ko-KR" sz="1800" dirty="0">
+                <a:effectLst/>
+                <a:latin typeface="맑은 고딕" panose="020B0503020000020004" pitchFamily="50" charset="-127"/>
+                <a:cs typeface="Times New Roman" panose="02020603050405020304" pitchFamily="18" charset="0"/>
+              </a:rPr>
+              <a:t>a weight function w and a bias function b</a:t>
+            </a:r>
+            <a:r>
+              <a:rPr lang="en-US" altLang="ko-KR" sz="1200" dirty="0">
+                <a:effectLst/>
+                <a:latin typeface="맑은 고딕" panose="020B0503020000020004" pitchFamily="50" charset="-127"/>
+                <a:cs typeface="Times New Roman" panose="02020603050405020304" pitchFamily="18" charset="0"/>
+              </a:rPr>
+              <a:t> </a:t>
+            </a:r>
+          </a:p>
+          <a:p>
+            <a:pPr marL="0" indent="0">
+              <a:lnSpc>
+                <a:spcPct val="150000"/>
+              </a:lnSpc>
+              <a:buFont typeface="Wingdings" panose="05000000000000000000" pitchFamily="2" charset="2"/>
+              <a:buNone/>
+            </a:pPr>
+            <a:r>
+              <a:rPr lang="en-US" altLang="ko-KR" sz="1800" dirty="0">
+                <a:effectLst/>
+                <a:latin typeface="맑은 고딕" panose="020B0503020000020004" pitchFamily="50" charset="-127"/>
+                <a:cs typeface="Times New Roman" panose="02020603050405020304" pitchFamily="18" charset="0"/>
+              </a:rPr>
+              <a:t>where f( ) is an activation function to scale or convert the neuron value into meaningful response values for further analysis. It can be a linear function, or the log sigmoid function. </a:t>
+            </a:r>
+          </a:p>
+          <a:p>
+            <a:pPr marL="0" indent="0">
+              <a:lnSpc>
+                <a:spcPct val="150000"/>
+              </a:lnSpc>
+              <a:buFont typeface="Wingdings" panose="05000000000000000000" pitchFamily="2" charset="2"/>
+              <a:buNone/>
+            </a:pPr>
+            <a:endParaRPr lang="en-US" altLang="ko-KR" sz="1800" dirty="0">
+              <a:effectLst/>
+              <a:latin typeface="맑은 고딕" panose="020B0503020000020004" pitchFamily="50" charset="-127"/>
+              <a:cs typeface="Times New Roman" panose="02020603050405020304" pitchFamily="18" charset="0"/>
+            </a:endParaRPr>
+          </a:p>
+          <a:p>
+            <a:pPr marL="0" indent="0">
+              <a:lnSpc>
+                <a:spcPct val="150000"/>
+              </a:lnSpc>
+              <a:buFont typeface="Wingdings" panose="05000000000000000000" pitchFamily="2" charset="2"/>
+              <a:buNone/>
+            </a:pPr>
+            <a:r>
+              <a:rPr lang="en-US" altLang="ko-KR" sz="1800" dirty="0">
+                <a:effectLst/>
+                <a:latin typeface="맑은 고딕" panose="020B0503020000020004" pitchFamily="50" charset="-127"/>
+                <a:cs typeface="Times New Roman" panose="02020603050405020304" pitchFamily="18" charset="0"/>
+              </a:rPr>
+              <a:t>A typical network consists of an input layer, one or more hidden layers where each layer has more than one neuron operating in parallel, and an output layer of one or more outputs that can be represented by the neurons</a:t>
+            </a:r>
+          </a:p>
+          <a:p>
+            <a:pPr marL="0" marR="0" lvl="0" indent="0" algn="l" defTabSz="914400" rtl="0" eaLnBrk="1" fontAlgn="auto" latinLnBrk="1" hangingPunct="1">
+              <a:lnSpc>
+                <a:spcPct val="150000"/>
+              </a:lnSpc>
+              <a:spcBef>
+                <a:spcPts val="0"/>
+              </a:spcBef>
+              <a:spcAft>
+                <a:spcPts val="0"/>
+              </a:spcAft>
+              <a:buClrTx/>
+              <a:buSzTx/>
+              <a:buFont typeface="Wingdings" panose="05000000000000000000" pitchFamily="2" charset="2"/>
+              <a:buNone/>
+              <a:tabLst/>
+              <a:defRPr/>
+            </a:pPr>
+            <a:r>
+              <a:rPr lang="en-US" altLang="ko-KR" sz="1200" dirty="0">
+                <a:effectLst/>
+                <a:latin typeface="맑은 고딕" panose="020B0503020000020004" pitchFamily="50" charset="-127"/>
+                <a:cs typeface="Times New Roman" panose="02020603050405020304" pitchFamily="18" charset="0"/>
+              </a:rPr>
+              <a:t>Number of neurons can vary for each layer independently.</a:t>
+            </a:r>
+          </a:p>
+          <a:p>
+            <a:pPr marL="0" indent="0">
+              <a:lnSpc>
+                <a:spcPct val="150000"/>
+              </a:lnSpc>
+              <a:buFont typeface="Wingdings" panose="05000000000000000000" pitchFamily="2" charset="2"/>
+              <a:buNone/>
+            </a:pPr>
+            <a:endParaRPr lang="en-US" altLang="ko-KR" sz="1200" dirty="0">
+              <a:effectLst/>
+              <a:latin typeface="맑은 고딕" panose="020B0503020000020004" pitchFamily="50" charset="-127"/>
+              <a:cs typeface="Times New Roman" panose="02020603050405020304" pitchFamily="18" charset="0"/>
+            </a:endParaRPr>
+          </a:p>
+          <a:p>
+            <a:pPr marL="0" indent="0">
+              <a:lnSpc>
+                <a:spcPct val="150000"/>
+              </a:lnSpc>
+              <a:buFont typeface="Wingdings" panose="05000000000000000000" pitchFamily="2" charset="2"/>
+              <a:buNone/>
+            </a:pPr>
+            <a:r>
+              <a:rPr lang="en-US" altLang="ko-KR" sz="1800" dirty="0">
+                <a:effectLst/>
+                <a:latin typeface="맑은 고딕" panose="020B0503020000020004" pitchFamily="50" charset="-127"/>
+                <a:cs typeface="Times New Roman" panose="02020603050405020304" pitchFamily="18" charset="0"/>
+              </a:rPr>
+              <a:t>The input layer consists of all input variables. </a:t>
+            </a:r>
+          </a:p>
+          <a:p>
+            <a:pPr marL="0" indent="0">
+              <a:lnSpc>
+                <a:spcPct val="150000"/>
+              </a:lnSpc>
+              <a:buFont typeface="Wingdings" panose="05000000000000000000" pitchFamily="2" charset="2"/>
+              <a:buNone/>
+            </a:pPr>
+            <a:endParaRPr lang="en-US" altLang="ko-KR" sz="1800" dirty="0">
+              <a:effectLst/>
+              <a:latin typeface="맑은 고딕" panose="020B0503020000020004" pitchFamily="50" charset="-127"/>
+              <a:cs typeface="Times New Roman" panose="02020603050405020304" pitchFamily="18" charset="0"/>
+            </a:endParaRPr>
+          </a:p>
+          <a:p>
+            <a:pPr marL="0" indent="0">
+              <a:lnSpc>
+                <a:spcPct val="150000"/>
+              </a:lnSpc>
+              <a:buFont typeface="Wingdings" panose="05000000000000000000" pitchFamily="2" charset="2"/>
+              <a:buNone/>
+            </a:pPr>
+            <a:endParaRPr lang="en-US" altLang="ko-KR" sz="1200" dirty="0">
+              <a:effectLst/>
+              <a:latin typeface="맑은 고딕" panose="020B0503020000020004" pitchFamily="50" charset="-127"/>
+              <a:cs typeface="Times New Roman" panose="02020603050405020304" pitchFamily="18" charset="0"/>
+            </a:endParaRPr>
           </a:p>
         </p:txBody>
       </p:sp>
@@ -2237,7 +2987,7 @@
           <a:p>
             <a:fld id="{AD7C0D23-3854-4668-89D8-4E6E2F843EB5}" type="slidenum">
               <a:rPr lang="ko-KR" altLang="en-US" smtClean="0"/>
-              <a:t>9</a:t>
+              <a:t>8</a:t>
             </a:fld>
             <a:endParaRPr lang="ko-KR" altLang="en-US"/>
           </a:p>
@@ -2246,7 +2996,7 @@
     </p:spTree>
     <p:extLst>
       <p:ext uri="{BB962C8B-B14F-4D97-AF65-F5344CB8AC3E}">
-        <p14:creationId xmlns:p14="http://schemas.microsoft.com/office/powerpoint/2010/main" val="2030115919"/>
+        <p14:creationId xmlns:p14="http://schemas.microsoft.com/office/powerpoint/2010/main" val="988854201"/>
       </p:ext>
     </p:extLst>
   </p:cSld>
@@ -2301,14 +3051,259 @@
           <a:lstStyle/>
           <a:p>
             <a:r>
+              <a:rPr lang="en-US" altLang="ko-KR" sz="1200" dirty="0">
+                <a:effectLst/>
+                <a:latin typeface="맑은 고딕" panose="020B0503020000020004" pitchFamily="50" charset="-127"/>
+                <a:cs typeface="Times New Roman" panose="02020603050405020304" pitchFamily="18" charset="0"/>
+              </a:rPr>
+              <a:t>The neurons in subsequent layers receive a neuron response of the previous layer as their inputs. Each individual neuron is connected to all other neurons of the previous layer through a weight functions w and its response is generated by the activation function f( ). </a:t>
+            </a:r>
+            <a:endParaRPr lang="ko-KR" altLang="en-US" dirty="0"/>
+          </a:p>
+        </p:txBody>
+      </p:sp>
+      <p:sp>
+        <p:nvSpPr>
+          <p:cNvPr id="4" name="슬라이드 번호 개체 틀 3"/>
+          <p:cNvSpPr>
+            <a:spLocks noGrp="1"/>
+          </p:cNvSpPr>
+          <p:nvPr>
+            <p:ph type="sldNum" sz="quarter" idx="5"/>
+          </p:nvPr>
+        </p:nvSpPr>
+        <p:spPr/>
+        <p:txBody>
+          <a:bodyPr/>
+          <a:lstStyle/>
+          <a:p>
+            <a:fld id="{AD7C0D23-3854-4668-89D8-4E6E2F843EB5}" type="slidenum">
+              <a:rPr lang="ko-KR" altLang="en-US" smtClean="0"/>
+              <a:t>9</a:t>
+            </a:fld>
+            <a:endParaRPr lang="ko-KR" altLang="en-US"/>
+          </a:p>
+        </p:txBody>
+      </p:sp>
+    </p:spTree>
+    <p:extLst>
+      <p:ext uri="{BB962C8B-B14F-4D97-AF65-F5344CB8AC3E}">
+        <p14:creationId xmlns:p14="http://schemas.microsoft.com/office/powerpoint/2010/main" val="2030115919"/>
+      </p:ext>
+    </p:extLst>
+  </p:cSld>
+  <p:clrMapOvr>
+    <a:masterClrMapping/>
+  </p:clrMapOvr>
+</p:notes>
+</file>
+
+<file path=ppt/notesSlides/notesSlide9.xml><?xml version="1.0" encoding="utf-8"?>
+<p:notes xmlns:a="http://schemas.openxmlformats.org/drawingml/2006/main" xmlns:r="http://schemas.openxmlformats.org/officeDocument/2006/relationships" xmlns:p="http://schemas.openxmlformats.org/presentationml/2006/main">
+  <p:cSld>
+    <p:spTree>
+      <p:nvGrpSpPr>
+        <p:cNvPr id="1" name=""/>
+        <p:cNvGrpSpPr/>
+        <p:nvPr/>
+      </p:nvGrpSpPr>
+      <p:grpSpPr>
+        <a:xfrm>
+          <a:off x="0" y="0"/>
+          <a:ext cx="0" cy="0"/>
+          <a:chOff x="0" y="0"/>
+          <a:chExt cx="0" cy="0"/>
+        </a:xfrm>
+      </p:grpSpPr>
+      <p:sp>
+        <p:nvSpPr>
+          <p:cNvPr id="2" name="슬라이드 이미지 개체 틀 1"/>
+          <p:cNvSpPr>
+            <a:spLocks noGrp="1" noRot="1" noChangeAspect="1"/>
+          </p:cNvSpPr>
+          <p:nvPr>
+            <p:ph type="sldImg"/>
+          </p:nvPr>
+        </p:nvSpPr>
+        <p:spPr/>
+      </p:sp>
+      <p:sp>
+        <p:nvSpPr>
+          <p:cNvPr id="3" name="슬라이드 노트 개체 틀 2"/>
+          <p:cNvSpPr>
+            <a:spLocks noGrp="1"/>
+          </p:cNvSpPr>
+          <p:nvPr>
+            <p:ph type="body" idx="1"/>
+          </p:nvPr>
+        </p:nvSpPr>
+        <p:spPr/>
+        <p:txBody>
+          <a:bodyPr/>
+          <a:lstStyle/>
+          <a:p>
+            <a:r>
               <a:rPr lang="en-US" altLang="ko-KR" sz="1800" dirty="0">
                 <a:effectLst/>
                 <a:latin typeface="맑은 고딕" panose="020B0503020000020004" pitchFamily="50" charset="-127"/>
                 <a:cs typeface="Times New Roman" panose="02020603050405020304" pitchFamily="18" charset="0"/>
               </a:rPr>
-              <a:t>subscripts are element indices of the parameters (weight and bias) and superscripts are the layer indices of the hidden layer. </a:t>
-            </a:r>
-            <a:endParaRPr lang="ko-KR" altLang="en-US" dirty="0"/>
+              <a:t>The summation and activation in the hidden layer would be ~~</a:t>
+            </a:r>
+          </a:p>
+          <a:p>
+            <a:r>
+              <a:rPr lang="en-US" altLang="ko-KR" sz="1800" dirty="0">
+                <a:effectLst/>
+                <a:latin typeface="맑은 고딕" panose="020B0503020000020004" pitchFamily="50" charset="-127"/>
+                <a:cs typeface="Times New Roman" panose="02020603050405020304" pitchFamily="18" charset="0"/>
+              </a:rPr>
+              <a:t>subscripts are element indices of the parameters (weight and bias), 1, 2, 3 </a:t>
+            </a:r>
+          </a:p>
+          <a:p>
+            <a:r>
+              <a:rPr lang="en-US" altLang="ko-KR" sz="1800" dirty="0">
+                <a:effectLst/>
+                <a:latin typeface="맑은 고딕" panose="020B0503020000020004" pitchFamily="50" charset="-127"/>
+                <a:cs typeface="Times New Roman" panose="02020603050405020304" pitchFamily="18" charset="0"/>
+              </a:rPr>
+              <a:t>and superscripts are the layer indices of the hidden layer. There is 1 hidden layer so it would be 1.</a:t>
+            </a:r>
+          </a:p>
+          <a:p>
+            <a:endParaRPr lang="en-US" altLang="ko-KR" sz="1800" dirty="0">
+              <a:effectLst/>
+              <a:latin typeface="맑은 고딕" panose="020B0503020000020004" pitchFamily="50" charset="-127"/>
+              <a:cs typeface="Times New Roman" panose="02020603050405020304" pitchFamily="18" charset="0"/>
+            </a:endParaRPr>
+          </a:p>
+          <a:p>
+            <a:r>
+              <a:rPr lang="en-US" altLang="ko-KR" sz="1800" dirty="0">
+                <a:effectLst/>
+                <a:latin typeface="맑은 고딕" panose="020B0503020000020004" pitchFamily="50" charset="-127"/>
+                <a:cs typeface="Times New Roman" panose="02020603050405020304" pitchFamily="18" charset="0"/>
+              </a:rPr>
+              <a:t>And activation function is also the linear function, so output response is like this, which leaves the output neuron to this.</a:t>
+            </a:r>
+          </a:p>
+          <a:p>
+            <a:endParaRPr lang="en-US" altLang="ko-KR" sz="1800" dirty="0">
+              <a:effectLst/>
+              <a:latin typeface="맑은 고딕" panose="020B0503020000020004" pitchFamily="50" charset="-127"/>
+              <a:cs typeface="Times New Roman" panose="02020603050405020304" pitchFamily="18" charset="0"/>
+            </a:endParaRPr>
+          </a:p>
+          <a:p>
+            <a:endParaRPr lang="en-US" altLang="ko-KR" sz="1800" dirty="0">
+              <a:effectLst/>
+              <a:latin typeface="맑은 고딕" panose="020B0503020000020004" pitchFamily="50" charset="-127"/>
+              <a:cs typeface="Times New Roman" panose="02020603050405020304" pitchFamily="18" charset="0"/>
+            </a:endParaRPr>
+          </a:p>
+          <a:p>
+            <a:r>
+              <a:rPr lang="en-US" altLang="ko-KR" sz="1800" dirty="0">
+                <a:effectLst/>
+                <a:latin typeface="맑은 고딕" panose="020B0503020000020004" pitchFamily="50" charset="-127"/>
+                <a:cs typeface="Times New Roman" panose="02020603050405020304" pitchFamily="18" charset="0"/>
+              </a:rPr>
+              <a:t>However, the best model depends on the number of hidden layer neurons to enhance the results so </a:t>
+            </a:r>
+            <a:r>
+              <a:rPr lang="en-US" altLang="ko-KR" sz="1800" dirty="0">
+                <a:solidFill>
+                  <a:srgbClr val="ED7D31"/>
+                </a:solidFill>
+                <a:effectLst/>
+                <a:latin typeface="맑은 고딕" panose="020B0503020000020004" pitchFamily="50" charset="-127"/>
+                <a:cs typeface="Times New Roman" panose="02020603050405020304" pitchFamily="18" charset="0"/>
+              </a:rPr>
+              <a:t>an optimum number of hidden layer neurons </a:t>
+            </a:r>
+            <a:r>
+              <a:rPr lang="en-US" altLang="ko-KR" sz="1800" dirty="0">
+                <a:effectLst/>
+                <a:latin typeface="맑은 고딕" panose="020B0503020000020004" pitchFamily="50" charset="-127"/>
+                <a:cs typeface="Times New Roman" panose="02020603050405020304" pitchFamily="18" charset="0"/>
+              </a:rPr>
+              <a:t>would be based on a desired model accuracy. So the optimal number of hidden layer neurons could be established using a formula. </a:t>
+            </a:r>
+            <a:r>
+              <a:rPr lang="en-US" altLang="ko-KR" sz="1800" dirty="0" err="1">
+                <a:effectLst/>
+                <a:latin typeface="맑은 고딕" panose="020B0503020000020004" pitchFamily="50" charset="-127"/>
+                <a:cs typeface="Times New Roman" panose="02020603050405020304" pitchFamily="18" charset="0"/>
+              </a:rPr>
+              <a:t>ni</a:t>
+            </a:r>
+            <a:r>
+              <a:rPr lang="en-US" altLang="ko-KR" sz="1800" dirty="0">
+                <a:effectLst/>
+                <a:latin typeface="맑은 고딕" panose="020B0503020000020004" pitchFamily="50" charset="-127"/>
+                <a:cs typeface="Times New Roman" panose="02020603050405020304" pitchFamily="18" charset="0"/>
+              </a:rPr>
+              <a:t> is the number of input variables. </a:t>
+            </a:r>
+          </a:p>
+          <a:p>
+            <a:endParaRPr lang="en-US" altLang="ko-KR" sz="1800" dirty="0">
+              <a:effectLst/>
+              <a:latin typeface="맑은 고딕" panose="020B0503020000020004" pitchFamily="50" charset="-127"/>
+              <a:cs typeface="Times New Roman" panose="02020603050405020304" pitchFamily="18" charset="0"/>
+            </a:endParaRPr>
+          </a:p>
+          <a:p>
+            <a:r>
+              <a:rPr lang="en-US" altLang="ko-KR" sz="1800" dirty="0">
+                <a:effectLst/>
+                <a:latin typeface="맑은 고딕" panose="020B0503020000020004" pitchFamily="50" charset="-127"/>
+                <a:cs typeface="Times New Roman" panose="02020603050405020304" pitchFamily="18" charset="0"/>
+              </a:rPr>
+              <a:t>After the layer and neurons of the NN model are determined, a collected dataset is randomized and divided into 3 sets, training, validation and testing.</a:t>
+            </a:r>
+          </a:p>
+          <a:p>
+            <a:r>
+              <a:rPr lang="en-US" altLang="ko-KR" sz="1800" dirty="0">
+                <a:effectLst/>
+                <a:latin typeface="맑은 고딕" panose="020B0503020000020004" pitchFamily="50" charset="-127"/>
+                <a:cs typeface="Times New Roman" panose="02020603050405020304" pitchFamily="18" charset="0"/>
+              </a:rPr>
+              <a:t>By this minimum number of datasets can be calculated. no is the number of neurons in output layer.</a:t>
+            </a:r>
+          </a:p>
+          <a:p>
+            <a:endParaRPr lang="en-US" altLang="ko-KR" sz="1800" dirty="0">
+              <a:effectLst/>
+              <a:latin typeface="맑은 고딕" panose="020B0503020000020004" pitchFamily="50" charset="-127"/>
+              <a:cs typeface="Times New Roman" panose="02020603050405020304" pitchFamily="18" charset="0"/>
+            </a:endParaRPr>
+          </a:p>
+          <a:p>
+            <a:r>
+              <a:rPr lang="en-US" altLang="ko-KR" sz="1800" dirty="0">
+                <a:effectLst/>
+                <a:latin typeface="맑은 고딕" panose="020B0503020000020004" pitchFamily="50" charset="-127"/>
+                <a:cs typeface="Times New Roman" panose="02020603050405020304" pitchFamily="18" charset="0"/>
+              </a:rPr>
+              <a:t>NN train weight and bias parameter with training set until all the errors are within the required tolerance. Then the validation set determine if the model is adequate. </a:t>
+            </a:r>
+          </a:p>
+          <a:p>
+            <a:endParaRPr lang="en-US" altLang="ko-KR" sz="1800" dirty="0">
+              <a:effectLst/>
+              <a:latin typeface="맑은 고딕" panose="020B0503020000020004" pitchFamily="50" charset="-127"/>
+              <a:cs typeface="Times New Roman" panose="02020603050405020304" pitchFamily="18" charset="0"/>
+            </a:endParaRPr>
+          </a:p>
+          <a:p>
+            <a:endParaRPr lang="en-US" altLang="ko-KR" sz="1800" dirty="0">
+              <a:effectLst/>
+              <a:latin typeface="맑은 고딕" panose="020B0503020000020004" pitchFamily="50" charset="-127"/>
+              <a:cs typeface="Times New Roman" panose="02020603050405020304" pitchFamily="18" charset="0"/>
+            </a:endParaRPr>
           </a:p>
         </p:txBody>
       </p:sp>
@@ -2495,7 +3490,7 @@
           <a:p>
             <a:fld id="{C142EF4D-3C10-43EB-9E18-A2053A14795D}" type="datetimeFigureOut">
               <a:rPr lang="ko-KR" altLang="en-US" smtClean="0"/>
-              <a:t>2022-04-22</a:t>
+              <a:t>2022-04-23</a:t>
             </a:fld>
             <a:endParaRPr lang="ko-KR" altLang="en-US"/>
           </a:p>
@@ -2693,7 +3688,7 @@
           <a:p>
             <a:fld id="{C142EF4D-3C10-43EB-9E18-A2053A14795D}" type="datetimeFigureOut">
               <a:rPr lang="ko-KR" altLang="en-US" smtClean="0"/>
-              <a:t>2022-04-22</a:t>
+              <a:t>2022-04-23</a:t>
             </a:fld>
             <a:endParaRPr lang="ko-KR" altLang="en-US"/>
           </a:p>
@@ -2901,7 +3896,7 @@
           <a:p>
             <a:fld id="{C142EF4D-3C10-43EB-9E18-A2053A14795D}" type="datetimeFigureOut">
               <a:rPr lang="ko-KR" altLang="en-US" smtClean="0"/>
-              <a:t>2022-04-22</a:t>
+              <a:t>2022-04-23</a:t>
             </a:fld>
             <a:endParaRPr lang="ko-KR" altLang="en-US"/>
           </a:p>
@@ -3099,7 +4094,7 @@
           <a:p>
             <a:fld id="{C142EF4D-3C10-43EB-9E18-A2053A14795D}" type="datetimeFigureOut">
               <a:rPr lang="ko-KR" altLang="en-US" smtClean="0"/>
-              <a:t>2022-04-22</a:t>
+              <a:t>2022-04-23</a:t>
             </a:fld>
             <a:endParaRPr lang="ko-KR" altLang="en-US"/>
           </a:p>
@@ -3374,7 +4369,7 @@
           <a:p>
             <a:fld id="{C142EF4D-3C10-43EB-9E18-A2053A14795D}" type="datetimeFigureOut">
               <a:rPr lang="ko-KR" altLang="en-US" smtClean="0"/>
-              <a:t>2022-04-22</a:t>
+              <a:t>2022-04-23</a:t>
             </a:fld>
             <a:endParaRPr lang="ko-KR" altLang="en-US"/>
           </a:p>
@@ -3639,7 +4634,7 @@
           <a:p>
             <a:fld id="{C142EF4D-3C10-43EB-9E18-A2053A14795D}" type="datetimeFigureOut">
               <a:rPr lang="ko-KR" altLang="en-US" smtClean="0"/>
-              <a:t>2022-04-22</a:t>
+              <a:t>2022-04-23</a:t>
             </a:fld>
             <a:endParaRPr lang="ko-KR" altLang="en-US"/>
           </a:p>
@@ -4051,7 +5046,7 @@
           <a:p>
             <a:fld id="{C142EF4D-3C10-43EB-9E18-A2053A14795D}" type="datetimeFigureOut">
               <a:rPr lang="ko-KR" altLang="en-US" smtClean="0"/>
-              <a:t>2022-04-22</a:t>
+              <a:t>2022-04-23</a:t>
             </a:fld>
             <a:endParaRPr lang="ko-KR" altLang="en-US"/>
           </a:p>
@@ -4192,7 +5187,7 @@
           <a:p>
             <a:fld id="{C142EF4D-3C10-43EB-9E18-A2053A14795D}" type="datetimeFigureOut">
               <a:rPr lang="ko-KR" altLang="en-US" smtClean="0"/>
-              <a:t>2022-04-22</a:t>
+              <a:t>2022-04-23</a:t>
             </a:fld>
             <a:endParaRPr lang="ko-KR" altLang="en-US"/>
           </a:p>
@@ -4305,7 +5300,7 @@
           <a:p>
             <a:fld id="{C142EF4D-3C10-43EB-9E18-A2053A14795D}" type="datetimeFigureOut">
               <a:rPr lang="ko-KR" altLang="en-US" smtClean="0"/>
-              <a:t>2022-04-22</a:t>
+              <a:t>2022-04-23</a:t>
             </a:fld>
             <a:endParaRPr lang="ko-KR" altLang="en-US"/>
           </a:p>
@@ -4616,7 +5611,7 @@
           <a:p>
             <a:fld id="{C142EF4D-3C10-43EB-9E18-A2053A14795D}" type="datetimeFigureOut">
               <a:rPr lang="ko-KR" altLang="en-US" smtClean="0"/>
-              <a:t>2022-04-22</a:t>
+              <a:t>2022-04-23</a:t>
             </a:fld>
             <a:endParaRPr lang="ko-KR" altLang="en-US"/>
           </a:p>
@@ -4904,7 +5899,7 @@
           <a:p>
             <a:fld id="{C142EF4D-3C10-43EB-9E18-A2053A14795D}" type="datetimeFigureOut">
               <a:rPr lang="ko-KR" altLang="en-US" smtClean="0"/>
-              <a:t>2022-04-22</a:t>
+              <a:t>2022-04-23</a:t>
             </a:fld>
             <a:endParaRPr lang="ko-KR" altLang="en-US"/>
           </a:p>
@@ -5145,7 +6140,7 @@
           <a:p>
             <a:fld id="{C142EF4D-3C10-43EB-9E18-A2053A14795D}" type="datetimeFigureOut">
               <a:rPr lang="ko-KR" altLang="en-US" smtClean="0"/>
-              <a:t>2022-04-22</a:t>
+              <a:t>2022-04-23</a:t>
             </a:fld>
             <a:endParaRPr lang="ko-KR" altLang="en-US"/>
           </a:p>
@@ -5808,14 +6803,1252 @@
           </a:fontRef>
         </p:style>
       </p:cxnSp>
+      <p:pic>
+        <p:nvPicPr>
+          <p:cNvPr id="7" name="그림 6">
+            <a:extLst>
+              <a:ext uri="{FF2B5EF4-FFF2-40B4-BE49-F238E27FC236}">
+                <a16:creationId xmlns:a16="http://schemas.microsoft.com/office/drawing/2014/main" id="{95F70CF9-7300-4971-B5D3-B5FC3BFE06EC}"/>
+              </a:ext>
+            </a:extLst>
+          </p:cNvPr>
+          <p:cNvPicPr>
+            <a:picLocks noChangeAspect="1"/>
+          </p:cNvPicPr>
+          <p:nvPr/>
+        </p:nvPicPr>
+        <p:blipFill>
+          <a:blip r:embed="rId3"/>
+          <a:stretch>
+            <a:fillRect/>
+          </a:stretch>
+        </p:blipFill>
+        <p:spPr>
+          <a:xfrm>
+            <a:off x="539551" y="1318367"/>
+            <a:ext cx="4900331" cy="2975515"/>
+          </a:xfrm>
+          <a:prstGeom prst="rect">
+            <a:avLst/>
+          </a:prstGeom>
+          <a:ln>
+            <a:solidFill>
+              <a:schemeClr val="bg2">
+                <a:lumMod val="75000"/>
+              </a:schemeClr>
+            </a:solidFill>
+          </a:ln>
+        </p:spPr>
+      </p:pic>
+      <p:sp>
+        <p:nvSpPr>
+          <p:cNvPr id="10" name="TextBox 9">
+            <a:extLst>
+              <a:ext uri="{FF2B5EF4-FFF2-40B4-BE49-F238E27FC236}">
+                <a16:creationId xmlns:a16="http://schemas.microsoft.com/office/drawing/2014/main" id="{BB6819C2-414F-4640-B975-984987BB54E7}"/>
+              </a:ext>
+            </a:extLst>
+          </p:cNvPr>
+          <p:cNvSpPr txBox="1"/>
+          <p:nvPr/>
+        </p:nvSpPr>
+        <p:spPr>
+          <a:xfrm>
+            <a:off x="5111165" y="4550074"/>
+            <a:ext cx="2479302" cy="1580899"/>
+          </a:xfrm>
+          <a:prstGeom prst="roundRect">
+            <a:avLst>
+              <a:gd name="adj" fmla="val 7064"/>
+            </a:avLst>
+          </a:prstGeom>
+          <a:solidFill>
+            <a:schemeClr val="accent3">
+              <a:lumMod val="20000"/>
+              <a:lumOff val="80000"/>
+              <a:alpha val="80000"/>
+            </a:schemeClr>
+          </a:solidFill>
+        </p:spPr>
+        <p:txBody>
+          <a:bodyPr wrap="square" rtlCol="0">
+            <a:spAutoFit/>
+          </a:bodyPr>
+          <a:lstStyle/>
+          <a:p>
+            <a:pPr>
+              <a:lnSpc>
+                <a:spcPct val="150000"/>
+              </a:lnSpc>
+            </a:pPr>
+            <a:r>
+              <a:rPr lang="en-US" altLang="ko-KR" sz="1600" dirty="0"/>
+              <a:t>▶ </a:t>
+            </a:r>
+            <a:r>
+              <a:rPr lang="en-US" altLang="ko-KR" sz="1600" dirty="0">
+                <a:effectLst/>
+                <a:latin typeface="맑은 고딕" panose="020B0503020000020004" pitchFamily="50" charset="-127"/>
+                <a:cs typeface="Times New Roman" panose="02020603050405020304" pitchFamily="18" charset="0"/>
+              </a:rPr>
+              <a:t>Dataset</a:t>
+            </a:r>
+          </a:p>
+          <a:p>
+            <a:pPr marL="742950" lvl="1" indent="-285750">
+              <a:lnSpc>
+                <a:spcPct val="150000"/>
+              </a:lnSpc>
+              <a:buFont typeface="Arial" panose="020B0604020202020204" pitchFamily="34" charset="0"/>
+              <a:buChar char="•"/>
+            </a:pPr>
+            <a:r>
+              <a:rPr lang="en-US" altLang="ko-KR" sz="1600" dirty="0">
+                <a:effectLst/>
+                <a:latin typeface="맑은 고딕" panose="020B0503020000020004" pitchFamily="50" charset="-127"/>
+                <a:cs typeface="Times New Roman" panose="02020603050405020304" pitchFamily="18" charset="0"/>
+              </a:rPr>
+              <a:t>Training</a:t>
+            </a:r>
+          </a:p>
+          <a:p>
+            <a:pPr marL="742950" lvl="1" indent="-285750">
+              <a:lnSpc>
+                <a:spcPct val="150000"/>
+              </a:lnSpc>
+              <a:buFont typeface="Arial" panose="020B0604020202020204" pitchFamily="34" charset="0"/>
+              <a:buChar char="•"/>
+            </a:pPr>
+            <a:r>
+              <a:rPr lang="en-US" altLang="ko-KR" sz="1600" dirty="0">
+                <a:latin typeface="맑은 고딕" panose="020B0503020000020004" pitchFamily="50" charset="-127"/>
+                <a:cs typeface="Times New Roman" panose="02020603050405020304" pitchFamily="18" charset="0"/>
+              </a:rPr>
+              <a:t>Validation</a:t>
+            </a:r>
+          </a:p>
+          <a:p>
+            <a:pPr marL="742950" lvl="1" indent="-285750">
+              <a:lnSpc>
+                <a:spcPct val="150000"/>
+              </a:lnSpc>
+              <a:buFont typeface="Arial" panose="020B0604020202020204" pitchFamily="34" charset="0"/>
+              <a:buChar char="•"/>
+            </a:pPr>
+            <a:r>
+              <a:rPr lang="en-US" altLang="ko-KR" sz="1600" dirty="0">
+                <a:effectLst/>
+                <a:latin typeface="맑은 고딕" panose="020B0503020000020004" pitchFamily="50" charset="-127"/>
+                <a:cs typeface="Times New Roman" panose="02020603050405020304" pitchFamily="18" charset="0"/>
+              </a:rPr>
+              <a:t>Testing</a:t>
+            </a:r>
+          </a:p>
+        </p:txBody>
+      </p:sp>
+      <p:pic>
+        <p:nvPicPr>
+          <p:cNvPr id="8" name="그림 7" descr="텍스트이(가) 표시된 사진&#10;&#10;자동 생성된 설명">
+            <a:extLst>
+              <a:ext uri="{FF2B5EF4-FFF2-40B4-BE49-F238E27FC236}">
+                <a16:creationId xmlns:a16="http://schemas.microsoft.com/office/drawing/2014/main" id="{4B655002-BEEF-41EF-B713-0C801038FB0A}"/>
+              </a:ext>
+            </a:extLst>
+          </p:cNvPr>
+          <p:cNvPicPr>
+            <a:picLocks noChangeAspect="1"/>
+          </p:cNvPicPr>
+          <p:nvPr/>
+        </p:nvPicPr>
+        <p:blipFill>
+          <a:blip r:embed="rId4" cstate="print">
+            <a:extLst>
+              <a:ext uri="{28A0092B-C50C-407E-A947-70E740481C1C}">
+                <a14:useLocalDpi xmlns:a14="http://schemas.microsoft.com/office/drawing/2010/main" val="0"/>
+              </a:ext>
+            </a:extLst>
+          </a:blip>
+          <a:stretch>
+            <a:fillRect/>
+          </a:stretch>
+        </p:blipFill>
+        <p:spPr>
+          <a:xfrm>
+            <a:off x="5558181" y="1966043"/>
+            <a:ext cx="2747751" cy="1853088"/>
+          </a:xfrm>
+          <a:prstGeom prst="rect">
+            <a:avLst/>
+          </a:prstGeom>
+          <a:ln>
+            <a:solidFill>
+              <a:schemeClr val="bg2">
+                <a:lumMod val="75000"/>
+              </a:schemeClr>
+            </a:solidFill>
+          </a:ln>
+        </p:spPr>
+      </p:pic>
+      <p:pic>
+        <p:nvPicPr>
+          <p:cNvPr id="12" name="그림 11">
+            <a:extLst>
+              <a:ext uri="{FF2B5EF4-FFF2-40B4-BE49-F238E27FC236}">
+                <a16:creationId xmlns:a16="http://schemas.microsoft.com/office/drawing/2014/main" id="{839B7150-685F-4E9D-800C-89AC678BB8CE}"/>
+              </a:ext>
+            </a:extLst>
+          </p:cNvPr>
+          <p:cNvPicPr>
+            <a:picLocks noChangeAspect="1"/>
+          </p:cNvPicPr>
+          <p:nvPr/>
+        </p:nvPicPr>
+        <p:blipFill>
+          <a:blip r:embed="rId5">
+            <a:extLst>
+              <a:ext uri="{28A0092B-C50C-407E-A947-70E740481C1C}">
+                <a14:useLocalDpi xmlns:a14="http://schemas.microsoft.com/office/drawing/2010/main" val="0"/>
+              </a:ext>
+            </a:extLst>
+          </a:blip>
+          <a:stretch>
+            <a:fillRect/>
+          </a:stretch>
+        </p:blipFill>
+        <p:spPr>
+          <a:xfrm>
+            <a:off x="8424231" y="1972178"/>
+            <a:ext cx="3172023" cy="442132"/>
+          </a:xfrm>
+          <a:prstGeom prst="rect">
+            <a:avLst/>
+          </a:prstGeom>
+          <a:ln>
+            <a:solidFill>
+              <a:schemeClr val="bg2">
+                <a:lumMod val="75000"/>
+              </a:schemeClr>
+            </a:solidFill>
+          </a:ln>
+        </p:spPr>
+      </p:pic>
+      <p:pic>
+        <p:nvPicPr>
+          <p:cNvPr id="13" name="그림 12">
+            <a:extLst>
+              <a:ext uri="{FF2B5EF4-FFF2-40B4-BE49-F238E27FC236}">
+                <a16:creationId xmlns:a16="http://schemas.microsoft.com/office/drawing/2014/main" id="{0F537920-858F-4B12-B65A-B3B3F19C4219}"/>
+              </a:ext>
+            </a:extLst>
+          </p:cNvPr>
+          <p:cNvPicPr>
+            <a:picLocks noChangeAspect="1"/>
+          </p:cNvPicPr>
+          <p:nvPr/>
+        </p:nvPicPr>
+        <p:blipFill>
+          <a:blip r:embed="rId6">
+            <a:extLst>
+              <a:ext uri="{28A0092B-C50C-407E-A947-70E740481C1C}">
+                <a14:useLocalDpi xmlns:a14="http://schemas.microsoft.com/office/drawing/2010/main" val="0"/>
+              </a:ext>
+            </a:extLst>
+          </a:blip>
+          <a:stretch>
+            <a:fillRect/>
+          </a:stretch>
+        </p:blipFill>
+        <p:spPr>
+          <a:xfrm>
+            <a:off x="9478234" y="3012200"/>
+            <a:ext cx="886397" cy="369332"/>
+          </a:xfrm>
+          <a:prstGeom prst="rect">
+            <a:avLst/>
+          </a:prstGeom>
+          <a:ln>
+            <a:solidFill>
+              <a:schemeClr val="bg2">
+                <a:lumMod val="75000"/>
+              </a:schemeClr>
+            </a:solidFill>
+          </a:ln>
+        </p:spPr>
+      </p:pic>
+      <p:sp>
+        <p:nvSpPr>
+          <p:cNvPr id="15" name="TextBox 14">
+            <a:extLst>
+              <a:ext uri="{FF2B5EF4-FFF2-40B4-BE49-F238E27FC236}">
+                <a16:creationId xmlns:a16="http://schemas.microsoft.com/office/drawing/2014/main" id="{737AF709-C5DF-4DF4-8CF6-C2D5F4CA1A60}"/>
+              </a:ext>
+            </a:extLst>
+          </p:cNvPr>
+          <p:cNvSpPr txBox="1"/>
+          <p:nvPr/>
+        </p:nvSpPr>
+        <p:spPr>
+          <a:xfrm>
+            <a:off x="5558181" y="1547796"/>
+            <a:ext cx="1929890" cy="369332"/>
+          </a:xfrm>
+          <a:prstGeom prst="rect">
+            <a:avLst/>
+          </a:prstGeom>
+          <a:noFill/>
+        </p:spPr>
+        <p:txBody>
+          <a:bodyPr wrap="square">
+            <a:spAutoFit/>
+          </a:bodyPr>
+          <a:lstStyle/>
+          <a:p>
+            <a:pPr marL="285750" indent="-285750">
+              <a:buFont typeface="Wingdings" panose="05000000000000000000" pitchFamily="2" charset="2"/>
+              <a:buChar char="v"/>
+            </a:pPr>
+            <a:r>
+              <a:rPr lang="en-US" altLang="ko-KR" dirty="0"/>
+              <a:t>Hidden layer </a:t>
+            </a:r>
+            <a:endParaRPr lang="ko-KR" altLang="en-US" dirty="0"/>
+          </a:p>
+        </p:txBody>
+      </p:sp>
+      <p:grpSp>
+        <p:nvGrpSpPr>
+          <p:cNvPr id="3" name="그룹 2">
+            <a:extLst>
+              <a:ext uri="{FF2B5EF4-FFF2-40B4-BE49-F238E27FC236}">
+                <a16:creationId xmlns:a16="http://schemas.microsoft.com/office/drawing/2014/main" id="{3EF7F7DF-973D-465D-BBEF-EBF7570BB078}"/>
+              </a:ext>
+            </a:extLst>
+          </p:cNvPr>
+          <p:cNvGrpSpPr/>
+          <p:nvPr/>
+        </p:nvGrpSpPr>
+        <p:grpSpPr>
+          <a:xfrm>
+            <a:off x="539551" y="4527463"/>
+            <a:ext cx="4501443" cy="1731615"/>
+            <a:chOff x="7162539" y="1409877"/>
+            <a:chExt cx="4433715" cy="1731615"/>
+          </a:xfrm>
+        </p:grpSpPr>
+        <mc:AlternateContent xmlns:mc="http://schemas.openxmlformats.org/markup-compatibility/2006">
+          <mc:Choice xmlns:a14="http://schemas.microsoft.com/office/drawing/2010/main" Requires="a14">
+            <p:sp>
+              <p:nvSpPr>
+                <p:cNvPr id="9" name="TextBox 8">
+                  <a:extLst>
+                    <a:ext uri="{FF2B5EF4-FFF2-40B4-BE49-F238E27FC236}">
+                      <a16:creationId xmlns:a16="http://schemas.microsoft.com/office/drawing/2014/main" id="{87B548AE-3818-4D9F-8076-0593EC0EBB65}"/>
+                    </a:ext>
+                  </a:extLst>
+                </p:cNvPr>
+                <p:cNvSpPr txBox="1"/>
+                <p:nvPr/>
+              </p:nvSpPr>
+              <p:spPr>
+                <a:xfrm>
+                  <a:off x="7162539" y="1409877"/>
+                  <a:ext cx="4433715" cy="1731615"/>
+                </a:xfrm>
+                <a:prstGeom prst="roundRect">
+                  <a:avLst>
+                    <a:gd name="adj" fmla="val 7064"/>
+                  </a:avLst>
+                </a:prstGeom>
+                <a:solidFill>
+                  <a:srgbClr val="FBE5D6">
+                    <a:alpha val="80000"/>
+                  </a:srgbClr>
+                </a:solidFill>
+              </p:spPr>
+              <p:txBody>
+                <a:bodyPr wrap="square" rtlCol="0">
+                  <a:spAutoFit/>
+                </a:bodyPr>
+                <a:lstStyle>
+                  <a:defPPr>
+                    <a:defRPr lang="ko-KR"/>
+                  </a:defPPr>
+                  <a:lvl1pPr marL="285750" indent="-285750">
+                    <a:lnSpc>
+                      <a:spcPct val="150000"/>
+                    </a:lnSpc>
+                    <a:buFont typeface="Arial" panose="020B0604020202020204" pitchFamily="34" charset="0"/>
+                    <a:buChar char="•"/>
+                    <a:defRPr sz="1600">
+                      <a:effectLst/>
+                      <a:latin typeface="맑은 고딕" panose="020B0503020000020004" pitchFamily="50" charset="-127"/>
+                      <a:cs typeface="Times New Roman" panose="02020603050405020304" pitchFamily="18" charset="0"/>
+                    </a:defRPr>
+                  </a:lvl1pPr>
+                </a:lstStyle>
+                <a:p>
+                  <a:pPr marL="0" indent="0">
+                    <a:buNone/>
+                  </a:pPr>
+                  <a:r>
+                    <a:rPr lang="en-US" altLang="ko-KR" sz="1400" dirty="0"/>
+                    <a:t>▶ The optimal number of  hidden</a:t>
+                  </a:r>
+                  <a:r>
+                    <a:rPr lang="ko-KR" altLang="en-US" sz="1400" dirty="0"/>
+                    <a:t> </a:t>
+                  </a:r>
+                  <a:r>
+                    <a:rPr lang="en-US" altLang="ko-KR" sz="1400" dirty="0"/>
+                    <a:t>layer neurons</a:t>
+                  </a:r>
+                  <a:endParaRPr lang="ko-KR" altLang="en-US" sz="1400" dirty="0"/>
+                </a:p>
+                <a:p>
+                  <a:endParaRPr lang="en-US" altLang="ko-KR" sz="1400" i="1" dirty="0">
+                    <a:solidFill>
+                      <a:schemeClr val="tx1"/>
+                    </a:solidFill>
+                    <a:effectLst/>
+                    <a:latin typeface="Cambria Math" panose="02040503050406030204" pitchFamily="18" charset="0"/>
+                    <a:cs typeface="Times New Roman" panose="02020603050405020304" pitchFamily="18" charset="0"/>
+                  </a:endParaRPr>
+                </a:p>
+                <a:p>
+                  <a:pPr marL="0" indent="0">
+                    <a:buNone/>
+                  </a:pPr>
+                  <a:endParaRPr lang="en-US" altLang="ko-KR" sz="1400" i="1" dirty="0">
+                    <a:solidFill>
+                      <a:schemeClr val="tx1"/>
+                    </a:solidFill>
+                    <a:effectLst/>
+                    <a:latin typeface="Cambria Math" panose="02040503050406030204" pitchFamily="18" charset="0"/>
+                    <a:cs typeface="Times New Roman" panose="02020603050405020304" pitchFamily="18" charset="0"/>
+                  </a:endParaRPr>
+                </a:p>
+                <a:p>
+                  <a14:m>
+                    <m:oMath xmlns:m="http://schemas.openxmlformats.org/officeDocument/2006/math">
+                      <m:sSub>
+                        <m:sSubPr>
+                          <m:ctrlPr>
+                            <a:rPr lang="en-US" altLang="ko-KR" sz="1400" i="1" smtClean="0">
+                              <a:solidFill>
+                                <a:schemeClr val="tx1"/>
+                              </a:solidFill>
+                              <a:effectLst/>
+                              <a:latin typeface="Cambria Math" panose="02040503050406030204" pitchFamily="18" charset="0"/>
+                              <a:cs typeface="Times New Roman" panose="02020603050405020304" pitchFamily="18" charset="0"/>
+                            </a:rPr>
+                          </m:ctrlPr>
+                        </m:sSubPr>
+                        <m:e>
+                          <m:r>
+                            <a:rPr lang="en-US" altLang="ko-KR" sz="1400" b="0" i="1" smtClean="0">
+                              <a:solidFill>
+                                <a:schemeClr val="tx1"/>
+                              </a:solidFill>
+                              <a:effectLst/>
+                              <a:latin typeface="Cambria Math" panose="02040503050406030204" pitchFamily="18" charset="0"/>
+                              <a:cs typeface="Times New Roman" panose="02020603050405020304" pitchFamily="18" charset="0"/>
+                            </a:rPr>
+                            <m:t>𝑛</m:t>
+                          </m:r>
+                        </m:e>
+                        <m:sub>
+                          <m:r>
+                            <a:rPr lang="en-US" altLang="ko-KR" sz="1400" b="0" i="1" smtClean="0">
+                              <a:solidFill>
+                                <a:schemeClr val="tx1"/>
+                              </a:solidFill>
+                              <a:effectLst/>
+                              <a:latin typeface="Cambria Math" panose="02040503050406030204" pitchFamily="18" charset="0"/>
+                              <a:cs typeface="Times New Roman" panose="02020603050405020304" pitchFamily="18" charset="0"/>
+                            </a:rPr>
+                            <m:t>h</m:t>
+                          </m:r>
+                        </m:sub>
+                      </m:sSub>
+                    </m:oMath>
+                  </a14:m>
+                  <a:r>
+                    <a:rPr lang="en-US" altLang="ko-KR" sz="1400" dirty="0">
+                      <a:solidFill>
+                        <a:schemeClr val="tx1"/>
+                      </a:solidFill>
+                      <a:effectLst/>
+                      <a:latin typeface="맑은 고딕" panose="020B0503020000020004" pitchFamily="50" charset="-127"/>
+                      <a:cs typeface="Times New Roman" panose="02020603050405020304" pitchFamily="18" charset="0"/>
+                    </a:rPr>
+                    <a:t> : the number of neurons in the hidden layer </a:t>
+                  </a:r>
+                </a:p>
+                <a:p>
+                  <a14:m>
+                    <m:oMath xmlns:m="http://schemas.openxmlformats.org/officeDocument/2006/math">
+                      <m:sSub>
+                        <m:sSubPr>
+                          <m:ctrlPr>
+                            <a:rPr lang="en-US" altLang="ko-KR" sz="1400" i="1" smtClean="0">
+                              <a:solidFill>
+                                <a:schemeClr val="tx1"/>
+                              </a:solidFill>
+                              <a:effectLst/>
+                              <a:latin typeface="Cambria Math" panose="02040503050406030204" pitchFamily="18" charset="0"/>
+                              <a:cs typeface="Times New Roman" panose="02020603050405020304" pitchFamily="18" charset="0"/>
+                            </a:rPr>
+                          </m:ctrlPr>
+                        </m:sSubPr>
+                        <m:e>
+                          <m:r>
+                            <a:rPr lang="en-US" altLang="ko-KR" sz="1400" b="0" i="1" smtClean="0">
+                              <a:solidFill>
+                                <a:schemeClr val="tx1"/>
+                              </a:solidFill>
+                              <a:effectLst/>
+                              <a:latin typeface="Cambria Math" panose="02040503050406030204" pitchFamily="18" charset="0"/>
+                              <a:cs typeface="Times New Roman" panose="02020603050405020304" pitchFamily="18" charset="0"/>
+                            </a:rPr>
+                            <m:t>𝑛</m:t>
+                          </m:r>
+                        </m:e>
+                        <m:sub>
+                          <m:r>
+                            <a:rPr lang="en-US" altLang="ko-KR" sz="1400" b="0" i="1" smtClean="0">
+                              <a:solidFill>
+                                <a:schemeClr val="tx1"/>
+                              </a:solidFill>
+                              <a:effectLst/>
+                              <a:latin typeface="Cambria Math" panose="02040503050406030204" pitchFamily="18" charset="0"/>
+                              <a:cs typeface="Times New Roman" panose="02020603050405020304" pitchFamily="18" charset="0"/>
+                            </a:rPr>
+                            <m:t>𝑖</m:t>
+                          </m:r>
+                        </m:sub>
+                      </m:sSub>
+                    </m:oMath>
+                  </a14:m>
+                  <a:r>
+                    <a:rPr lang="en-US" altLang="ko-KR" sz="1400" dirty="0">
+                      <a:solidFill>
+                        <a:schemeClr val="tx1"/>
+                      </a:solidFill>
+                      <a:effectLst/>
+                      <a:latin typeface="맑은 고딕" panose="020B0503020000020004" pitchFamily="50" charset="-127"/>
+                      <a:cs typeface="Times New Roman" panose="02020603050405020304" pitchFamily="18" charset="0"/>
+                    </a:rPr>
+                    <a:t> :  </a:t>
+                  </a:r>
+                  <a:r>
+                    <a:rPr lang="en-US" altLang="ko-KR" sz="1400" dirty="0">
+                      <a:effectLst/>
+                      <a:latin typeface="맑은 고딕" panose="020B0503020000020004" pitchFamily="50" charset="-127"/>
+                      <a:cs typeface="Times New Roman" panose="02020603050405020304" pitchFamily="18" charset="0"/>
+                    </a:rPr>
+                    <a:t>the number of input variables</a:t>
+                  </a:r>
+                  <a:endParaRPr lang="en-US" altLang="ko-KR" sz="1100" dirty="0">
+                    <a:solidFill>
+                      <a:srgbClr val="FF6600"/>
+                    </a:solidFill>
+                  </a:endParaRPr>
+                </a:p>
+              </p:txBody>
+            </p:sp>
+          </mc:Choice>
+          <mc:Fallback>
+            <p:sp>
+              <p:nvSpPr>
+                <p:cNvPr id="9" name="TextBox 8">
+                  <a:extLst>
+                    <a:ext uri="{FF2B5EF4-FFF2-40B4-BE49-F238E27FC236}">
+                      <a16:creationId xmlns:a16="http://schemas.microsoft.com/office/drawing/2014/main" id="{87B548AE-3818-4D9F-8076-0593EC0EBB65}"/>
+                    </a:ext>
+                  </a:extLst>
+                </p:cNvPr>
+                <p:cNvSpPr txBox="1">
+                  <a:spLocks noRot="1" noChangeAspect="1" noMove="1" noResize="1" noEditPoints="1" noAdjustHandles="1" noChangeArrowheads="1" noChangeShapeType="1" noTextEdit="1"/>
+                </p:cNvSpPr>
+                <p:nvPr/>
+              </p:nvSpPr>
+              <p:spPr>
+                <a:xfrm>
+                  <a:off x="7162539" y="1409877"/>
+                  <a:ext cx="4433715" cy="1731615"/>
+                </a:xfrm>
+                <a:prstGeom prst="roundRect">
+                  <a:avLst>
+                    <a:gd name="adj" fmla="val 7064"/>
+                  </a:avLst>
+                </a:prstGeom>
+                <a:blipFill>
+                  <a:blip r:embed="rId7"/>
+                  <a:stretch>
+                    <a:fillRect b="-704"/>
+                  </a:stretch>
+                </a:blipFill>
+              </p:spPr>
+              <p:txBody>
+                <a:bodyPr/>
+                <a:lstStyle/>
+                <a:p>
+                  <a:r>
+                    <a:rPr lang="ko-KR" altLang="en-US">
+                      <a:noFill/>
+                    </a:rPr>
+                    <a:t> </a:t>
+                  </a:r>
+                </a:p>
+              </p:txBody>
+            </p:sp>
+          </mc:Fallback>
+        </mc:AlternateContent>
+        <p:pic>
+          <p:nvPicPr>
+            <p:cNvPr id="17" name="그림 16" descr="텍스트이(가) 표시된 사진&#10;&#10;자동 생성된 설명">
+              <a:extLst>
+                <a:ext uri="{FF2B5EF4-FFF2-40B4-BE49-F238E27FC236}">
+                  <a16:creationId xmlns:a16="http://schemas.microsoft.com/office/drawing/2014/main" id="{D1F6E452-8E4D-45EC-8D04-233B62565CC8}"/>
+                </a:ext>
+              </a:extLst>
+            </p:cNvPr>
+            <p:cNvPicPr>
+              <a:picLocks noChangeAspect="1"/>
+            </p:cNvPicPr>
+            <p:nvPr/>
+          </p:nvPicPr>
+          <p:blipFill rotWithShape="1">
+            <a:blip r:embed="rId8">
+              <a:extLst>
+                <a:ext uri="{28A0092B-C50C-407E-A947-70E740481C1C}">
+                  <a14:useLocalDpi xmlns:a14="http://schemas.microsoft.com/office/drawing/2010/main" val="0"/>
+                </a:ext>
+              </a:extLst>
+            </a:blip>
+            <a:srcRect l="5401" t="26760" r="-765" b="17001"/>
+            <a:stretch/>
+          </p:blipFill>
+          <p:spPr>
+            <a:xfrm>
+              <a:off x="7677977" y="1960226"/>
+              <a:ext cx="1701419" cy="397336"/>
+            </a:xfrm>
+            <a:prstGeom prst="rect">
+              <a:avLst/>
+            </a:prstGeom>
+            <a:ln>
+              <a:solidFill>
+                <a:schemeClr val="bg2">
+                  <a:lumMod val="75000"/>
+                </a:schemeClr>
+              </a:solidFill>
+            </a:ln>
+          </p:spPr>
+        </p:pic>
+      </p:grpSp>
+      <p:grpSp>
+        <p:nvGrpSpPr>
+          <p:cNvPr id="2" name="그룹 1">
+            <a:extLst>
+              <a:ext uri="{FF2B5EF4-FFF2-40B4-BE49-F238E27FC236}">
+                <a16:creationId xmlns:a16="http://schemas.microsoft.com/office/drawing/2014/main" id="{3743684D-39FE-48C3-A4D6-FCDF0DA9EE33}"/>
+              </a:ext>
+            </a:extLst>
+          </p:cNvPr>
+          <p:cNvGrpSpPr/>
+          <p:nvPr/>
+        </p:nvGrpSpPr>
+        <p:grpSpPr>
+          <a:xfrm>
+            <a:off x="7660638" y="4535880"/>
+            <a:ext cx="3935616" cy="1773440"/>
+            <a:chOff x="7767305" y="4535880"/>
+            <a:chExt cx="3935616" cy="1773440"/>
+          </a:xfrm>
+        </p:grpSpPr>
+        <mc:AlternateContent xmlns:mc="http://schemas.openxmlformats.org/markup-compatibility/2006">
+          <mc:Choice xmlns:a14="http://schemas.microsoft.com/office/drawing/2010/main" Requires="a14">
+            <p:sp>
+              <p:nvSpPr>
+                <p:cNvPr id="21" name="TextBox 20">
+                  <a:extLst>
+                    <a:ext uri="{FF2B5EF4-FFF2-40B4-BE49-F238E27FC236}">
+                      <a16:creationId xmlns:a16="http://schemas.microsoft.com/office/drawing/2014/main" id="{0E594E0D-4EDC-4944-83F7-7E8BD97981F3}"/>
+                    </a:ext>
+                  </a:extLst>
+                </p:cNvPr>
+                <p:cNvSpPr txBox="1"/>
+                <p:nvPr/>
+              </p:nvSpPr>
+              <p:spPr>
+                <a:xfrm>
+                  <a:off x="7767305" y="4535880"/>
+                  <a:ext cx="3935616" cy="1773440"/>
+                </a:xfrm>
+                <a:prstGeom prst="roundRect">
+                  <a:avLst>
+                    <a:gd name="adj" fmla="val 7064"/>
+                  </a:avLst>
+                </a:prstGeom>
+                <a:solidFill>
+                  <a:schemeClr val="accent3">
+                    <a:lumMod val="20000"/>
+                    <a:lumOff val="80000"/>
+                    <a:alpha val="80000"/>
+                  </a:schemeClr>
+                </a:solidFill>
+              </p:spPr>
+              <p:txBody>
+                <a:bodyPr wrap="square" rtlCol="0">
+                  <a:spAutoFit/>
+                </a:bodyPr>
+                <a:lstStyle>
+                  <a:defPPr>
+                    <a:defRPr lang="ko-KR"/>
+                  </a:defPPr>
+                  <a:lvl1pPr>
+                    <a:lnSpc>
+                      <a:spcPct val="150000"/>
+                    </a:lnSpc>
+                    <a:defRPr sz="1600"/>
+                  </a:lvl1pPr>
+                </a:lstStyle>
+                <a:p>
+                  <a:r>
+                    <a:rPr lang="en-US" altLang="ko-KR" sz="1400" dirty="0"/>
+                    <a:t>▶ Minimum number of data sets </a:t>
+                  </a:r>
+                  <a:endParaRPr lang="ko-KR" altLang="en-US" sz="1400" dirty="0"/>
+                </a:p>
+                <a:p>
+                  <a:endParaRPr lang="en-US" altLang="ko-KR" sz="1400" dirty="0"/>
+                </a:p>
+                <a:p>
+                  <a:endParaRPr lang="en-US" altLang="ko-KR" sz="1400" dirty="0"/>
+                </a:p>
+                <a:p>
+                  <a:pPr marL="285750" indent="-285750">
+                    <a:buFont typeface="Arial" panose="020B0604020202020204" pitchFamily="34" charset="0"/>
+                    <a:buChar char="•"/>
+                  </a:pPr>
+                  <a14:m>
+                    <m:oMath xmlns:m="http://schemas.openxmlformats.org/officeDocument/2006/math">
+                      <m:sSub>
+                        <m:sSubPr>
+                          <m:ctrlPr>
+                            <a:rPr lang="en-US" altLang="ko-KR" sz="1400"/>
+                          </m:ctrlPr>
+                        </m:sSubPr>
+                        <m:e>
+                          <m:r>
+                            <a:rPr lang="en-US" altLang="ko-KR" sz="1400"/>
+                            <m:t>𝑛</m:t>
+                          </m:r>
+                        </m:e>
+                        <m:sub>
+                          <m:r>
+                            <a:rPr lang="en-US" altLang="ko-KR" sz="1400"/>
+                            <m:t>𝑑</m:t>
+                          </m:r>
+                        </m:sub>
+                      </m:sSub>
+                    </m:oMath>
+                  </a14:m>
+                  <a:r>
+                    <a:rPr lang="en-US" altLang="ko-KR" sz="1400" dirty="0"/>
+                    <a:t> : the minimum number of data sets</a:t>
+                  </a:r>
+                </a:p>
+                <a:p>
+                  <a:pPr marL="285750" indent="-285750">
+                    <a:buFont typeface="Arial" panose="020B0604020202020204" pitchFamily="34" charset="0"/>
+                    <a:buChar char="•"/>
+                  </a:pPr>
+                  <a14:m>
+                    <m:oMath xmlns:m="http://schemas.openxmlformats.org/officeDocument/2006/math">
+                      <m:sSub>
+                        <m:sSubPr>
+                          <m:ctrlPr>
+                            <a:rPr lang="en-US" altLang="ko-KR" sz="1400"/>
+                          </m:ctrlPr>
+                        </m:sSubPr>
+                        <m:e>
+                          <m:r>
+                            <a:rPr lang="en-US" altLang="ko-KR" sz="1400"/>
+                            <m:t>𝑛</m:t>
+                          </m:r>
+                        </m:e>
+                        <m:sub>
+                          <m:r>
+                            <a:rPr lang="en-US" altLang="ko-KR" sz="1400"/>
+                            <m:t>0</m:t>
+                          </m:r>
+                        </m:sub>
+                      </m:sSub>
+                    </m:oMath>
+                  </a14:m>
+                  <a:r>
+                    <a:rPr lang="en-US" altLang="ko-KR" sz="1400" dirty="0"/>
+                    <a:t> :  the number of output layer</a:t>
+                  </a:r>
+                </a:p>
+              </p:txBody>
+            </p:sp>
+          </mc:Choice>
+          <mc:Fallback>
+            <p:sp>
+              <p:nvSpPr>
+                <p:cNvPr id="21" name="TextBox 20">
+                  <a:extLst>
+                    <a:ext uri="{FF2B5EF4-FFF2-40B4-BE49-F238E27FC236}">
+                      <a16:creationId xmlns:a16="http://schemas.microsoft.com/office/drawing/2014/main" id="{0E594E0D-4EDC-4944-83F7-7E8BD97981F3}"/>
+                    </a:ext>
+                  </a:extLst>
+                </p:cNvPr>
+                <p:cNvSpPr txBox="1">
+                  <a:spLocks noRot="1" noChangeAspect="1" noMove="1" noResize="1" noEditPoints="1" noAdjustHandles="1" noChangeArrowheads="1" noChangeShapeType="1" noTextEdit="1"/>
+                </p:cNvSpPr>
+                <p:nvPr/>
+              </p:nvSpPr>
+              <p:spPr>
+                <a:xfrm>
+                  <a:off x="7767305" y="4535880"/>
+                  <a:ext cx="3935616" cy="1773440"/>
+                </a:xfrm>
+                <a:prstGeom prst="roundRect">
+                  <a:avLst>
+                    <a:gd name="adj" fmla="val 7064"/>
+                  </a:avLst>
+                </a:prstGeom>
+                <a:blipFill>
+                  <a:blip r:embed="rId9"/>
+                  <a:stretch>
+                    <a:fillRect/>
+                  </a:stretch>
+                </a:blipFill>
+              </p:spPr>
+              <p:txBody>
+                <a:bodyPr/>
+                <a:lstStyle/>
+                <a:p>
+                  <a:r>
+                    <a:rPr lang="ko-KR" altLang="en-US">
+                      <a:noFill/>
+                    </a:rPr>
+                    <a:t> </a:t>
+                  </a:r>
+                </a:p>
+              </p:txBody>
+            </p:sp>
+          </mc:Fallback>
+        </mc:AlternateContent>
+        <p:pic>
+          <p:nvPicPr>
+            <p:cNvPr id="19" name="그림 18">
+              <a:extLst>
+                <a:ext uri="{FF2B5EF4-FFF2-40B4-BE49-F238E27FC236}">
+                  <a16:creationId xmlns:a16="http://schemas.microsoft.com/office/drawing/2014/main" id="{98525F6B-5CF1-4B1D-AD20-92EA129FBF5D}"/>
+                </a:ext>
+              </a:extLst>
+            </p:cNvPr>
+            <p:cNvPicPr>
+              <a:picLocks noChangeAspect="1"/>
+            </p:cNvPicPr>
+            <p:nvPr/>
+          </p:nvPicPr>
+          <p:blipFill>
+            <a:blip r:embed="rId10">
+              <a:extLst>
+                <a:ext uri="{28A0092B-C50C-407E-A947-70E740481C1C}">
+                  <a14:useLocalDpi xmlns:a14="http://schemas.microsoft.com/office/drawing/2010/main" val="0"/>
+                </a:ext>
+              </a:extLst>
+            </a:blip>
+            <a:stretch>
+              <a:fillRect/>
+            </a:stretch>
+          </p:blipFill>
+          <p:spPr>
+            <a:xfrm>
+              <a:off x="8237787" y="4955469"/>
+              <a:ext cx="1639991" cy="641539"/>
+            </a:xfrm>
+            <a:prstGeom prst="rect">
+              <a:avLst/>
+            </a:prstGeom>
+            <a:ln>
+              <a:solidFill>
+                <a:schemeClr val="bg2">
+                  <a:lumMod val="75000"/>
+                </a:schemeClr>
+              </a:solidFill>
+            </a:ln>
+          </p:spPr>
+        </p:pic>
+      </p:grpSp>
+      <p:sp>
+        <p:nvSpPr>
+          <p:cNvPr id="22" name="TextBox 21">
+            <a:extLst>
+              <a:ext uri="{FF2B5EF4-FFF2-40B4-BE49-F238E27FC236}">
+                <a16:creationId xmlns:a16="http://schemas.microsoft.com/office/drawing/2014/main" id="{DB6336A3-67D4-4E90-8D68-97FE87348EC2}"/>
+              </a:ext>
+            </a:extLst>
+          </p:cNvPr>
+          <p:cNvSpPr txBox="1"/>
+          <p:nvPr/>
+        </p:nvSpPr>
+        <p:spPr>
+          <a:xfrm>
+            <a:off x="8424231" y="1556955"/>
+            <a:ext cx="2994715" cy="369332"/>
+          </a:xfrm>
+          <a:prstGeom prst="rect">
+            <a:avLst/>
+          </a:prstGeom>
+          <a:noFill/>
+        </p:spPr>
+        <p:txBody>
+          <a:bodyPr wrap="square">
+            <a:spAutoFit/>
+          </a:bodyPr>
+          <a:lstStyle/>
+          <a:p>
+            <a:pPr marL="285750" indent="-285750">
+              <a:buFont typeface="Wingdings" panose="05000000000000000000" pitchFamily="2" charset="2"/>
+              <a:buChar char="v"/>
+            </a:pPr>
+            <a:r>
+              <a:rPr lang="en-US" altLang="ko-KR" dirty="0"/>
+              <a:t>Activation function</a:t>
+            </a:r>
+            <a:endParaRPr lang="ko-KR" altLang="en-US" dirty="0"/>
+          </a:p>
+        </p:txBody>
+      </p:sp>
+      <p:sp>
+        <p:nvSpPr>
+          <p:cNvPr id="23" name="TextBox 22">
+            <a:extLst>
+              <a:ext uri="{FF2B5EF4-FFF2-40B4-BE49-F238E27FC236}">
+                <a16:creationId xmlns:a16="http://schemas.microsoft.com/office/drawing/2014/main" id="{64C05AE6-9E4D-4819-A32D-3F3984100F2C}"/>
+              </a:ext>
+            </a:extLst>
+          </p:cNvPr>
+          <p:cNvSpPr txBox="1"/>
+          <p:nvPr/>
+        </p:nvSpPr>
+        <p:spPr>
+          <a:xfrm>
+            <a:off x="8424231" y="2592611"/>
+            <a:ext cx="2994715" cy="369332"/>
+          </a:xfrm>
+          <a:prstGeom prst="rect">
+            <a:avLst/>
+          </a:prstGeom>
+          <a:noFill/>
+        </p:spPr>
+        <p:txBody>
+          <a:bodyPr wrap="square">
+            <a:spAutoFit/>
+          </a:bodyPr>
+          <a:lstStyle/>
+          <a:p>
+            <a:pPr marL="285750" indent="-285750">
+              <a:buFont typeface="Wingdings" panose="05000000000000000000" pitchFamily="2" charset="2"/>
+              <a:buChar char="v"/>
+            </a:pPr>
+            <a:r>
+              <a:rPr lang="en-US" altLang="ko-KR" dirty="0"/>
+              <a:t>Output</a:t>
+            </a:r>
+            <a:endParaRPr lang="ko-KR" altLang="en-US" dirty="0"/>
+          </a:p>
+        </p:txBody>
+      </p:sp>
+    </p:spTree>
+    <p:extLst>
+      <p:ext uri="{BB962C8B-B14F-4D97-AF65-F5344CB8AC3E}">
+        <p14:creationId xmlns:p14="http://schemas.microsoft.com/office/powerpoint/2010/main" val="1321557774"/>
+      </p:ext>
+    </p:extLst>
+  </p:cSld>
+  <p:clrMapOvr>
+    <a:masterClrMapping/>
+  </p:clrMapOvr>
+</p:sld>
+</file>
+
+<file path=ppt/slides/slide11.xml><?xml version="1.0" encoding="utf-8"?>
+<p:sld xmlns:a="http://schemas.openxmlformats.org/drawingml/2006/main" xmlns:r="http://schemas.openxmlformats.org/officeDocument/2006/relationships" xmlns:p="http://schemas.openxmlformats.org/presentationml/2006/main">
+  <p:cSld>
+    <p:spTree>
+      <p:nvGrpSpPr>
+        <p:cNvPr id="1" name=""/>
+        <p:cNvGrpSpPr/>
+        <p:nvPr/>
+      </p:nvGrpSpPr>
+      <p:grpSpPr>
+        <a:xfrm>
+          <a:off x="0" y="0"/>
+          <a:ext cx="0" cy="0"/>
+          <a:chOff x="0" y="0"/>
+          <a:chExt cx="0" cy="0"/>
+        </a:xfrm>
+      </p:grpSpPr>
+      <p:sp>
+        <p:nvSpPr>
+          <p:cNvPr id="5" name="TextBox 4">
+            <a:extLst>
+              <a:ext uri="{FF2B5EF4-FFF2-40B4-BE49-F238E27FC236}">
+                <a16:creationId xmlns:a16="http://schemas.microsoft.com/office/drawing/2014/main" id="{34E7CC66-42E2-4959-88DF-0B454D5A55A5}"/>
+              </a:ext>
+            </a:extLst>
+          </p:cNvPr>
+          <p:cNvSpPr txBox="1"/>
+          <p:nvPr/>
+        </p:nvSpPr>
+        <p:spPr>
+          <a:xfrm>
+            <a:off x="539551" y="548680"/>
+            <a:ext cx="11056703" cy="646331"/>
+          </a:xfrm>
+          <a:prstGeom prst="rect">
+            <a:avLst/>
+          </a:prstGeom>
+          <a:noFill/>
+          <a:scene3d>
+            <a:camera prst="obliqueTopLeft"/>
+            <a:lightRig rig="threePt" dir="t"/>
+          </a:scene3d>
+        </p:spPr>
+        <p:txBody>
+          <a:bodyPr wrap="square" rtlCol="0">
+            <a:spAutoFit/>
+          </a:bodyPr>
+          <a:lstStyle/>
+          <a:p>
+            <a:r>
+              <a:rPr lang="en-US" altLang="ko-KR" sz="3600" b="1" dirty="0">
+                <a:latin typeface="+mj-ea"/>
+                <a:ea typeface="+mj-ea"/>
+                <a:cs typeface="조선일보명조" pitchFamily="18" charset="-127"/>
+              </a:rPr>
+              <a:t>03.</a:t>
+            </a:r>
+            <a:r>
+              <a:rPr lang="en-US" altLang="ko-KR" sz="3200" b="1" dirty="0">
+                <a:latin typeface="+mj-ea"/>
+                <a:ea typeface="+mj-ea"/>
+                <a:cs typeface="조선일보명조" pitchFamily="18" charset="-127"/>
+              </a:rPr>
+              <a:t> </a:t>
+            </a:r>
+            <a:r>
+              <a:rPr lang="en-US" altLang="ko-KR" sz="2800" b="1" dirty="0">
+                <a:latin typeface="+mj-ea"/>
+                <a:ea typeface="+mj-ea"/>
+                <a:cs typeface="조선일보명조" pitchFamily="18" charset="-127"/>
+              </a:rPr>
+              <a:t>Modeling approach</a:t>
+            </a:r>
+            <a:endParaRPr lang="ko-KR" altLang="en-US" sz="2400" b="1" dirty="0">
+              <a:latin typeface="+mj-ea"/>
+              <a:ea typeface="+mj-ea"/>
+              <a:cs typeface="조선일보명조" pitchFamily="18" charset="-127"/>
+            </a:endParaRPr>
+          </a:p>
+        </p:txBody>
+      </p:sp>
+      <p:cxnSp>
+        <p:nvCxnSpPr>
+          <p:cNvPr id="14" name="직선 연결선 13">
+            <a:extLst>
+              <a:ext uri="{FF2B5EF4-FFF2-40B4-BE49-F238E27FC236}">
+                <a16:creationId xmlns:a16="http://schemas.microsoft.com/office/drawing/2014/main" id="{03F592B8-8884-480D-8298-F2B88AA4644C}"/>
+              </a:ext>
+            </a:extLst>
+          </p:cNvPr>
+          <p:cNvCxnSpPr>
+            <a:cxnSpLocks/>
+          </p:cNvCxnSpPr>
+          <p:nvPr/>
+        </p:nvCxnSpPr>
+        <p:spPr>
+          <a:xfrm>
+            <a:off x="539552" y="1187024"/>
+            <a:ext cx="11056703" cy="0"/>
+          </a:xfrm>
+          <a:prstGeom prst="line">
+            <a:avLst/>
+          </a:prstGeom>
+          <a:ln w="12700">
+            <a:solidFill>
+              <a:schemeClr val="tx1">
+                <a:lumMod val="75000"/>
+                <a:lumOff val="25000"/>
+              </a:schemeClr>
+            </a:solidFill>
+          </a:ln>
+        </p:spPr>
+        <p:style>
+          <a:lnRef idx="1">
+            <a:schemeClr val="accent1"/>
+          </a:lnRef>
+          <a:fillRef idx="0">
+            <a:schemeClr val="accent1"/>
+          </a:fillRef>
+          <a:effectRef idx="0">
+            <a:schemeClr val="accent1"/>
+          </a:effectRef>
+          <a:fontRef idx="minor">
+            <a:schemeClr val="tx1"/>
+          </a:fontRef>
+        </p:style>
+      </p:cxnSp>
+      <p:pic>
+        <p:nvPicPr>
+          <p:cNvPr id="7" name="그림 6">
+            <a:extLst>
+              <a:ext uri="{FF2B5EF4-FFF2-40B4-BE49-F238E27FC236}">
+                <a16:creationId xmlns:a16="http://schemas.microsoft.com/office/drawing/2014/main" id="{95F70CF9-7300-4971-B5D3-B5FC3BFE06EC}"/>
+              </a:ext>
+            </a:extLst>
+          </p:cNvPr>
+          <p:cNvPicPr>
+            <a:picLocks noChangeAspect="1"/>
+          </p:cNvPicPr>
+          <p:nvPr/>
+        </p:nvPicPr>
+        <p:blipFill>
+          <a:blip r:embed="rId3"/>
+          <a:stretch>
+            <a:fillRect/>
+          </a:stretch>
+        </p:blipFill>
+        <p:spPr>
+          <a:xfrm>
+            <a:off x="539551" y="1318367"/>
+            <a:ext cx="4900331" cy="2975515"/>
+          </a:xfrm>
+          <a:prstGeom prst="rect">
+            <a:avLst/>
+          </a:prstGeom>
+          <a:ln>
+            <a:solidFill>
+              <a:schemeClr val="bg2">
+                <a:lumMod val="75000"/>
+              </a:schemeClr>
+            </a:solidFill>
+          </a:ln>
+        </p:spPr>
+      </p:pic>
+      <p:sp>
+        <p:nvSpPr>
+          <p:cNvPr id="9" name="TextBox 8">
+            <a:extLst>
+              <a:ext uri="{FF2B5EF4-FFF2-40B4-BE49-F238E27FC236}">
+                <a16:creationId xmlns:a16="http://schemas.microsoft.com/office/drawing/2014/main" id="{87B548AE-3818-4D9F-8076-0593EC0EBB65}"/>
+              </a:ext>
+            </a:extLst>
+          </p:cNvPr>
+          <p:cNvSpPr txBox="1"/>
+          <p:nvPr/>
+        </p:nvSpPr>
+        <p:spPr>
+          <a:xfrm>
+            <a:off x="5517172" y="1294249"/>
+            <a:ext cx="6079082" cy="2258493"/>
+          </a:xfrm>
+          <a:prstGeom prst="roundRect">
+            <a:avLst>
+              <a:gd name="adj" fmla="val 7064"/>
+            </a:avLst>
+          </a:prstGeom>
+          <a:solidFill>
+            <a:srgbClr val="FBE5D6">
+              <a:alpha val="80000"/>
+            </a:srgbClr>
+          </a:solidFill>
+        </p:spPr>
+        <p:txBody>
+          <a:bodyPr wrap="square" rtlCol="0">
+            <a:spAutoFit/>
+          </a:bodyPr>
+          <a:lstStyle>
+            <a:defPPr>
+              <a:defRPr lang="ko-KR"/>
+            </a:defPPr>
+            <a:lvl1pPr marL="285750" indent="-285750">
+              <a:lnSpc>
+                <a:spcPct val="150000"/>
+              </a:lnSpc>
+              <a:buFont typeface="Arial" panose="020B0604020202020204" pitchFamily="34" charset="0"/>
+              <a:buChar char="•"/>
+              <a:defRPr sz="1600">
+                <a:effectLst/>
+                <a:latin typeface="맑은 고딕" panose="020B0503020000020004" pitchFamily="50" charset="-127"/>
+                <a:cs typeface="Times New Roman" panose="02020603050405020304" pitchFamily="18" charset="0"/>
+              </a:defRPr>
+            </a:lvl1pPr>
+          </a:lstStyle>
+          <a:p>
+            <a:pPr marL="0" indent="0">
+              <a:buNone/>
+            </a:pPr>
+            <a:r>
+              <a:rPr lang="en-US" altLang="ko-KR" dirty="0"/>
+              <a:t>▶ Minimizing the error value</a:t>
+            </a:r>
+          </a:p>
+          <a:p>
+            <a:r>
+              <a:rPr lang="en-US" altLang="ko-KR" dirty="0"/>
+              <a:t>Target (actual data values) ↔ predicted data values </a:t>
+            </a:r>
+          </a:p>
+          <a:p>
+            <a:r>
+              <a:rPr lang="en-US" altLang="ko-KR" dirty="0"/>
+              <a:t>Sum of squares error (SSE) :</a:t>
+            </a:r>
+          </a:p>
+          <a:p>
+            <a:pPr marL="447675" indent="-161925"/>
+            <a:r>
+              <a:rPr lang="en-US" altLang="ko-KR" sz="1400" dirty="0"/>
+              <a:t>Z = set of predicted values</a:t>
+            </a:r>
+          </a:p>
+          <a:p>
+            <a:r>
+              <a:rPr lang="en-US" altLang="ko-KR" dirty="0"/>
+              <a:t>Mean squared error (MSE) :</a:t>
+            </a:r>
+            <a:endParaRPr lang="en-US" altLang="ko-KR" sz="1400" dirty="0"/>
+          </a:p>
+          <a:p>
+            <a:pPr marL="447675" indent="-161925">
+              <a:tabLst>
+                <a:tab pos="1076325" algn="l"/>
+              </a:tabLst>
+            </a:pPr>
+            <a:r>
+              <a:rPr lang="en-US" altLang="ko-KR" sz="1400" dirty="0"/>
+              <a:t>n = number of data points in the set</a:t>
+            </a:r>
+          </a:p>
+        </p:txBody>
+      </p:sp>
       <mc:AlternateContent xmlns:mc="http://schemas.openxmlformats.org/markup-compatibility/2006">
         <mc:Choice xmlns:a14="http://schemas.microsoft.com/office/drawing/2010/main" Requires="a14">
           <p:sp>
             <p:nvSpPr>
-              <p:cNvPr id="9" name="TextBox 8">
+              <p:cNvPr id="21" name="TextBox 20">
                 <a:extLst>
                   <a:ext uri="{FF2B5EF4-FFF2-40B4-BE49-F238E27FC236}">
-                    <a16:creationId xmlns:a16="http://schemas.microsoft.com/office/drawing/2014/main" id="{87B548AE-3818-4D9F-8076-0593EC0EBB65}"/>
+                    <a16:creationId xmlns:a16="http://schemas.microsoft.com/office/drawing/2014/main" id="{0E594E0D-4EDC-4944-83F7-7E8BD97981F3}"/>
                   </a:ext>
                 </a:extLst>
               </p:cNvPr>
@@ -5824,8 +8057,8 @@
             </p:nvSpPr>
             <p:spPr>
               <a:xfrm>
-                <a:off x="539551" y="5308968"/>
-                <a:ext cx="4433715" cy="724015"/>
+                <a:off x="5517172" y="3692134"/>
+                <a:ext cx="6079082" cy="2128222"/>
               </a:xfrm>
               <a:prstGeom prst="roundRect">
                 <a:avLst>
@@ -5833,9 +8066,11 @@
                 </a:avLst>
               </a:prstGeom>
               <a:solidFill>
-                <a:srgbClr val="FBE5D6">
+                <a:schemeClr val="accent3">
+                  <a:lumMod val="20000"/>
+                  <a:lumOff val="80000"/>
                   <a:alpha val="80000"/>
-                </a:srgbClr>
+                </a:schemeClr>
               </a:solidFill>
             </p:spPr>
             <p:txBody>
@@ -5846,145 +8081,193 @@
                 <a:defPPr>
                   <a:defRPr lang="ko-KR"/>
                 </a:defPPr>
-                <a:lvl1pPr marL="285750" indent="-285750">
+                <a:lvl1pPr>
                   <a:lnSpc>
                     <a:spcPct val="150000"/>
                   </a:lnSpc>
-                  <a:buFont typeface="Arial" panose="020B0604020202020204" pitchFamily="34" charset="0"/>
-                  <a:buChar char="•"/>
-                  <a:defRPr sz="1600">
-                    <a:effectLst/>
-                    <a:latin typeface="맑은 고딕" panose="020B0503020000020004" pitchFamily="50" charset="-127"/>
-                    <a:cs typeface="Times New Roman" panose="02020603050405020304" pitchFamily="18" charset="0"/>
-                  </a:defRPr>
+                  <a:defRPr sz="1600"/>
                 </a:lvl1pPr>
               </a:lstStyle>
               <a:p>
+                <a:r>
+                  <a:rPr lang="en-US" altLang="ko-KR" sz="1400" dirty="0"/>
+                  <a:t>▶ Coefficient</a:t>
+                </a:r>
+                <a:endParaRPr lang="ko-KR" altLang="en-US" sz="1400" dirty="0"/>
+              </a:p>
+              <a:p>
+                <a:endParaRPr lang="en-US" altLang="ko-KR" sz="1400" dirty="0"/>
+              </a:p>
+              <a:p>
+                <a:endParaRPr lang="en-US" altLang="ko-KR" sz="1400" dirty="0"/>
+              </a:p>
+              <a:p>
+                <a:pPr marL="285750" indent="-285750">
+                  <a:buFont typeface="Arial" panose="020B0604020202020204" pitchFamily="34" charset="0"/>
+                  <a:buChar char="•"/>
+                </a:pPr>
                 <a14:m>
                   <m:oMath xmlns:m="http://schemas.openxmlformats.org/officeDocument/2006/math">
-                    <m:sSub>
-                      <m:sSubPr>
+                    <m:acc>
+                      <m:accPr>
+                        <m:chr m:val="̅"/>
                         <m:ctrlPr>
-                          <a:rPr lang="en-US" altLang="ko-KR" sz="1400" i="1" smtClean="0">
-                            <a:solidFill>
-                              <a:schemeClr val="tx1"/>
-                            </a:solidFill>
-                            <a:effectLst/>
+                          <a:rPr lang="en-US" altLang="ko-KR" sz="1400" b="0" i="1" smtClean="0">
                             <a:latin typeface="Cambria Math" panose="02040503050406030204" pitchFamily="18" charset="0"/>
-                            <a:cs typeface="Times New Roman" panose="02020603050405020304" pitchFamily="18" charset="0"/>
                           </a:rPr>
                         </m:ctrlPr>
-                      </m:sSubPr>
+                      </m:accPr>
                       <m:e>
                         <m:r>
                           <a:rPr lang="en-US" altLang="ko-KR" sz="1400" b="0" i="1" smtClean="0">
-                            <a:solidFill>
-                              <a:schemeClr val="tx1"/>
-                            </a:solidFill>
-                            <a:effectLst/>
                             <a:latin typeface="Cambria Math" panose="02040503050406030204" pitchFamily="18" charset="0"/>
-                            <a:cs typeface="Times New Roman" panose="02020603050405020304" pitchFamily="18" charset="0"/>
                           </a:rPr>
-                          <m:t>𝑛</m:t>
+                          <m:t>𝑌</m:t>
                         </m:r>
                       </m:e>
-                      <m:sub>
-                        <m:r>
-                          <a:rPr lang="en-US" altLang="ko-KR" sz="1400" b="0" i="1" smtClean="0">
-                            <a:solidFill>
-                              <a:schemeClr val="tx1"/>
-                            </a:solidFill>
-                            <a:effectLst/>
-                            <a:latin typeface="Cambria Math" panose="02040503050406030204" pitchFamily="18" charset="0"/>
-                            <a:cs typeface="Times New Roman" panose="02020603050405020304" pitchFamily="18" charset="0"/>
-                          </a:rPr>
-                          <m:t>h</m:t>
-                        </m:r>
-                      </m:sub>
-                    </m:sSub>
+                    </m:acc>
                   </m:oMath>
                 </a14:m>
                 <a:r>
-                  <a:rPr lang="en-US" altLang="ko-KR" sz="1400" dirty="0">
-                    <a:solidFill>
-                      <a:schemeClr val="tx1"/>
-                    </a:solidFill>
-                    <a:effectLst/>
-                    <a:latin typeface="맑은 고딕" panose="020B0503020000020004" pitchFamily="50" charset="-127"/>
-                    <a:cs typeface="Times New Roman" panose="02020603050405020304" pitchFamily="18" charset="0"/>
+                  <a:rPr lang="en-US" altLang="ko-KR" sz="1400" i="1" dirty="0">
+                    <a:latin typeface="Cambria Math" panose="02040503050406030204" pitchFamily="18" charset="0"/>
                   </a:rPr>
-                  <a:t> : the number of neurons in the hidden layer </a:t>
+                  <a:t> </a:t>
+                </a:r>
+                <a:r>
+                  <a:rPr lang="en-US" altLang="ko-KR" sz="1400" dirty="0"/>
+                  <a:t>: mean of data</a:t>
                 </a:r>
               </a:p>
               <a:p>
+                <a:pPr marL="285750" indent="-285750">
+                  <a:buFont typeface="Arial" panose="020B0604020202020204" pitchFamily="34" charset="0"/>
+                  <a:buChar char="•"/>
+                </a:pPr>
                 <a14:m>
                   <m:oMath xmlns:m="http://schemas.openxmlformats.org/officeDocument/2006/math">
-                    <m:sSub>
-                      <m:sSubPr>
+                    <m:nary>
+                      <m:naryPr>
+                        <m:chr m:val="∑"/>
+                        <m:subHide m:val="on"/>
+                        <m:supHide m:val="on"/>
                         <m:ctrlPr>
                           <a:rPr lang="en-US" altLang="ko-KR" sz="1400" i="1" smtClean="0">
-                            <a:solidFill>
-                              <a:schemeClr val="tx1"/>
-                            </a:solidFill>
-                            <a:effectLst/>
                             <a:latin typeface="Cambria Math" panose="02040503050406030204" pitchFamily="18" charset="0"/>
-                            <a:cs typeface="Times New Roman" panose="02020603050405020304" pitchFamily="18" charset="0"/>
                           </a:rPr>
                         </m:ctrlPr>
-                      </m:sSubPr>
+                      </m:naryPr>
+                      <m:sub/>
+                      <m:sup/>
+                      <m:e>
+                        <m:sSup>
+                          <m:sSupPr>
+                            <m:ctrlPr>
+                              <a:rPr lang="en-US" altLang="ko-KR" sz="1400" b="0" i="1" smtClean="0">
+                                <a:latin typeface="Cambria Math" panose="02040503050406030204" pitchFamily="18" charset="0"/>
+                              </a:rPr>
+                            </m:ctrlPr>
+                          </m:sSupPr>
+                          <m:e>
+                            <m:r>
+                              <a:rPr lang="en-US" altLang="ko-KR" sz="1400" i="1">
+                                <a:latin typeface="Cambria Math" panose="02040503050406030204" pitchFamily="18" charset="0"/>
+                              </a:rPr>
+                              <m:t>(</m:t>
+                            </m:r>
+                            <m:r>
+                              <a:rPr lang="en-US" altLang="ko-KR" sz="1400" i="1">
+                                <a:latin typeface="Cambria Math" panose="02040503050406030204" pitchFamily="18" charset="0"/>
+                              </a:rPr>
+                              <m:t>𝑌</m:t>
+                            </m:r>
+                            <m:r>
+                              <a:rPr lang="en-US" altLang="ko-KR" sz="1400" i="1">
+                                <a:latin typeface="Cambria Math" panose="02040503050406030204" pitchFamily="18" charset="0"/>
+                              </a:rPr>
+                              <m:t>−</m:t>
+                            </m:r>
+                            <m:acc>
+                              <m:accPr>
+                                <m:chr m:val="̅"/>
+                                <m:ctrlPr>
+                                  <a:rPr lang="en-US" altLang="ko-KR" sz="1400" i="1">
+                                    <a:latin typeface="Cambria Math" panose="02040503050406030204" pitchFamily="18" charset="0"/>
+                                  </a:rPr>
+                                </m:ctrlPr>
+                              </m:accPr>
+                              <m:e>
+                                <m:r>
+                                  <a:rPr lang="en-US" altLang="ko-KR" sz="1400" i="1">
+                                    <a:latin typeface="Cambria Math" panose="02040503050406030204" pitchFamily="18" charset="0"/>
+                                  </a:rPr>
+                                  <m:t>𝑌</m:t>
+                                </m:r>
+                              </m:e>
+                            </m:acc>
+                            <m:r>
+                              <a:rPr lang="en-US" altLang="ko-KR" sz="1400" i="1">
+                                <a:latin typeface="Cambria Math" panose="02040503050406030204" pitchFamily="18" charset="0"/>
+                              </a:rPr>
+                              <m:t>)</m:t>
+                            </m:r>
+                          </m:e>
+                          <m:sup>
+                            <m:r>
+                              <a:rPr lang="en-US" altLang="ko-KR" sz="1400" b="0" i="1" smtClean="0">
+                                <a:latin typeface="Cambria Math" panose="02040503050406030204" pitchFamily="18" charset="0"/>
+                              </a:rPr>
+                              <m:t>2</m:t>
+                            </m:r>
+                          </m:sup>
+                        </m:sSup>
+                      </m:e>
+                    </m:nary>
+                  </m:oMath>
+                </a14:m>
+                <a:r>
+                  <a:rPr lang="en-US" altLang="ko-KR" sz="1400" dirty="0"/>
+                  <a:t> : total sum of squares</a:t>
+                </a:r>
+              </a:p>
+              <a:p>
+                <a:pPr marL="285750" indent="-285750">
+                  <a:buFont typeface="Arial" panose="020B0604020202020204" pitchFamily="34" charset="0"/>
+                  <a:buChar char="•"/>
+                </a:pPr>
+                <a14:m>
+                  <m:oMath xmlns:m="http://schemas.openxmlformats.org/officeDocument/2006/math">
+                    <m:sSup>
+                      <m:sSupPr>
+                        <m:ctrlPr>
+                          <a:rPr lang="en-US" altLang="ko-KR" sz="1400" b="0" i="1" smtClean="0">
+                            <a:latin typeface="Cambria Math" panose="02040503050406030204" pitchFamily="18" charset="0"/>
+                          </a:rPr>
+                        </m:ctrlPr>
+                      </m:sSupPr>
                       <m:e>
                         <m:r>
                           <a:rPr lang="en-US" altLang="ko-KR" sz="1400" b="0" i="1" smtClean="0">
-                            <a:solidFill>
-                              <a:schemeClr val="tx1"/>
-                            </a:solidFill>
-                            <a:effectLst/>
                             <a:latin typeface="Cambria Math" panose="02040503050406030204" pitchFamily="18" charset="0"/>
-                            <a:cs typeface="Times New Roman" panose="02020603050405020304" pitchFamily="18" charset="0"/>
                           </a:rPr>
-                          <m:t>𝑛</m:t>
+                          <m:t>𝑅</m:t>
                         </m:r>
                       </m:e>
-                      <m:sub>
+                      <m:sup>
                         <m:r>
                           <a:rPr lang="en-US" altLang="ko-KR" sz="1400" b="0" i="1" smtClean="0">
-                            <a:solidFill>
-                              <a:schemeClr val="tx1"/>
-                            </a:solidFill>
-                            <a:effectLst/>
                             <a:latin typeface="Cambria Math" panose="02040503050406030204" pitchFamily="18" charset="0"/>
-                            <a:cs typeface="Times New Roman" panose="02020603050405020304" pitchFamily="18" charset="0"/>
                           </a:rPr>
-                          <m:t>𝑖</m:t>
+                          <m:t>2</m:t>
                         </m:r>
-                      </m:sub>
-                    </m:sSub>
+                      </m:sup>
+                    </m:sSup>
                   </m:oMath>
                 </a14:m>
                 <a:r>
-                  <a:rPr lang="en-US" altLang="ko-KR" sz="1400" dirty="0">
-                    <a:solidFill>
-                      <a:schemeClr val="tx1"/>
-                    </a:solidFill>
-                    <a:effectLst/>
-                    <a:latin typeface="맑은 고딕" panose="020B0503020000020004" pitchFamily="50" charset="-127"/>
-                    <a:cs typeface="Times New Roman" panose="02020603050405020304" pitchFamily="18" charset="0"/>
-                  </a:rPr>
-                  <a:t> :  </a:t>
+                  <a:rPr lang="en-US" altLang="ko-KR" sz="1400" dirty="0"/>
+                  <a:t> is between 0 and 1</a:t>
                 </a:r>
-                <a:r>
-                  <a:rPr lang="en-US" altLang="ko-KR" sz="1400" dirty="0">
-                    <a:effectLst/>
-                    <a:latin typeface="맑은 고딕" panose="020B0503020000020004" pitchFamily="50" charset="-127"/>
-                    <a:cs typeface="Times New Roman" panose="02020603050405020304" pitchFamily="18" charset="0"/>
-                  </a:rPr>
-                  <a:t>the number of input variables</a:t>
-                </a:r>
-                <a:endParaRPr lang="en-US" altLang="ko-KR" sz="1100" dirty="0">
-                  <a:solidFill>
-                    <a:srgbClr val="FF6600"/>
-                  </a:solidFill>
-                </a:endParaRPr>
               </a:p>
             </p:txBody>
           </p:sp>
@@ -5992,10 +8275,10 @@
         <mc:Fallback>
           <p:sp>
             <p:nvSpPr>
-              <p:cNvPr id="9" name="TextBox 8">
+              <p:cNvPr id="21" name="TextBox 20">
                 <a:extLst>
                   <a:ext uri="{FF2B5EF4-FFF2-40B4-BE49-F238E27FC236}">
-                    <a16:creationId xmlns:a16="http://schemas.microsoft.com/office/drawing/2014/main" id="{87B548AE-3818-4D9F-8076-0593EC0EBB65}"/>
+                    <a16:creationId xmlns:a16="http://schemas.microsoft.com/office/drawing/2014/main" id="{0E594E0D-4EDC-4944-83F7-7E8BD97981F3}"/>
                   </a:ext>
                 </a:extLst>
               </p:cNvPr>
@@ -6006,8 +8289,8 @@
             </p:nvSpPr>
             <p:spPr>
               <a:xfrm>
-                <a:off x="539551" y="5308968"/>
-                <a:ext cx="4433715" cy="724015"/>
+                <a:off x="5517172" y="3692134"/>
+                <a:ext cx="6079082" cy="2128222"/>
               </a:xfrm>
               <a:prstGeom prst="roundRect">
                 <a:avLst>
@@ -6015,9 +8298,9 @@
                 </a:avLst>
               </a:prstGeom>
               <a:blipFill>
-                <a:blip r:embed="rId3"/>
+                <a:blip r:embed="rId4"/>
                 <a:stretch>
-                  <a:fillRect b="-5882"/>
+                  <a:fillRect b="-3152"/>
                 </a:stretch>
               </a:blipFill>
             </p:spPr>
@@ -6038,10 +8321,10 @@
       </mc:AlternateContent>
       <p:pic>
         <p:nvPicPr>
-          <p:cNvPr id="7" name="그림 6">
+          <p:cNvPr id="18" name="그림 17" descr="손목시계, 시계이(가) 표시된 사진&#10;&#10;자동 생성된 설명">
             <a:extLst>
               <a:ext uri="{FF2B5EF4-FFF2-40B4-BE49-F238E27FC236}">
-                <a16:creationId xmlns:a16="http://schemas.microsoft.com/office/drawing/2014/main" id="{95F70CF9-7300-4971-B5D3-B5FC3BFE06EC}"/>
+                <a16:creationId xmlns:a16="http://schemas.microsoft.com/office/drawing/2014/main" id="{45AF77EC-615F-45FD-BD18-59751D4719DC}"/>
               </a:ext>
             </a:extLst>
           </p:cNvPr>
@@ -6050,113 +8333,15 @@
           </p:cNvPicPr>
           <p:nvPr/>
         </p:nvPicPr>
-        <p:blipFill>
-          <a:blip r:embed="rId4"/>
-          <a:stretch>
-            <a:fillRect/>
-          </a:stretch>
+        <p:blipFill rotWithShape="1">
+          <a:blip r:embed="rId5"/>
+          <a:srcRect l="3851" t="4908" r="3851" b="8728"/>
+          <a:stretch/>
         </p:blipFill>
         <p:spPr>
           <a:xfrm>
-            <a:off x="539551" y="1318367"/>
-            <a:ext cx="4706545" cy="2857847"/>
-          </a:xfrm>
-          <a:prstGeom prst="rect">
-            <a:avLst/>
-          </a:prstGeom>
-          <a:ln>
-            <a:solidFill>
-              <a:schemeClr val="bg2">
-                <a:lumMod val="75000"/>
-              </a:schemeClr>
-            </a:solidFill>
-          </a:ln>
-        </p:spPr>
-      </p:pic>
-      <p:sp>
-        <p:nvSpPr>
-          <p:cNvPr id="10" name="TextBox 9">
-            <a:extLst>
-              <a:ext uri="{FF2B5EF4-FFF2-40B4-BE49-F238E27FC236}">
-                <a16:creationId xmlns:a16="http://schemas.microsoft.com/office/drawing/2014/main" id="{BB6819C2-414F-4640-B975-984987BB54E7}"/>
-              </a:ext>
-            </a:extLst>
-          </p:cNvPr>
-          <p:cNvSpPr txBox="1"/>
-          <p:nvPr/>
-        </p:nvSpPr>
-        <p:spPr>
-          <a:xfrm>
-            <a:off x="8496280" y="2327464"/>
-            <a:ext cx="3326389" cy="430041"/>
-          </a:xfrm>
-          <a:prstGeom prst="roundRect">
-            <a:avLst>
-              <a:gd name="adj" fmla="val 7064"/>
-            </a:avLst>
-          </a:prstGeom>
-          <a:solidFill>
-            <a:schemeClr val="accent3">
-              <a:lumMod val="20000"/>
-              <a:lumOff val="80000"/>
-              <a:alpha val="80000"/>
-            </a:schemeClr>
-          </a:solidFill>
-        </p:spPr>
-        <p:txBody>
-          <a:bodyPr wrap="square" rtlCol="0">
-            <a:spAutoFit/>
-          </a:bodyPr>
-          <a:lstStyle/>
-          <a:p>
-            <a:pPr marL="285750" indent="-285750">
-              <a:lnSpc>
-                <a:spcPct val="150000"/>
-              </a:lnSpc>
-              <a:buFont typeface="Arial" panose="020B0604020202020204" pitchFamily="34" charset="0"/>
-              <a:buChar char="•"/>
-            </a:pPr>
-            <a:endParaRPr lang="en-US" altLang="ko-KR" sz="1600" dirty="0">
-              <a:solidFill>
-                <a:srgbClr val="0056B4"/>
-              </a:solidFill>
-              <a:effectLst/>
-              <a:latin typeface="맑은 고딕" panose="020B0503020000020004" pitchFamily="50" charset="-127"/>
-              <a:cs typeface="Times New Roman" panose="02020603050405020304" pitchFamily="18" charset="0"/>
-            </a:endParaRPr>
-          </a:p>
-        </p:txBody>
-      </p:sp>
-      <p:pic>
-        <p:nvPicPr>
-          <p:cNvPr id="8" name="그림 7" descr="텍스트이(가) 표시된 사진&#10;&#10;자동 생성된 설명">
-            <a:extLst>
-              <a:ext uri="{FF2B5EF4-FFF2-40B4-BE49-F238E27FC236}">
-                <a16:creationId xmlns:a16="http://schemas.microsoft.com/office/drawing/2014/main" id="{4B655002-BEEF-41EF-B713-0C801038FB0A}"/>
-              </a:ext>
-            </a:extLst>
-          </p:cNvPr>
-          <p:cNvPicPr>
-            <a:picLocks noChangeAspect="1"/>
-          </p:cNvPicPr>
-          <p:nvPr/>
-        </p:nvPicPr>
-        <p:blipFill>
-          <a:blip r:embed="rId5" cstate="print">
-            <a:extLst>
-              <a:ext uri="{28A0092B-C50C-407E-A947-70E740481C1C}">
-                <a14:useLocalDpi xmlns:a14="http://schemas.microsoft.com/office/drawing/2010/main" val="0"/>
-              </a:ext>
-            </a:extLst>
-          </a:blip>
-          <a:stretch>
-            <a:fillRect/>
-          </a:stretch>
-        </p:blipFill>
-        <p:spPr>
-          <a:xfrm>
-            <a:off x="5331887" y="1684057"/>
-            <a:ext cx="2747751" cy="1853088"/>
+            <a:off x="8788701" y="2266093"/>
+            <a:ext cx="2091115" cy="518289"/>
           </a:xfrm>
           <a:prstGeom prst="rect">
             <a:avLst/>
@@ -6172,10 +8357,10 @@
       </p:pic>
       <p:pic>
         <p:nvPicPr>
-          <p:cNvPr id="12" name="그림 11">
+          <p:cNvPr id="6" name="그림 5">
             <a:extLst>
               <a:ext uri="{FF2B5EF4-FFF2-40B4-BE49-F238E27FC236}">
-                <a16:creationId xmlns:a16="http://schemas.microsoft.com/office/drawing/2014/main" id="{839B7150-685F-4E9D-800C-89AC678BB8CE}"/>
+                <a16:creationId xmlns:a16="http://schemas.microsoft.com/office/drawing/2014/main" id="{1E37AECA-1C27-42CA-8E54-AF393C332801}"/>
               </a:ext>
             </a:extLst>
           </p:cNvPr>
@@ -6185,21 +8370,15 @@
           <p:nvPr/>
         </p:nvPicPr>
         <p:blipFill>
-          <a:blip r:embed="rId6">
-            <a:extLst>
-              <a:ext uri="{28A0092B-C50C-407E-A947-70E740481C1C}">
-                <a14:useLocalDpi xmlns:a14="http://schemas.microsoft.com/office/drawing/2010/main" val="0"/>
-              </a:ext>
-            </a:extLst>
-          </a:blip>
+          <a:blip r:embed="rId6"/>
           <a:stretch>
             <a:fillRect/>
           </a:stretch>
         </p:blipFill>
         <p:spPr>
           <a:xfrm>
-            <a:off x="5313810" y="3635300"/>
-            <a:ext cx="3880720" cy="540914"/>
+            <a:off x="9216965" y="2885600"/>
+            <a:ext cx="1234588" cy="564882"/>
           </a:xfrm>
           <a:prstGeom prst="rect">
             <a:avLst/>
@@ -6215,10 +8394,10 @@
       </p:pic>
       <p:pic>
         <p:nvPicPr>
-          <p:cNvPr id="13" name="그림 12">
+          <p:cNvPr id="16" name="그림 15">
             <a:extLst>
               <a:ext uri="{FF2B5EF4-FFF2-40B4-BE49-F238E27FC236}">
-                <a16:creationId xmlns:a16="http://schemas.microsoft.com/office/drawing/2014/main" id="{0F537920-858F-4B12-B65A-B3B3F19C4219}"/>
+                <a16:creationId xmlns:a16="http://schemas.microsoft.com/office/drawing/2014/main" id="{435FD007-30C6-443F-94AE-DA8CCA0FCB8E}"/>
               </a:ext>
             </a:extLst>
           </p:cNvPr>
@@ -6228,21 +8407,15 @@
           <p:nvPr/>
         </p:nvPicPr>
         <p:blipFill>
-          <a:blip r:embed="rId7">
-            <a:extLst>
-              <a:ext uri="{28A0092B-C50C-407E-A947-70E740481C1C}">
-                <a14:useLocalDpi xmlns:a14="http://schemas.microsoft.com/office/drawing/2010/main" val="0"/>
-              </a:ext>
-            </a:extLst>
-          </a:blip>
+          <a:blip r:embed="rId7"/>
           <a:stretch>
             <a:fillRect/>
           </a:stretch>
         </p:blipFill>
         <p:spPr>
           <a:xfrm>
-            <a:off x="9539785" y="1684057"/>
-            <a:ext cx="886397" cy="369332"/>
+            <a:off x="7021314" y="3936183"/>
+            <a:ext cx="3430239" cy="715397"/>
           </a:xfrm>
           <a:prstGeom prst="rect">
             <a:avLst/>
@@ -6256,12 +8429,42 @@
           </a:ln>
         </p:spPr>
       </p:pic>
-      <p:sp>
-        <p:nvSpPr>
-          <p:cNvPr id="15" name="TextBox 14">
+    </p:spTree>
+    <p:extLst>
+      <p:ext uri="{BB962C8B-B14F-4D97-AF65-F5344CB8AC3E}">
+        <p14:creationId xmlns:p14="http://schemas.microsoft.com/office/powerpoint/2010/main" val="1786986614"/>
+      </p:ext>
+    </p:extLst>
+  </p:cSld>
+  <p:clrMapOvr>
+    <a:masterClrMapping/>
+  </p:clrMapOvr>
+</p:sld>
+</file>
+
+<file path=ppt/slides/slide12.xml><?xml version="1.0" encoding="utf-8"?>
+<p:sld xmlns:a="http://schemas.openxmlformats.org/drawingml/2006/main" xmlns:r="http://schemas.openxmlformats.org/officeDocument/2006/relationships" xmlns:p="http://schemas.openxmlformats.org/presentationml/2006/main">
+  <p:cSld>
+    <p:spTree>
+      <p:nvGrpSpPr>
+        <p:cNvPr id="1" name=""/>
+        <p:cNvGrpSpPr/>
+        <p:nvPr/>
+      </p:nvGrpSpPr>
+      <p:grpSpPr>
+        <a:xfrm>
+          <a:off x="0" y="0"/>
+          <a:ext cx="0" cy="0"/>
+          <a:chOff x="0" y="0"/>
+          <a:chExt cx="0" cy="0"/>
+        </a:xfrm>
+      </p:grpSpPr>
+      <p:sp>
+        <p:nvSpPr>
+          <p:cNvPr id="5" name="TextBox 4">
             <a:extLst>
               <a:ext uri="{FF2B5EF4-FFF2-40B4-BE49-F238E27FC236}">
-                <a16:creationId xmlns:a16="http://schemas.microsoft.com/office/drawing/2014/main" id="{737AF709-C5DF-4DF4-8CF6-C2D5F4CA1A60}"/>
+                <a16:creationId xmlns:a16="http://schemas.microsoft.com/office/drawing/2014/main" id="{34E7CC66-42E2-4959-88DF-0B454D5A55A5}"/>
               </a:ext>
             </a:extLst>
           </p:cNvPr>
@@ -6270,38 +8473,108 @@
         </p:nvSpPr>
         <p:spPr>
           <a:xfrm>
-            <a:off x="5289776" y="1293027"/>
-            <a:ext cx="1929890" cy="369332"/>
+            <a:off x="539551" y="548680"/>
+            <a:ext cx="11056703" cy="646331"/>
           </a:xfrm>
           <a:prstGeom prst="rect">
             <a:avLst/>
           </a:prstGeom>
           <a:noFill/>
+          <a:scene3d>
+            <a:camera prst="obliqueTopLeft"/>
+            <a:lightRig rig="threePt" dir="t"/>
+          </a:scene3d>
         </p:spPr>
         <p:txBody>
-          <a:bodyPr wrap="square">
+          <a:bodyPr wrap="square" rtlCol="0">
             <a:spAutoFit/>
           </a:bodyPr>
           <a:lstStyle/>
           <a:p>
-            <a:pPr marL="285750" indent="-285750">
-              <a:buFont typeface="Wingdings" panose="05000000000000000000" pitchFamily="2" charset="2"/>
-              <a:buChar char="Ø"/>
-            </a:pPr>
-            <a:r>
-              <a:rPr lang="en-US" altLang="ko-KR" dirty="0"/>
-              <a:t>hidden layer </a:t>
-            </a:r>
-            <a:endParaRPr lang="ko-KR" altLang="en-US" dirty="0"/>
+            <a:r>
+              <a:rPr lang="en-US" altLang="ko-KR" sz="3600" b="1" dirty="0">
+                <a:latin typeface="+mj-ea"/>
+                <a:ea typeface="+mj-ea"/>
+                <a:cs typeface="조선일보명조" pitchFamily="18" charset="-127"/>
+              </a:rPr>
+              <a:t>03.</a:t>
+            </a:r>
+            <a:r>
+              <a:rPr lang="en-US" altLang="ko-KR" sz="3200" b="1" dirty="0">
+                <a:latin typeface="+mj-ea"/>
+                <a:ea typeface="+mj-ea"/>
+                <a:cs typeface="조선일보명조" pitchFamily="18" charset="-127"/>
+              </a:rPr>
+              <a:t> </a:t>
+            </a:r>
+            <a:r>
+              <a:rPr lang="en-US" altLang="ko-KR" sz="2800" b="1" dirty="0">
+                <a:latin typeface="+mj-ea"/>
+                <a:ea typeface="+mj-ea"/>
+                <a:cs typeface="조선일보명조" pitchFamily="18" charset="-127"/>
+              </a:rPr>
+              <a:t>Modeling approach</a:t>
+            </a:r>
+            <a:endParaRPr lang="ko-KR" altLang="en-US" sz="2400" b="1" dirty="0">
+              <a:latin typeface="+mj-ea"/>
+              <a:ea typeface="+mj-ea"/>
+              <a:cs typeface="조선일보명조" pitchFamily="18" charset="-127"/>
+            </a:endParaRPr>
           </a:p>
         </p:txBody>
       </p:sp>
-      <p:sp>
-        <p:nvSpPr>
-          <p:cNvPr id="16" name="TextBox 15">
+      <p:cxnSp>
+        <p:nvCxnSpPr>
+          <p:cNvPr id="14" name="직선 연결선 13">
             <a:extLst>
               <a:ext uri="{FF2B5EF4-FFF2-40B4-BE49-F238E27FC236}">
-                <a16:creationId xmlns:a16="http://schemas.microsoft.com/office/drawing/2014/main" id="{5E0FFC5A-7019-47E2-BDA8-F67444EF73C2}"/>
+                <a16:creationId xmlns:a16="http://schemas.microsoft.com/office/drawing/2014/main" id="{03F592B8-8884-480D-8298-F2B88AA4644C}"/>
+              </a:ext>
+            </a:extLst>
+          </p:cNvPr>
+          <p:cNvCxnSpPr>
+            <a:cxnSpLocks/>
+          </p:cNvCxnSpPr>
+          <p:nvPr/>
+        </p:nvCxnSpPr>
+        <p:spPr>
+          <a:xfrm>
+            <a:off x="539552" y="1187024"/>
+            <a:ext cx="11056703" cy="0"/>
+          </a:xfrm>
+          <a:prstGeom prst="line">
+            <a:avLst/>
+          </a:prstGeom>
+          <a:ln w="12700">
+            <a:solidFill>
+              <a:schemeClr val="tx1">
+                <a:lumMod val="75000"/>
+                <a:lumOff val="25000"/>
+              </a:schemeClr>
+            </a:solidFill>
+          </a:ln>
+        </p:spPr>
+        <p:style>
+          <a:lnRef idx="1">
+            <a:schemeClr val="accent1"/>
+          </a:lnRef>
+          <a:fillRef idx="0">
+            <a:schemeClr val="accent1"/>
+          </a:fillRef>
+          <a:effectRef idx="0">
+            <a:schemeClr val="accent1"/>
+          </a:effectRef>
+          <a:fontRef idx="minor">
+            <a:schemeClr val="tx1"/>
+          </a:fontRef>
+        </p:style>
+      </p:cxnSp>
+      <p:sp>
+        <p:nvSpPr>
+          <p:cNvPr id="9" name="TextBox 8">
+            <a:extLst>
+              <a:ext uri="{FF2B5EF4-FFF2-40B4-BE49-F238E27FC236}">
+                <a16:creationId xmlns:a16="http://schemas.microsoft.com/office/drawing/2014/main" id="{87B548AE-3818-4D9F-8076-0593EC0EBB65}"/>
               </a:ext>
             </a:extLst>
           </p:cNvPr>
@@ -6310,38 +8583,373 @@
         </p:nvSpPr>
         <p:spPr>
           <a:xfrm>
-            <a:off x="9194530" y="1254682"/>
-            <a:ext cx="1929890" cy="369332"/>
+            <a:off x="529683" y="1310333"/>
+            <a:ext cx="6079082" cy="2258493"/>
           </a:xfrm>
-          <a:prstGeom prst="rect">
-            <a:avLst/>
+          <a:prstGeom prst="roundRect">
+            <a:avLst>
+              <a:gd name="adj" fmla="val 7064"/>
+            </a:avLst>
           </a:prstGeom>
-          <a:noFill/>
+          <a:solidFill>
+            <a:srgbClr val="FBE5D6">
+              <a:alpha val="80000"/>
+            </a:srgbClr>
+          </a:solidFill>
         </p:spPr>
         <p:txBody>
-          <a:bodyPr wrap="square">
+          <a:bodyPr wrap="square" rtlCol="0">
             <a:spAutoFit/>
           </a:bodyPr>
-          <a:lstStyle/>
-          <a:p>
-            <a:pPr marL="285750" indent="-285750">
-              <a:buFont typeface="Wingdings" panose="05000000000000000000" pitchFamily="2" charset="2"/>
-              <a:buChar char="Ø"/>
+          <a:lstStyle>
+            <a:defPPr>
+              <a:defRPr lang="ko-KR"/>
+            </a:defPPr>
+            <a:lvl1pPr marL="285750" indent="-285750">
+              <a:lnSpc>
+                <a:spcPct val="150000"/>
+              </a:lnSpc>
+              <a:buFont typeface="Arial" panose="020B0604020202020204" pitchFamily="34" charset="0"/>
+              <a:buChar char="•"/>
+              <a:defRPr sz="1600">
+                <a:effectLst/>
+                <a:latin typeface="맑은 고딕" panose="020B0503020000020004" pitchFamily="50" charset="-127"/>
+                <a:cs typeface="Times New Roman" panose="02020603050405020304" pitchFamily="18" charset="0"/>
+              </a:defRPr>
+            </a:lvl1pPr>
+          </a:lstStyle>
+          <a:p>
+            <a:pPr marL="0" indent="0">
+              <a:buNone/>
             </a:pPr>
             <a:r>
               <a:rPr lang="en-US" altLang="ko-KR" dirty="0"/>
-              <a:t>output</a:t>
-            </a:r>
-            <a:endParaRPr lang="ko-KR" altLang="en-US" dirty="0"/>
+              <a:t>▶ Minimizing the error value</a:t>
+            </a:r>
+          </a:p>
+          <a:p>
+            <a:r>
+              <a:rPr lang="en-US" altLang="ko-KR" dirty="0"/>
+              <a:t>Target (actual data values) ↔ predicted data values </a:t>
+            </a:r>
+          </a:p>
+          <a:p>
+            <a:r>
+              <a:rPr lang="en-US" altLang="ko-KR" dirty="0"/>
+              <a:t>Sum of squares error (SSE) :</a:t>
+            </a:r>
+          </a:p>
+          <a:p>
+            <a:pPr marL="447675" indent="-161925"/>
+            <a:r>
+              <a:rPr lang="en-US" altLang="ko-KR" sz="1400" dirty="0"/>
+              <a:t>Z = set of predicted values</a:t>
+            </a:r>
+          </a:p>
+          <a:p>
+            <a:r>
+              <a:rPr lang="en-US" altLang="ko-KR" dirty="0"/>
+              <a:t>Mean squared error (MSE) :</a:t>
+            </a:r>
+            <a:endParaRPr lang="en-US" altLang="ko-KR" sz="1400" dirty="0"/>
+          </a:p>
+          <a:p>
+            <a:pPr marL="447675" indent="-161925">
+              <a:tabLst>
+                <a:tab pos="1076325" algn="l"/>
+              </a:tabLst>
+            </a:pPr>
+            <a:r>
+              <a:rPr lang="en-US" altLang="ko-KR" sz="1400" dirty="0"/>
+              <a:t>n = number of data points in the set</a:t>
+            </a:r>
           </a:p>
         </p:txBody>
       </p:sp>
+      <mc:AlternateContent xmlns:mc="http://schemas.openxmlformats.org/markup-compatibility/2006">
+        <mc:Choice xmlns:a14="http://schemas.microsoft.com/office/drawing/2010/main" Requires="a14">
+          <p:sp>
+            <p:nvSpPr>
+              <p:cNvPr id="21" name="TextBox 20">
+                <a:extLst>
+                  <a:ext uri="{FF2B5EF4-FFF2-40B4-BE49-F238E27FC236}">
+                    <a16:creationId xmlns:a16="http://schemas.microsoft.com/office/drawing/2014/main" id="{0E594E0D-4EDC-4944-83F7-7E8BD97981F3}"/>
+                  </a:ext>
+                </a:extLst>
+              </p:cNvPr>
+              <p:cNvSpPr txBox="1"/>
+              <p:nvPr/>
+            </p:nvSpPr>
+            <p:spPr>
+              <a:xfrm>
+                <a:off x="539551" y="3749295"/>
+                <a:ext cx="6079082" cy="2128222"/>
+              </a:xfrm>
+              <a:prstGeom prst="roundRect">
+                <a:avLst>
+                  <a:gd name="adj" fmla="val 7064"/>
+                </a:avLst>
+              </a:prstGeom>
+              <a:solidFill>
+                <a:schemeClr val="accent3">
+                  <a:lumMod val="20000"/>
+                  <a:lumOff val="80000"/>
+                  <a:alpha val="80000"/>
+                </a:schemeClr>
+              </a:solidFill>
+            </p:spPr>
+            <p:txBody>
+              <a:bodyPr wrap="square" rtlCol="0">
+                <a:spAutoFit/>
+              </a:bodyPr>
+              <a:lstStyle>
+                <a:defPPr>
+                  <a:defRPr lang="ko-KR"/>
+                </a:defPPr>
+                <a:lvl1pPr>
+                  <a:lnSpc>
+                    <a:spcPct val="150000"/>
+                  </a:lnSpc>
+                  <a:defRPr sz="1600"/>
+                </a:lvl1pPr>
+              </a:lstStyle>
+              <a:p>
+                <a:r>
+                  <a:rPr lang="en-US" altLang="ko-KR" sz="1400" dirty="0"/>
+                  <a:t>▶ Coefficient</a:t>
+                </a:r>
+                <a:endParaRPr lang="ko-KR" altLang="en-US" sz="1400" dirty="0"/>
+              </a:p>
+              <a:p>
+                <a:endParaRPr lang="en-US" altLang="ko-KR" sz="1400" dirty="0"/>
+              </a:p>
+              <a:p>
+                <a:endParaRPr lang="en-US" altLang="ko-KR" sz="1400" dirty="0"/>
+              </a:p>
+              <a:p>
+                <a:pPr marL="285750" indent="-285750">
+                  <a:buFont typeface="Arial" panose="020B0604020202020204" pitchFamily="34" charset="0"/>
+                  <a:buChar char="•"/>
+                </a:pPr>
+                <a14:m>
+                  <m:oMath xmlns:m="http://schemas.openxmlformats.org/officeDocument/2006/math">
+                    <m:acc>
+                      <m:accPr>
+                        <m:chr m:val="̅"/>
+                        <m:ctrlPr>
+                          <a:rPr lang="en-US" altLang="ko-KR" sz="1400" b="0" i="1" smtClean="0">
+                            <a:latin typeface="Cambria Math" panose="02040503050406030204" pitchFamily="18" charset="0"/>
+                          </a:rPr>
+                        </m:ctrlPr>
+                      </m:accPr>
+                      <m:e>
+                        <m:r>
+                          <a:rPr lang="en-US" altLang="ko-KR" sz="1400" b="0" i="1" smtClean="0">
+                            <a:latin typeface="Cambria Math" panose="02040503050406030204" pitchFamily="18" charset="0"/>
+                          </a:rPr>
+                          <m:t>𝑌</m:t>
+                        </m:r>
+                      </m:e>
+                    </m:acc>
+                  </m:oMath>
+                </a14:m>
+                <a:r>
+                  <a:rPr lang="en-US" altLang="ko-KR" sz="1400" i="1" dirty="0">
+                    <a:latin typeface="Cambria Math" panose="02040503050406030204" pitchFamily="18" charset="0"/>
+                  </a:rPr>
+                  <a:t> </a:t>
+                </a:r>
+                <a:r>
+                  <a:rPr lang="en-US" altLang="ko-KR" sz="1400" dirty="0"/>
+                  <a:t>: mean of data</a:t>
+                </a:r>
+              </a:p>
+              <a:p>
+                <a:pPr marL="285750" indent="-285750">
+                  <a:buFont typeface="Arial" panose="020B0604020202020204" pitchFamily="34" charset="0"/>
+                  <a:buChar char="•"/>
+                </a:pPr>
+                <a14:m>
+                  <m:oMath xmlns:m="http://schemas.openxmlformats.org/officeDocument/2006/math">
+                    <m:nary>
+                      <m:naryPr>
+                        <m:chr m:val="∑"/>
+                        <m:subHide m:val="on"/>
+                        <m:supHide m:val="on"/>
+                        <m:ctrlPr>
+                          <a:rPr lang="en-US" altLang="ko-KR" sz="1400" i="1" smtClean="0">
+                            <a:latin typeface="Cambria Math" panose="02040503050406030204" pitchFamily="18" charset="0"/>
+                          </a:rPr>
+                        </m:ctrlPr>
+                      </m:naryPr>
+                      <m:sub/>
+                      <m:sup/>
+                      <m:e>
+                        <m:sSup>
+                          <m:sSupPr>
+                            <m:ctrlPr>
+                              <a:rPr lang="en-US" altLang="ko-KR" sz="1400" b="0" i="1" smtClean="0">
+                                <a:latin typeface="Cambria Math" panose="02040503050406030204" pitchFamily="18" charset="0"/>
+                              </a:rPr>
+                            </m:ctrlPr>
+                          </m:sSupPr>
+                          <m:e>
+                            <m:r>
+                              <a:rPr lang="en-US" altLang="ko-KR" sz="1400" i="1">
+                                <a:latin typeface="Cambria Math" panose="02040503050406030204" pitchFamily="18" charset="0"/>
+                              </a:rPr>
+                              <m:t>(</m:t>
+                            </m:r>
+                            <m:r>
+                              <a:rPr lang="en-US" altLang="ko-KR" sz="1400" i="1">
+                                <a:latin typeface="Cambria Math" panose="02040503050406030204" pitchFamily="18" charset="0"/>
+                              </a:rPr>
+                              <m:t>𝑌</m:t>
+                            </m:r>
+                            <m:r>
+                              <a:rPr lang="en-US" altLang="ko-KR" sz="1400" i="1">
+                                <a:latin typeface="Cambria Math" panose="02040503050406030204" pitchFamily="18" charset="0"/>
+                              </a:rPr>
+                              <m:t>−</m:t>
+                            </m:r>
+                            <m:acc>
+                              <m:accPr>
+                                <m:chr m:val="̅"/>
+                                <m:ctrlPr>
+                                  <a:rPr lang="en-US" altLang="ko-KR" sz="1400" i="1">
+                                    <a:latin typeface="Cambria Math" panose="02040503050406030204" pitchFamily="18" charset="0"/>
+                                  </a:rPr>
+                                </m:ctrlPr>
+                              </m:accPr>
+                              <m:e>
+                                <m:r>
+                                  <a:rPr lang="en-US" altLang="ko-KR" sz="1400" i="1">
+                                    <a:latin typeface="Cambria Math" panose="02040503050406030204" pitchFamily="18" charset="0"/>
+                                  </a:rPr>
+                                  <m:t>𝑌</m:t>
+                                </m:r>
+                              </m:e>
+                            </m:acc>
+                            <m:r>
+                              <a:rPr lang="en-US" altLang="ko-KR" sz="1400" i="1">
+                                <a:latin typeface="Cambria Math" panose="02040503050406030204" pitchFamily="18" charset="0"/>
+                              </a:rPr>
+                              <m:t>)</m:t>
+                            </m:r>
+                          </m:e>
+                          <m:sup>
+                            <m:r>
+                              <a:rPr lang="en-US" altLang="ko-KR" sz="1400" b="0" i="1" smtClean="0">
+                                <a:latin typeface="Cambria Math" panose="02040503050406030204" pitchFamily="18" charset="0"/>
+                              </a:rPr>
+                              <m:t>2</m:t>
+                            </m:r>
+                          </m:sup>
+                        </m:sSup>
+                      </m:e>
+                    </m:nary>
+                  </m:oMath>
+                </a14:m>
+                <a:r>
+                  <a:rPr lang="en-US" altLang="ko-KR" sz="1400" dirty="0"/>
+                  <a:t> : total sum of squares</a:t>
+                </a:r>
+              </a:p>
+              <a:p>
+                <a:pPr marL="285750" indent="-285750">
+                  <a:buFont typeface="Arial" panose="020B0604020202020204" pitchFamily="34" charset="0"/>
+                  <a:buChar char="•"/>
+                </a:pPr>
+                <a14:m>
+                  <m:oMath xmlns:m="http://schemas.openxmlformats.org/officeDocument/2006/math">
+                    <m:sSup>
+                      <m:sSupPr>
+                        <m:ctrlPr>
+                          <a:rPr lang="en-US" altLang="ko-KR" sz="1400" b="0" i="1" smtClean="0">
+                            <a:latin typeface="Cambria Math" panose="02040503050406030204" pitchFamily="18" charset="0"/>
+                          </a:rPr>
+                        </m:ctrlPr>
+                      </m:sSupPr>
+                      <m:e>
+                        <m:r>
+                          <a:rPr lang="en-US" altLang="ko-KR" sz="1400" b="0" i="1" smtClean="0">
+                            <a:latin typeface="Cambria Math" panose="02040503050406030204" pitchFamily="18" charset="0"/>
+                          </a:rPr>
+                          <m:t>𝑅</m:t>
+                        </m:r>
+                      </m:e>
+                      <m:sup>
+                        <m:r>
+                          <a:rPr lang="en-US" altLang="ko-KR" sz="1400" b="0" i="1" smtClean="0">
+                            <a:latin typeface="Cambria Math" panose="02040503050406030204" pitchFamily="18" charset="0"/>
+                          </a:rPr>
+                          <m:t>2</m:t>
+                        </m:r>
+                      </m:sup>
+                    </m:sSup>
+                  </m:oMath>
+                </a14:m>
+                <a:r>
+                  <a:rPr lang="en-US" altLang="ko-KR" sz="1400" dirty="0"/>
+                  <a:t> is between 0 and 1</a:t>
+                </a:r>
+              </a:p>
+            </p:txBody>
+          </p:sp>
+        </mc:Choice>
+        <mc:Fallback>
+          <p:sp>
+            <p:nvSpPr>
+              <p:cNvPr id="21" name="TextBox 20">
+                <a:extLst>
+                  <a:ext uri="{FF2B5EF4-FFF2-40B4-BE49-F238E27FC236}">
+                    <a16:creationId xmlns:a16="http://schemas.microsoft.com/office/drawing/2014/main" id="{0E594E0D-4EDC-4944-83F7-7E8BD97981F3}"/>
+                  </a:ext>
+                </a:extLst>
+              </p:cNvPr>
+              <p:cNvSpPr txBox="1">
+                <a:spLocks noRot="1" noChangeAspect="1" noMove="1" noResize="1" noEditPoints="1" noAdjustHandles="1" noChangeArrowheads="1" noChangeShapeType="1" noTextEdit="1"/>
+              </p:cNvSpPr>
+              <p:nvPr/>
+            </p:nvSpPr>
+            <p:spPr>
+              <a:xfrm>
+                <a:off x="539551" y="3749295"/>
+                <a:ext cx="6079082" cy="2128222"/>
+              </a:xfrm>
+              <a:prstGeom prst="roundRect">
+                <a:avLst>
+                  <a:gd name="adj" fmla="val 7064"/>
+                </a:avLst>
+              </a:prstGeom>
+              <a:blipFill>
+                <a:blip r:embed="rId3"/>
+                <a:stretch>
+                  <a:fillRect b="-3152"/>
+                </a:stretch>
+              </a:blipFill>
+            </p:spPr>
+            <p:txBody>
+              <a:bodyPr/>
+              <a:lstStyle/>
+              <a:p>
+                <a:r>
+                  <a:rPr lang="ko-KR" altLang="en-US">
+                    <a:noFill/>
+                  </a:rPr>
+                  <a:t> </a:t>
+                </a:r>
+              </a:p>
+            </p:txBody>
+          </p:sp>
+        </mc:Fallback>
+      </mc:AlternateContent>
       <p:pic>
         <p:nvPicPr>
-          <p:cNvPr id="17" name="그림 16" descr="텍스트이(가) 표시된 사진&#10;&#10;자동 생성된 설명">
+          <p:cNvPr id="18" name="그림 17" descr="손목시계, 시계이(가) 표시된 사진&#10;&#10;자동 생성된 설명">
             <a:extLst>
               <a:ext uri="{FF2B5EF4-FFF2-40B4-BE49-F238E27FC236}">
-                <a16:creationId xmlns:a16="http://schemas.microsoft.com/office/drawing/2014/main" id="{D1F6E452-8E4D-45EC-8D04-233B62565CC8}"/>
+                <a16:creationId xmlns:a16="http://schemas.microsoft.com/office/drawing/2014/main" id="{45AF77EC-615F-45FD-BD18-59751D4719DC}"/>
               </a:ext>
             </a:extLst>
           </p:cNvPr>
@@ -6351,20 +8959,14 @@
           <p:nvPr/>
         </p:nvPicPr>
         <p:blipFill rotWithShape="1">
-          <a:blip r:embed="rId8">
-            <a:extLst>
-              <a:ext uri="{28A0092B-C50C-407E-A947-70E740481C1C}">
-                <a14:useLocalDpi xmlns:a14="http://schemas.microsoft.com/office/drawing/2010/main" val="0"/>
-              </a:ext>
-            </a:extLst>
-          </a:blip>
-          <a:srcRect l="5401" t="26760" r="-765" b="3891"/>
+          <a:blip r:embed="rId4"/>
+          <a:srcRect l="3851" t="4908" r="3851" b="8728"/>
           <a:stretch/>
         </p:blipFill>
         <p:spPr>
           <a:xfrm>
-            <a:off x="539551" y="4735867"/>
-            <a:ext cx="1701419" cy="489959"/>
+            <a:off x="8788701" y="2266093"/>
+            <a:ext cx="2091115" cy="518289"/>
           </a:xfrm>
           <a:prstGeom prst="rect">
             <a:avLst/>
@@ -6378,52 +8980,12 @@
           </a:ln>
         </p:spPr>
       </p:pic>
-      <p:sp>
-        <p:nvSpPr>
-          <p:cNvPr id="18" name="TextBox 17">
-            <a:extLst>
-              <a:ext uri="{FF2B5EF4-FFF2-40B4-BE49-F238E27FC236}">
-                <a16:creationId xmlns:a16="http://schemas.microsoft.com/office/drawing/2014/main" id="{56927534-BC02-474E-BD8A-21BAE49D4336}"/>
-              </a:ext>
-            </a:extLst>
-          </p:cNvPr>
-          <p:cNvSpPr txBox="1"/>
-          <p:nvPr/>
-        </p:nvSpPr>
-        <p:spPr>
-          <a:xfrm>
-            <a:off x="539551" y="4320000"/>
-            <a:ext cx="4433715" cy="338554"/>
-          </a:xfrm>
-          <a:prstGeom prst="rect">
-            <a:avLst/>
-          </a:prstGeom>
-          <a:noFill/>
-        </p:spPr>
-        <p:txBody>
-          <a:bodyPr wrap="square">
-            <a:spAutoFit/>
-          </a:bodyPr>
-          <a:lstStyle/>
-          <a:p>
-            <a:pPr marL="285750" indent="-285750">
-              <a:buFont typeface="Wingdings" panose="05000000000000000000" pitchFamily="2" charset="2"/>
-              <a:buChar char="Ø"/>
-            </a:pPr>
-            <a:r>
-              <a:rPr lang="en-US" altLang="ko-KR" sz="1600" dirty="0"/>
-              <a:t>The optimal number of neurons</a:t>
-            </a:r>
-            <a:endParaRPr lang="ko-KR" altLang="en-US" sz="1600" dirty="0"/>
-          </a:p>
-        </p:txBody>
-      </p:sp>
       <p:pic>
         <p:nvPicPr>
-          <p:cNvPr id="19" name="그림 18">
+          <p:cNvPr id="6" name="그림 5">
             <a:extLst>
               <a:ext uri="{FF2B5EF4-FFF2-40B4-BE49-F238E27FC236}">
-                <a16:creationId xmlns:a16="http://schemas.microsoft.com/office/drawing/2014/main" id="{98525F6B-5CF1-4B1D-AD20-92EA129FBF5D}"/>
+                <a16:creationId xmlns:a16="http://schemas.microsoft.com/office/drawing/2014/main" id="{1E37AECA-1C27-42CA-8E54-AF393C332801}"/>
               </a:ext>
             </a:extLst>
           </p:cNvPr>
@@ -6433,21 +8995,15 @@
           <p:nvPr/>
         </p:nvPicPr>
         <p:blipFill>
-          <a:blip r:embed="rId9">
-            <a:extLst>
-              <a:ext uri="{28A0092B-C50C-407E-A947-70E740481C1C}">
-                <a14:useLocalDpi xmlns:a14="http://schemas.microsoft.com/office/drawing/2010/main" val="0"/>
-              </a:ext>
-            </a:extLst>
-          </a:blip>
+          <a:blip r:embed="rId5"/>
           <a:stretch>
             <a:fillRect/>
           </a:stretch>
         </p:blipFill>
         <p:spPr>
           <a:xfrm>
-            <a:off x="5563449" y="4791400"/>
-            <a:ext cx="1850827" cy="724015"/>
+            <a:off x="9216965" y="2885600"/>
+            <a:ext cx="1234588" cy="564882"/>
           </a:xfrm>
           <a:prstGeom prst="rect">
             <a:avLst/>
@@ -6461,54 +9017,10 @@
           </a:ln>
         </p:spPr>
       </p:pic>
-      <p:sp>
-        <p:nvSpPr>
-          <p:cNvPr id="20" name="TextBox 19">
-            <a:extLst>
-              <a:ext uri="{FF2B5EF4-FFF2-40B4-BE49-F238E27FC236}">
-                <a16:creationId xmlns:a16="http://schemas.microsoft.com/office/drawing/2014/main" id="{46033BFC-B59C-4056-AECD-55CE11744952}"/>
-              </a:ext>
-            </a:extLst>
-          </p:cNvPr>
-          <p:cNvSpPr txBox="1"/>
-          <p:nvPr/>
-        </p:nvSpPr>
-        <p:spPr>
-          <a:xfrm>
-            <a:off x="5246096" y="4339030"/>
-            <a:ext cx="4433715" cy="338554"/>
-          </a:xfrm>
-          <a:prstGeom prst="rect">
-            <a:avLst/>
-          </a:prstGeom>
-          <a:noFill/>
-        </p:spPr>
-        <p:txBody>
-          <a:bodyPr wrap="square">
-            <a:spAutoFit/>
-          </a:bodyPr>
-          <a:lstStyle/>
-          <a:p>
-            <a:pPr marL="285750" indent="-285750">
-              <a:buFont typeface="Wingdings" panose="05000000000000000000" pitchFamily="2" charset="2"/>
-              <a:buChar char="Ø"/>
-            </a:pPr>
-            <a:r>
-              <a:rPr lang="en-US" altLang="ko-KR" sz="1600" dirty="0">
-                <a:effectLst/>
-                <a:latin typeface="맑은 고딕" panose="020B0503020000020004" pitchFamily="50" charset="-127"/>
-                <a:cs typeface="Times New Roman" panose="02020603050405020304" pitchFamily="18" charset="0"/>
-              </a:rPr>
-              <a:t>minimum number of data sets </a:t>
-            </a:r>
-            <a:endParaRPr lang="ko-KR" altLang="en-US" sz="1400" dirty="0"/>
-          </a:p>
-        </p:txBody>
-      </p:sp>
     </p:spTree>
     <p:extLst>
       <p:ext uri="{BB962C8B-B14F-4D97-AF65-F5344CB8AC3E}">
-        <p14:creationId xmlns:p14="http://schemas.microsoft.com/office/powerpoint/2010/main" val="1321557774"/>
+        <p14:creationId xmlns:p14="http://schemas.microsoft.com/office/powerpoint/2010/main" val="1370399028"/>
       </p:ext>
     </p:extLst>
   </p:cSld>
@@ -6537,60 +9049,6 @@
       </p:grpSpPr>
       <p:sp>
         <p:nvSpPr>
-          <p:cNvPr id="28" name="사각형: 둥근 모서리 27">
-            <a:extLst>
-              <a:ext uri="{FF2B5EF4-FFF2-40B4-BE49-F238E27FC236}">
-                <a16:creationId xmlns:a16="http://schemas.microsoft.com/office/drawing/2014/main" id="{227BC6CB-B9CB-43D4-BC9D-4ADF87748DAA}"/>
-              </a:ext>
-            </a:extLst>
-          </p:cNvPr>
-          <p:cNvSpPr/>
-          <p:nvPr/>
-        </p:nvSpPr>
-        <p:spPr>
-          <a:xfrm>
-            <a:off x="772411" y="1720340"/>
-            <a:ext cx="10590984" cy="4545688"/>
-          </a:xfrm>
-          <a:prstGeom prst="roundRect">
-            <a:avLst/>
-          </a:prstGeom>
-          <a:solidFill>
-            <a:schemeClr val="bg1">
-              <a:lumMod val="95000"/>
-            </a:schemeClr>
-          </a:solidFill>
-          <a:ln>
-            <a:noFill/>
-          </a:ln>
-        </p:spPr>
-        <p:style>
-          <a:lnRef idx="2">
-            <a:schemeClr val="accent1">
-              <a:shade val="50000"/>
-            </a:schemeClr>
-          </a:lnRef>
-          <a:fillRef idx="1">
-            <a:schemeClr val="accent1"/>
-          </a:fillRef>
-          <a:effectRef idx="0">
-            <a:schemeClr val="accent1"/>
-          </a:effectRef>
-          <a:fontRef idx="minor">
-            <a:schemeClr val="lt1"/>
-          </a:fontRef>
-        </p:style>
-        <p:txBody>
-          <a:bodyPr rtlCol="0" anchor="ctr"/>
-          <a:lstStyle/>
-          <a:p>
-            <a:pPr algn="ctr"/>
-            <a:endParaRPr lang="ko-KR" altLang="en-US"/>
-          </a:p>
-        </p:txBody>
-      </p:sp>
-      <p:sp>
-        <p:nvSpPr>
           <p:cNvPr id="8" name="TextBox 7">
             <a:extLst>
               <a:ext uri="{FF2B5EF4-FFF2-40B4-BE49-F238E27FC236}">
@@ -6603,7 +9061,7 @@
         </p:nvSpPr>
         <p:spPr>
           <a:xfrm>
-            <a:off x="1216499" y="2146188"/>
+            <a:off x="1165699" y="1917091"/>
             <a:ext cx="5266319" cy="461665"/>
           </a:xfrm>
           <a:prstGeom prst="rect">
@@ -6725,7 +9183,7 @@
         </p:nvSpPr>
         <p:spPr>
           <a:xfrm>
-            <a:off x="1216500" y="2804632"/>
+            <a:off x="1165700" y="2575535"/>
             <a:ext cx="9758998" cy="461665"/>
           </a:xfrm>
           <a:prstGeom prst="rect">
@@ -6784,7 +9242,7 @@
         </p:nvSpPr>
         <p:spPr>
           <a:xfrm>
-            <a:off x="1216500" y="3463076"/>
+            <a:off x="1165700" y="3233979"/>
             <a:ext cx="5394655" cy="461665"/>
           </a:xfrm>
           <a:prstGeom prst="rect">
@@ -6843,7 +9301,7 @@
         </p:nvSpPr>
         <p:spPr>
           <a:xfrm>
-            <a:off x="1216500" y="4121520"/>
+            <a:off x="1165700" y="3892423"/>
             <a:ext cx="9111915" cy="461665"/>
           </a:xfrm>
           <a:prstGeom prst="rect">
@@ -6918,7 +9376,7 @@
         </p:nvSpPr>
         <p:spPr>
           <a:xfrm>
-            <a:off x="1216500" y="4779964"/>
+            <a:off x="1165700" y="4550867"/>
             <a:ext cx="5394655" cy="461665"/>
           </a:xfrm>
           <a:prstGeom prst="rect">
@@ -6977,7 +9435,7 @@
         </p:nvSpPr>
         <p:spPr>
           <a:xfrm>
-            <a:off x="1216499" y="5438408"/>
+            <a:off x="1165699" y="5209311"/>
             <a:ext cx="5394655" cy="461665"/>
           </a:xfrm>
           <a:prstGeom prst="rect">
@@ -7665,8 +10123,8 @@
           </a:p>
         </p:txBody>
       </p:sp>
-      <mc:AlternateContent xmlns:mc="http://schemas.openxmlformats.org/markup-compatibility/2006">
-        <mc:Choice xmlns:a14="http://schemas.microsoft.com/office/drawing/2010/main" Requires="a14">
+      <mc:AlternateContent xmlns:mc="http://schemas.openxmlformats.org/markup-compatibility/2006" xmlns:a14="http://schemas.microsoft.com/office/drawing/2010/main">
+        <mc:Choice Requires="a14">
           <p:sp>
             <p:nvSpPr>
               <p:cNvPr id="12" name="TextBox 11">
@@ -7826,7 +10284,7 @@
             </p:txBody>
           </p:sp>
         </mc:Choice>
-        <mc:Fallback>
+        <mc:Fallback xmlns="">
           <p:sp>
             <p:nvSpPr>
               <p:cNvPr id="12" name="TextBox 11">
@@ -10092,8 +12550,12 @@
               </a:lstStyle>
               <a:p>
                 <a:r>
+                  <a:rPr lang="en-US" altLang="ko-KR" b="1" dirty="0"/>
+                  <a:t>Input layer</a:t>
+                </a:r>
+                <a:r>
                   <a:rPr lang="en-US" altLang="ko-KR" dirty="0"/>
-                  <a:t>Input layer: 2 input variables</a:t>
+                  <a:t>: 2 input variables</a:t>
                 </a:r>
               </a:p>
               <a:p>
@@ -10140,8 +12602,12 @@
               </a:p>
               <a:p>
                 <a:r>
+                  <a:rPr lang="en-US" altLang="ko-KR" b="1" dirty="0"/>
+                  <a:t>1 hidden layer</a:t>
+                </a:r>
+                <a:r>
                   <a:rPr lang="en-US" altLang="ko-KR" dirty="0"/>
-                  <a:t>1 hidden layer : 3 neurons</a:t>
+                  <a:t> : 3 neurons</a:t>
                 </a:r>
               </a:p>
               <a:p>
@@ -10209,8 +12675,12 @@
               </a:p>
               <a:p>
                 <a:r>
+                  <a:rPr lang="en-US" altLang="ko-KR" b="1" dirty="0"/>
+                  <a:t>Output layer </a:t>
+                </a:r>
+                <a:r>
                   <a:rPr lang="en-US" altLang="ko-KR" dirty="0"/>
-                  <a:t>Output layer : 1 neuron</a:t>
+                  <a:t>: 1 neuron</a:t>
                 </a:r>
               </a:p>
               <a:p>
